--- a/LC_EDA.pptx
+++ b/LC_EDA.pptx
@@ -10,6 +10,8 @@
     <p:sldId id="258" r:id="rId4"/>
     <p:sldId id="260" r:id="rId5"/>
     <p:sldId id="259" r:id="rId6"/>
+    <p:sldId id="261" r:id="rId7"/>
+    <p:sldId id="262" r:id="rId8"/>
   </p:sldIdLst>
   <p:sldSz cx="12192000" cy="6858000"/>
   <p:notesSz cx="6858000" cy="9144000"/>
@@ -108,6 +110,11 @@
       </a:defRPr>
     </a:lvl9pPr>
   </p:defaultTextStyle>
+  <p:extLst>
+    <p:ext uri="{EFAFB233-063F-42B5-8137-9DF3F51BA10A}">
+      <p15:sldGuideLst xmlns:p15="http://schemas.microsoft.com/office/powerpoint/2012/main"/>
+    </p:ext>
+  </p:extLst>
 </p:presentation>
 </file>
 
@@ -258,7 +265,7 @@
           <a:p>
             <a:fld id="{C7B9B890-5854-406C-8838-B20E3F1E48D3}" type="datetimeFigureOut">
               <a:rPr lang="en-US" smtClean="0"/>
-              <a:t>4/4/2022</a:t>
+              <a:t>4/5/2022</a:t>
             </a:fld>
             <a:endParaRPr lang="en-US"/>
           </a:p>
@@ -456,7 +463,7 @@
           <a:p>
             <a:fld id="{C7B9B890-5854-406C-8838-B20E3F1E48D3}" type="datetimeFigureOut">
               <a:rPr lang="en-US" smtClean="0"/>
-              <a:t>4/4/2022</a:t>
+              <a:t>4/5/2022</a:t>
             </a:fld>
             <a:endParaRPr lang="en-US"/>
           </a:p>
@@ -664,7 +671,7 @@
           <a:p>
             <a:fld id="{C7B9B890-5854-406C-8838-B20E3F1E48D3}" type="datetimeFigureOut">
               <a:rPr lang="en-US" smtClean="0"/>
-              <a:t>4/4/2022</a:t>
+              <a:t>4/5/2022</a:t>
             </a:fld>
             <a:endParaRPr lang="en-US"/>
           </a:p>
@@ -862,7 +869,7 @@
           <a:p>
             <a:fld id="{C7B9B890-5854-406C-8838-B20E3F1E48D3}" type="datetimeFigureOut">
               <a:rPr lang="en-US" smtClean="0"/>
-              <a:t>4/4/2022</a:t>
+              <a:t>4/5/2022</a:t>
             </a:fld>
             <a:endParaRPr lang="en-US"/>
           </a:p>
@@ -1137,7 +1144,7 @@
           <a:p>
             <a:fld id="{C7B9B890-5854-406C-8838-B20E3F1E48D3}" type="datetimeFigureOut">
               <a:rPr lang="en-US" smtClean="0"/>
-              <a:t>4/4/2022</a:t>
+              <a:t>4/5/2022</a:t>
             </a:fld>
             <a:endParaRPr lang="en-US"/>
           </a:p>
@@ -1402,7 +1409,7 @@
           <a:p>
             <a:fld id="{C7B9B890-5854-406C-8838-B20E3F1E48D3}" type="datetimeFigureOut">
               <a:rPr lang="en-US" smtClean="0"/>
-              <a:t>4/4/2022</a:t>
+              <a:t>4/5/2022</a:t>
             </a:fld>
             <a:endParaRPr lang="en-US"/>
           </a:p>
@@ -1814,7 +1821,7 @@
           <a:p>
             <a:fld id="{C7B9B890-5854-406C-8838-B20E3F1E48D3}" type="datetimeFigureOut">
               <a:rPr lang="en-US" smtClean="0"/>
-              <a:t>4/4/2022</a:t>
+              <a:t>4/5/2022</a:t>
             </a:fld>
             <a:endParaRPr lang="en-US"/>
           </a:p>
@@ -1955,7 +1962,7 @@
           <a:p>
             <a:fld id="{C7B9B890-5854-406C-8838-B20E3F1E48D3}" type="datetimeFigureOut">
               <a:rPr lang="en-US" smtClean="0"/>
-              <a:t>4/4/2022</a:t>
+              <a:t>4/5/2022</a:t>
             </a:fld>
             <a:endParaRPr lang="en-US"/>
           </a:p>
@@ -2068,7 +2075,7 @@
           <a:p>
             <a:fld id="{C7B9B890-5854-406C-8838-B20E3F1E48D3}" type="datetimeFigureOut">
               <a:rPr lang="en-US" smtClean="0"/>
-              <a:t>4/4/2022</a:t>
+              <a:t>4/5/2022</a:t>
             </a:fld>
             <a:endParaRPr lang="en-US"/>
           </a:p>
@@ -2379,7 +2386,7 @@
           <a:p>
             <a:fld id="{C7B9B890-5854-406C-8838-B20E3F1E48D3}" type="datetimeFigureOut">
               <a:rPr lang="en-US" smtClean="0"/>
-              <a:t>4/4/2022</a:t>
+              <a:t>4/5/2022</a:t>
             </a:fld>
             <a:endParaRPr lang="en-US"/>
           </a:p>
@@ -2667,7 +2674,7 @@
           <a:p>
             <a:fld id="{C7B9B890-5854-406C-8838-B20E3F1E48D3}" type="datetimeFigureOut">
               <a:rPr lang="en-US" smtClean="0"/>
-              <a:t>4/4/2022</a:t>
+              <a:t>4/5/2022</a:t>
             </a:fld>
             <a:endParaRPr lang="en-US"/>
           </a:p>
@@ -2908,7 +2915,7 @@
           <a:p>
             <a:fld id="{C7B9B890-5854-406C-8838-B20E3F1E48D3}" type="datetimeFigureOut">
               <a:rPr lang="en-US" smtClean="0"/>
-              <a:t>4/4/2022</a:t>
+              <a:t>4/5/2022</a:t>
             </a:fld>
             <a:endParaRPr lang="en-US"/>
           </a:p>
@@ -3448,7 +3455,10 @@
           <a:lstStyle/>
           <a:p>
             <a:r>
-              <a:rPr lang="en-US" b="1" dirty="0"/>
+              <a:rPr lang="en-US" b="1" dirty="0">
+                <a:latin typeface="Times New Roman" panose="02020603050405020304" pitchFamily="18" charset="0"/>
+                <a:cs typeface="Times New Roman" panose="02020603050405020304" pitchFamily="18" charset="0"/>
+              </a:rPr>
               <a:t>Business Objective &amp; Approach</a:t>
             </a:r>
           </a:p>
@@ -3469,7 +3479,7 @@
         <p:spPr>
           <a:xfrm>
             <a:off x="838200" y="1886773"/>
-            <a:ext cx="10924309" cy="2246769"/>
+            <a:ext cx="10924309" cy="1631216"/>
           </a:xfrm>
           <a:prstGeom prst="rect">
             <a:avLst/>
@@ -3488,7 +3498,8 @@
                   <a:srgbClr val="000000"/>
                 </a:solidFill>
                 <a:effectLst/>
-                <a:latin typeface="Consolas" panose="020B0609020204030204" pitchFamily="49" charset="0"/>
+                <a:latin typeface="Times New Roman" panose="02020603050405020304" pitchFamily="18" charset="0"/>
+                <a:cs typeface="Times New Roman" panose="02020603050405020304" pitchFamily="18" charset="0"/>
               </a:rPr>
               <a:t>Objectives:</a:t>
             </a:r>
@@ -3504,7 +3515,8 @@
                   <a:srgbClr val="000000"/>
                 </a:solidFill>
                 <a:effectLst/>
-                <a:latin typeface="Consolas" panose="020B0609020204030204" pitchFamily="49" charset="0"/>
+                <a:latin typeface="Times New Roman" panose="02020603050405020304" pitchFamily="18" charset="0"/>
+                <a:cs typeface="Times New Roman" panose="02020603050405020304" pitchFamily="18" charset="0"/>
               </a:rPr>
               <a:t>Understanding the driving factors behind loan default thereby aiming to reduce credit loss </a:t>
             </a:r>
@@ -3520,7 +3532,8 @@
                   <a:srgbClr val="000000"/>
                 </a:solidFill>
                 <a:effectLst/>
-                <a:latin typeface="Consolas" panose="020B0609020204030204" pitchFamily="49" charset="0"/>
+                <a:latin typeface="Times New Roman" panose="02020603050405020304" pitchFamily="18" charset="0"/>
+                <a:cs typeface="Times New Roman" panose="02020603050405020304" pitchFamily="18" charset="0"/>
               </a:rPr>
               <a:t>Data Driven inferences to prevent charging off for a potential loan applicant</a:t>
             </a:r>
@@ -3544,7 +3557,8 @@
                 <a:solidFill>
                   <a:srgbClr val="000000"/>
                 </a:solidFill>
-                <a:latin typeface="Consolas" panose="020B0609020204030204" pitchFamily="49" charset="0"/>
+                <a:latin typeface="Times New Roman" panose="02020603050405020304" pitchFamily="18" charset="0"/>
+                <a:cs typeface="Times New Roman" panose="02020603050405020304" pitchFamily="18" charset="0"/>
               </a:rPr>
               <a:t>Approach:</a:t>
             </a:r>
@@ -3553,7 +3567,8 @@
                 <a:srgbClr val="000000"/>
               </a:solidFill>
               <a:effectLst/>
-              <a:latin typeface="Consolas" panose="020B0609020204030204" pitchFamily="49" charset="0"/>
+              <a:latin typeface="Times New Roman" panose="02020603050405020304" pitchFamily="18" charset="0"/>
+              <a:cs typeface="Times New Roman" panose="02020603050405020304" pitchFamily="18" charset="0"/>
             </a:endParaRPr>
           </a:p>
         </p:txBody>
@@ -3572,7 +3587,7 @@
         </p:nvGrpSpPr>
         <p:grpSpPr>
           <a:xfrm>
-            <a:off x="305685" y="4530436"/>
+            <a:off x="249113" y="3934691"/>
             <a:ext cx="11693774" cy="1801091"/>
             <a:chOff x="305685" y="4856968"/>
             <a:chExt cx="11693774" cy="827039"/>
@@ -3798,7 +3813,10 @@
                 <a:buNone/>
               </a:pPr>
               <a:r>
-                <a:rPr lang="en-US" sz="2000" b="1" kern="1200" dirty="0"/>
+                <a:rPr lang="en-US" sz="2000" b="1" kern="1200" dirty="0">
+                  <a:latin typeface="Times New Roman" panose="02020603050405020304" pitchFamily="18" charset="0"/>
+                  <a:cs typeface="Times New Roman" panose="02020603050405020304" pitchFamily="18" charset="0"/>
+                </a:rPr>
                 <a:t>Data Understanding</a:t>
               </a:r>
             </a:p>
@@ -4024,7 +4042,10 @@
                 <a:buNone/>
               </a:pPr>
               <a:r>
-                <a:rPr lang="en-US" sz="2000" b="1" kern="1200" dirty="0"/>
+                <a:rPr lang="en-US" sz="2000" b="1" kern="1200" dirty="0">
+                  <a:latin typeface="Times New Roman" panose="02020603050405020304" pitchFamily="18" charset="0"/>
+                  <a:cs typeface="Times New Roman" panose="02020603050405020304" pitchFamily="18" charset="0"/>
+                </a:rPr>
                 <a:t>Data Cleaning</a:t>
               </a:r>
             </a:p>
@@ -4250,7 +4271,10 @@
                 <a:buNone/>
               </a:pPr>
               <a:r>
-                <a:rPr lang="en-US" sz="2000" b="1" kern="1200" dirty="0"/>
+                <a:rPr lang="en-US" sz="2000" b="1" kern="1200" dirty="0">
+                  <a:latin typeface="Times New Roman" panose="02020603050405020304" pitchFamily="18" charset="0"/>
+                  <a:cs typeface="Times New Roman" panose="02020603050405020304" pitchFamily="18" charset="0"/>
+                </a:rPr>
                 <a:t>Selecting Key Features for EDA</a:t>
               </a:r>
             </a:p>
@@ -4323,8 +4347,8 @@
           </p:nvSpPr>
           <p:spPr>
             <a:xfrm>
-              <a:off x="6239051" y="5270485"/>
-              <a:ext cx="1898034" cy="413522"/>
+              <a:off x="6239051" y="5219593"/>
+              <a:ext cx="1898034" cy="464414"/>
             </a:xfrm>
             <a:custGeom>
               <a:avLst/>
@@ -4476,7 +4500,10 @@
                 <a:buNone/>
               </a:pPr>
               <a:r>
-                <a:rPr lang="en-US" b="1" kern="1200" dirty="0"/>
+                <a:rPr lang="en-US" b="1" kern="1200" dirty="0">
+                  <a:latin typeface="Times New Roman" panose="02020603050405020304" pitchFamily="18" charset="0"/>
+                  <a:cs typeface="Times New Roman" panose="02020603050405020304" pitchFamily="18" charset="0"/>
+                </a:rPr>
                 <a:t>Univariate &amp; Segmented Univariate Analysis</a:t>
               </a:r>
             </a:p>
@@ -4702,7 +4729,10 @@
                 <a:buNone/>
               </a:pPr>
               <a:r>
-                <a:rPr lang="en-US" sz="2000" b="1" kern="1200" dirty="0"/>
+                <a:rPr lang="en-US" sz="2000" b="1" kern="1200" dirty="0">
+                  <a:latin typeface="Times New Roman" panose="02020603050405020304" pitchFamily="18" charset="0"/>
+                  <a:cs typeface="Times New Roman" panose="02020603050405020304" pitchFamily="18" charset="0"/>
+                </a:rPr>
                 <a:t>Bivariate Analysis</a:t>
               </a:r>
             </a:p>
@@ -4775,8 +4805,8 @@
           </p:nvSpPr>
           <p:spPr>
             <a:xfrm>
-              <a:off x="10154753" y="5270485"/>
-              <a:ext cx="1844706" cy="413522"/>
+              <a:off x="10154753" y="5219593"/>
+              <a:ext cx="1844706" cy="464414"/>
             </a:xfrm>
             <a:custGeom>
               <a:avLst/>
@@ -4928,8 +4958,11 @@
                 <a:buNone/>
               </a:pPr>
               <a:r>
-                <a:rPr lang="en-US" sz="1900" b="1" kern="1200" dirty="0"/>
-                <a:t>Conclusions and Recommendations</a:t>
+                <a:rPr lang="en-US" sz="1900" b="1" kern="1200" dirty="0">
+                  <a:latin typeface="Times New Roman" panose="02020603050405020304" pitchFamily="18" charset="0"/>
+                  <a:cs typeface="Times New Roman" panose="02020603050405020304" pitchFamily="18" charset="0"/>
+                </a:rPr>
+                <a:t>Conclusions &amp; Recommendations</a:t>
               </a:r>
             </a:p>
           </p:txBody>
@@ -4983,24 +5016,30 @@
         </p:nvSpPr>
         <p:spPr>
           <a:xfrm>
-            <a:off x="760784" y="2227407"/>
-            <a:ext cx="10515600" cy="4351338"/>
+            <a:off x="379799" y="2407516"/>
+            <a:ext cx="11563088" cy="4351338"/>
           </a:xfrm>
         </p:spPr>
         <p:txBody>
           <a:bodyPr>
-            <a:normAutofit lnSpcReduction="10000"/>
+            <a:normAutofit/>
           </a:bodyPr>
           <a:lstStyle/>
           <a:p>
             <a:r>
-              <a:rPr lang="en-US" dirty="0"/>
+              <a:rPr lang="en-US" sz="2400" dirty="0">
+                <a:latin typeface="Times New Roman" panose="02020603050405020304" pitchFamily="18" charset="0"/>
+                <a:cs typeface="Times New Roman" panose="02020603050405020304" pitchFamily="18" charset="0"/>
+              </a:rPr>
               <a:t>Understanding the meaning of variables with the help of data dictionary</a:t>
             </a:r>
           </a:p>
           <a:p>
             <a:r>
-              <a:rPr lang="en-US" dirty="0"/>
+              <a:rPr lang="en-US" sz="2400" dirty="0">
+                <a:latin typeface="Times New Roman" panose="02020603050405020304" pitchFamily="18" charset="0"/>
+                <a:cs typeface="Times New Roman" panose="02020603050405020304" pitchFamily="18" charset="0"/>
+              </a:rPr>
               <a:t>Trying to group the variables and understanding their relevance:</a:t>
             </a:r>
           </a:p>
@@ -5010,15 +5049,24 @@
               <a:buChar char="§"/>
             </a:pPr>
             <a:r>
-              <a:rPr lang="en-US" dirty="0"/>
+              <a:rPr lang="en-US" dirty="0">
+                <a:latin typeface="Times New Roman" panose="02020603050405020304" pitchFamily="18" charset="0"/>
+                <a:cs typeface="Times New Roman" panose="02020603050405020304" pitchFamily="18" charset="0"/>
+              </a:rPr>
               <a:t>Demographic variables (details about the person </a:t>
             </a:r>
             <a:r>
-              <a:rPr lang="en-US" i="1" dirty="0"/>
+              <a:rPr lang="en-US" i="1" dirty="0">
+                <a:latin typeface="Times New Roman" panose="02020603050405020304" pitchFamily="18" charset="0"/>
+                <a:cs typeface="Times New Roman" panose="02020603050405020304" pitchFamily="18" charset="0"/>
+              </a:rPr>
               <a:t>ex. state</a:t>
             </a:r>
             <a:r>
-              <a:rPr lang="en-US" dirty="0"/>
+              <a:rPr lang="en-US" dirty="0">
+                <a:latin typeface="Times New Roman" panose="02020603050405020304" pitchFamily="18" charset="0"/>
+                <a:cs typeface="Times New Roman" panose="02020603050405020304" pitchFamily="18" charset="0"/>
+              </a:rPr>
               <a:t>)</a:t>
             </a:r>
           </a:p>
@@ -5028,15 +5076,24 @@
               <a:buChar char="§"/>
             </a:pPr>
             <a:r>
-              <a:rPr lang="en-US" dirty="0"/>
+              <a:rPr lang="en-US" dirty="0">
+                <a:latin typeface="Times New Roman" panose="02020603050405020304" pitchFamily="18" charset="0"/>
+                <a:cs typeface="Times New Roman" panose="02020603050405020304" pitchFamily="18" charset="0"/>
+              </a:rPr>
               <a:t>Loan variables(details about the current loan </a:t>
             </a:r>
             <a:r>
-              <a:rPr lang="en-US" i="1" dirty="0"/>
+              <a:rPr lang="en-US" i="1" dirty="0">
+                <a:latin typeface="Times New Roman" panose="02020603050405020304" pitchFamily="18" charset="0"/>
+                <a:cs typeface="Times New Roman" panose="02020603050405020304" pitchFamily="18" charset="0"/>
+              </a:rPr>
               <a:t>ex. int_rate</a:t>
             </a:r>
             <a:r>
-              <a:rPr lang="en-US" dirty="0"/>
+              <a:rPr lang="en-US" dirty="0">
+                <a:latin typeface="Times New Roman" panose="02020603050405020304" pitchFamily="18" charset="0"/>
+                <a:cs typeface="Times New Roman" panose="02020603050405020304" pitchFamily="18" charset="0"/>
+              </a:rPr>
               <a:t>)</a:t>
             </a:r>
           </a:p>
@@ -5046,40 +5103,74 @@
               <a:buChar char="§"/>
             </a:pPr>
             <a:r>
-              <a:rPr lang="en-US" dirty="0"/>
+              <a:rPr lang="en-US" dirty="0">
+                <a:latin typeface="Times New Roman" panose="02020603050405020304" pitchFamily="18" charset="0"/>
+                <a:cs typeface="Times New Roman" panose="02020603050405020304" pitchFamily="18" charset="0"/>
+              </a:rPr>
               <a:t>Applicant credit profile(details about the past credit lines and credibility </a:t>
             </a:r>
             <a:r>
-              <a:rPr lang="en-US" i="1" dirty="0"/>
+              <a:rPr lang="en-US" i="1" dirty="0">
+                <a:latin typeface="Times New Roman" panose="02020603050405020304" pitchFamily="18" charset="0"/>
+                <a:cs typeface="Times New Roman" panose="02020603050405020304" pitchFamily="18" charset="0"/>
+              </a:rPr>
               <a:t>ex. delinq_2_years</a:t>
             </a:r>
             <a:r>
-              <a:rPr lang="en-US" dirty="0"/>
+              <a:rPr lang="en-US" dirty="0">
+                <a:latin typeface="Times New Roman" panose="02020603050405020304" pitchFamily="18" charset="0"/>
+                <a:cs typeface="Times New Roman" panose="02020603050405020304" pitchFamily="18" charset="0"/>
+              </a:rPr>
               <a:t>)</a:t>
             </a:r>
           </a:p>
           <a:p>
             <a:r>
-              <a:rPr lang="en-US" dirty="0"/>
+              <a:rPr lang="en-US" sz="2400" dirty="0">
+                <a:latin typeface="Times New Roman" panose="02020603050405020304" pitchFamily="18" charset="0"/>
+                <a:cs typeface="Times New Roman" panose="02020603050405020304" pitchFamily="18" charset="0"/>
+              </a:rPr>
               <a:t>Target variable is </a:t>
             </a:r>
             <a:r>
-              <a:rPr lang="en-US" b="1" dirty="0"/>
+              <a:rPr lang="en-US" sz="2400" b="1" dirty="0">
+                <a:latin typeface="Times New Roman" panose="02020603050405020304" pitchFamily="18" charset="0"/>
+                <a:cs typeface="Times New Roman" panose="02020603050405020304" pitchFamily="18" charset="0"/>
+              </a:rPr>
               <a:t>loan status</a:t>
             </a:r>
           </a:p>
           <a:p>
+            <a:pPr marL="0" indent="0">
+              <a:buNone/>
+            </a:pPr>
             <a:r>
-              <a:rPr lang="en-US" dirty="0"/>
-              <a:t>For our objective, the customers with loan status as “</a:t>
+              <a:rPr lang="en-US" sz="2400" b="1" u="sng" dirty="0">
+                <a:latin typeface="Times New Roman" panose="02020603050405020304" pitchFamily="18" charset="0"/>
+                <a:cs typeface="Times New Roman" panose="02020603050405020304" pitchFamily="18" charset="0"/>
+              </a:rPr>
+              <a:t>Assumption</a:t>
             </a:r>
             <a:r>
-              <a:rPr lang="en-US" b="1" dirty="0"/>
+              <a:rPr lang="en-US" sz="2400" dirty="0">
+                <a:latin typeface="Times New Roman" panose="02020603050405020304" pitchFamily="18" charset="0"/>
+                <a:cs typeface="Times New Roman" panose="02020603050405020304" pitchFamily="18" charset="0"/>
+              </a:rPr>
+              <a:t> : For our objective, the customers with loan status as </a:t>
+            </a:r>
+            <a:r>
+              <a:rPr lang="en-US" sz="2400" b="1" dirty="0">
+                <a:latin typeface="Times New Roman" panose="02020603050405020304" pitchFamily="18" charset="0"/>
+                <a:cs typeface="Times New Roman" panose="02020603050405020304" pitchFamily="18" charset="0"/>
+              </a:rPr>
               <a:t>Current</a:t>
             </a:r>
             <a:r>
-              <a:rPr lang="en-US" dirty="0"/>
-              <a:t>” are not important for the study, since we want to analyze the driving factors for the completed loans</a:t>
+              <a:rPr lang="en-US" sz="2400" dirty="0">
+                <a:latin typeface="Times New Roman" panose="02020603050405020304" pitchFamily="18" charset="0"/>
+                <a:cs typeface="Times New Roman" panose="02020603050405020304" pitchFamily="18" charset="0"/>
+              </a:rPr>
+              <a:t> are not important for the study, since we want to analyze the driving factors for the completed loans</a:t>
             </a:r>
           </a:p>
           <a:p>
@@ -5092,10 +5183,10 @@
       </p:sp>
       <p:grpSp>
         <p:nvGrpSpPr>
-          <p:cNvPr id="19" name="Group 18">
+          <p:cNvPr id="16" name="Group 15">
             <a:extLst>
               <a:ext uri="{FF2B5EF4-FFF2-40B4-BE49-F238E27FC236}">
-                <a16:creationId xmlns:a16="http://schemas.microsoft.com/office/drawing/2014/main" id="{CE207A91-B358-401D-8920-12FDA80AF87B}"/>
+                <a16:creationId xmlns:a16="http://schemas.microsoft.com/office/drawing/2014/main" id="{F553DAA9-9AF7-49EB-871D-FCC4438560F2}"/>
               </a:ext>
             </a:extLst>
           </p:cNvPr>
@@ -5104,7 +5195,7 @@
         </p:nvGrpSpPr>
         <p:grpSpPr>
           <a:xfrm>
-            <a:off x="388813" y="138545"/>
+            <a:off x="249113" y="279255"/>
             <a:ext cx="11693774" cy="1801091"/>
             <a:chOff x="305685" y="4856968"/>
             <a:chExt cx="11693774" cy="827039"/>
@@ -5112,10 +5203,10 @@
         </p:grpSpPr>
         <p:sp>
           <p:nvSpPr>
-            <p:cNvPr id="20" name="Arrow: Chevron 19">
+            <p:cNvPr id="17" name="Arrow: Chevron 16">
               <a:extLst>
                 <a:ext uri="{FF2B5EF4-FFF2-40B4-BE49-F238E27FC236}">
-                  <a16:creationId xmlns:a16="http://schemas.microsoft.com/office/drawing/2014/main" id="{45073C02-8B3E-40C5-AE50-ABE97B64C0D1}"/>
+                  <a16:creationId xmlns:a16="http://schemas.microsoft.com/office/drawing/2014/main" id="{EB7A61C6-6391-49B8-B609-3C372331BF9A}"/>
                 </a:ext>
               </a:extLst>
             </p:cNvPr>
@@ -5168,10 +5259,10 @@
         </p:sp>
         <p:sp>
           <p:nvSpPr>
-            <p:cNvPr id="21" name="Freeform: Shape 20">
+            <p:cNvPr id="18" name="Freeform: Shape 17">
               <a:extLst>
                 <a:ext uri="{FF2B5EF4-FFF2-40B4-BE49-F238E27FC236}">
-                  <a16:creationId xmlns:a16="http://schemas.microsoft.com/office/drawing/2014/main" id="{DC1D55A0-5F8C-4114-89FD-6D0A51EEC3BB}"/>
+                  <a16:creationId xmlns:a16="http://schemas.microsoft.com/office/drawing/2014/main" id="{4904BF68-47DD-4F2D-BFC5-0DA37004AB0B}"/>
                 </a:ext>
               </a:extLst>
             </p:cNvPr>
@@ -5277,14 +5368,9 @@
                 </a:path>
               </a:pathLst>
             </a:custGeom>
-            <a:solidFill>
-              <a:schemeClr val="bg1">
-                <a:alpha val="90000"/>
-              </a:schemeClr>
-            </a:solidFill>
             <a:ln w="38100">
               <a:solidFill>
-                <a:schemeClr val="accent6"/>
+                <a:srgbClr val="00B050"/>
               </a:solidFill>
             </a:ln>
           </p:spPr>
@@ -5343,7 +5429,13 @@
                 <a:buNone/>
               </a:pPr>
               <a:r>
-                <a:rPr lang="en-US" sz="2000" b="1" kern="1200" dirty="0"/>
+                <a:rPr lang="en-US" sz="2000" b="1" kern="1200" dirty="0">
+                  <a:solidFill>
+                    <a:schemeClr val="accent6"/>
+                  </a:solidFill>
+                  <a:latin typeface="Times New Roman" panose="02020603050405020304" pitchFamily="18" charset="0"/>
+                  <a:cs typeface="Times New Roman" panose="02020603050405020304" pitchFamily="18" charset="0"/>
+                </a:rPr>
                 <a:t>Data Understanding</a:t>
               </a:r>
             </a:p>
@@ -5351,10 +5443,10 @@
         </p:sp>
         <p:sp>
           <p:nvSpPr>
-            <p:cNvPr id="22" name="Arrow: Chevron 21">
+            <p:cNvPr id="32" name="Arrow: Chevron 31">
               <a:extLst>
                 <a:ext uri="{FF2B5EF4-FFF2-40B4-BE49-F238E27FC236}">
-                  <a16:creationId xmlns:a16="http://schemas.microsoft.com/office/drawing/2014/main" id="{AD653266-E714-4800-AB12-74DACC879F04}"/>
+                  <a16:creationId xmlns:a16="http://schemas.microsoft.com/office/drawing/2014/main" id="{DCBBEDA2-8AA0-46CF-9DF6-970E231A6E3A}"/>
                 </a:ext>
               </a:extLst>
             </p:cNvPr>
@@ -5404,10 +5496,10 @@
         </p:sp>
         <p:sp>
           <p:nvSpPr>
-            <p:cNvPr id="23" name="Freeform: Shape 22">
+            <p:cNvPr id="33" name="Freeform: Shape 32">
               <a:extLst>
                 <a:ext uri="{FF2B5EF4-FFF2-40B4-BE49-F238E27FC236}">
-                  <a16:creationId xmlns:a16="http://schemas.microsoft.com/office/drawing/2014/main" id="{1797FDD5-5780-4862-9B9A-0A3A6339EC82}"/>
+                  <a16:creationId xmlns:a16="http://schemas.microsoft.com/office/drawing/2014/main" id="{EDB84E53-7302-4B9F-814D-F33282411981}"/>
                 </a:ext>
               </a:extLst>
             </p:cNvPr>
@@ -5569,7 +5661,10 @@
                 <a:buNone/>
               </a:pPr>
               <a:r>
-                <a:rPr lang="en-US" sz="2000" b="1" kern="1200" dirty="0"/>
+                <a:rPr lang="en-US" sz="2000" b="1" kern="1200" dirty="0">
+                  <a:latin typeface="Times New Roman" panose="02020603050405020304" pitchFamily="18" charset="0"/>
+                  <a:cs typeface="Times New Roman" panose="02020603050405020304" pitchFamily="18" charset="0"/>
+                </a:rPr>
                 <a:t>Data Cleaning</a:t>
               </a:r>
             </a:p>
@@ -5577,10 +5672,10 @@
         </p:sp>
         <p:sp>
           <p:nvSpPr>
-            <p:cNvPr id="24" name="Arrow: Chevron 23">
+            <p:cNvPr id="34" name="Arrow: Chevron 33">
               <a:extLst>
                 <a:ext uri="{FF2B5EF4-FFF2-40B4-BE49-F238E27FC236}">
-                  <a16:creationId xmlns:a16="http://schemas.microsoft.com/office/drawing/2014/main" id="{047D39B0-339C-43C5-9D27-8F8B738FD5F9}"/>
+                  <a16:creationId xmlns:a16="http://schemas.microsoft.com/office/drawing/2014/main" id="{07379939-8454-4731-9107-AE7BD9B88829}"/>
                 </a:ext>
               </a:extLst>
             </p:cNvPr>
@@ -5630,10 +5725,10 @@
         </p:sp>
         <p:sp>
           <p:nvSpPr>
-            <p:cNvPr id="25" name="Freeform: Shape 24">
+            <p:cNvPr id="35" name="Freeform: Shape 34">
               <a:extLst>
                 <a:ext uri="{FF2B5EF4-FFF2-40B4-BE49-F238E27FC236}">
-                  <a16:creationId xmlns:a16="http://schemas.microsoft.com/office/drawing/2014/main" id="{0627B46A-7EE4-4FDC-A6AF-E3389CD69513}"/>
+                  <a16:creationId xmlns:a16="http://schemas.microsoft.com/office/drawing/2014/main" id="{D6493C7F-ADD0-4208-B74F-E1C2A72ED228}"/>
                 </a:ext>
               </a:extLst>
             </p:cNvPr>
@@ -5795,7 +5890,10 @@
                 <a:buNone/>
               </a:pPr>
               <a:r>
-                <a:rPr lang="en-US" sz="2000" b="1" kern="1200" dirty="0"/>
+                <a:rPr lang="en-US" sz="2000" b="1" kern="1200" dirty="0">
+                  <a:latin typeface="Times New Roman" panose="02020603050405020304" pitchFamily="18" charset="0"/>
+                  <a:cs typeface="Times New Roman" panose="02020603050405020304" pitchFamily="18" charset="0"/>
+                </a:rPr>
                 <a:t>Selecting Key Features for EDA</a:t>
               </a:r>
             </a:p>
@@ -5803,10 +5901,10 @@
         </p:sp>
         <p:sp>
           <p:nvSpPr>
-            <p:cNvPr id="26" name="Arrow: Chevron 25">
+            <p:cNvPr id="36" name="Arrow: Chevron 35">
               <a:extLst>
                 <a:ext uri="{FF2B5EF4-FFF2-40B4-BE49-F238E27FC236}">
-                  <a16:creationId xmlns:a16="http://schemas.microsoft.com/office/drawing/2014/main" id="{297D352E-95D7-47D6-A598-CD47D013BCEF}"/>
+                  <a16:creationId xmlns:a16="http://schemas.microsoft.com/office/drawing/2014/main" id="{BDE581A2-A5DA-4594-A04F-79915F303316}"/>
                 </a:ext>
               </a:extLst>
             </p:cNvPr>
@@ -5856,10 +5954,10 @@
         </p:sp>
         <p:sp>
           <p:nvSpPr>
-            <p:cNvPr id="27" name="Freeform: Shape 26">
+            <p:cNvPr id="37" name="Freeform: Shape 36">
               <a:extLst>
                 <a:ext uri="{FF2B5EF4-FFF2-40B4-BE49-F238E27FC236}">
-                  <a16:creationId xmlns:a16="http://schemas.microsoft.com/office/drawing/2014/main" id="{9FD7B488-5C63-4CC0-A898-9E0794CF88BD}"/>
+                  <a16:creationId xmlns:a16="http://schemas.microsoft.com/office/drawing/2014/main" id="{20941239-F3DD-49CF-A1C7-19C2F4F7FC5D}"/>
                 </a:ext>
               </a:extLst>
             </p:cNvPr>
@@ -5868,8 +5966,8 @@
           </p:nvSpPr>
           <p:spPr>
             <a:xfrm>
-              <a:off x="6239051" y="5270485"/>
-              <a:ext cx="1898034" cy="413522"/>
+              <a:off x="6239051" y="5219593"/>
+              <a:ext cx="1898034" cy="464414"/>
             </a:xfrm>
             <a:custGeom>
               <a:avLst/>
@@ -6021,7 +6119,10 @@
                 <a:buNone/>
               </a:pPr>
               <a:r>
-                <a:rPr lang="en-US" b="1" kern="1200" dirty="0"/>
+                <a:rPr lang="en-US" b="1" kern="1200" dirty="0">
+                  <a:latin typeface="Times New Roman" panose="02020603050405020304" pitchFamily="18" charset="0"/>
+                  <a:cs typeface="Times New Roman" panose="02020603050405020304" pitchFamily="18" charset="0"/>
+                </a:rPr>
                 <a:t>Univariate &amp; Segmented Univariate Analysis</a:t>
               </a:r>
             </a:p>
@@ -6029,10 +6130,10 @@
         </p:sp>
         <p:sp>
           <p:nvSpPr>
-            <p:cNvPr id="28" name="Arrow: Chevron 27">
+            <p:cNvPr id="38" name="Arrow: Chevron 37">
               <a:extLst>
                 <a:ext uri="{FF2B5EF4-FFF2-40B4-BE49-F238E27FC236}">
-                  <a16:creationId xmlns:a16="http://schemas.microsoft.com/office/drawing/2014/main" id="{AC87DF58-1F8B-41E8-B92B-6A2B5ECF34B0}"/>
+                  <a16:creationId xmlns:a16="http://schemas.microsoft.com/office/drawing/2014/main" id="{85B5F198-1F3A-486A-A304-0A5F989302FD}"/>
                 </a:ext>
               </a:extLst>
             </p:cNvPr>
@@ -6082,10 +6183,10 @@
         </p:sp>
         <p:sp>
           <p:nvSpPr>
-            <p:cNvPr id="29" name="Freeform: Shape 28">
+            <p:cNvPr id="39" name="Freeform: Shape 38">
               <a:extLst>
                 <a:ext uri="{FF2B5EF4-FFF2-40B4-BE49-F238E27FC236}">
-                  <a16:creationId xmlns:a16="http://schemas.microsoft.com/office/drawing/2014/main" id="{C7F761DB-5DD6-4153-B8CC-70E4D9207696}"/>
+                  <a16:creationId xmlns:a16="http://schemas.microsoft.com/office/drawing/2014/main" id="{5D5848EA-72B1-41DD-B244-87ECD590A7FF}"/>
                 </a:ext>
               </a:extLst>
             </p:cNvPr>
@@ -6247,7 +6348,10 @@
                 <a:buNone/>
               </a:pPr>
               <a:r>
-                <a:rPr lang="en-US" sz="2000" b="1" kern="1200" dirty="0"/>
+                <a:rPr lang="en-US" sz="2000" b="1" kern="1200" dirty="0">
+                  <a:latin typeface="Times New Roman" panose="02020603050405020304" pitchFamily="18" charset="0"/>
+                  <a:cs typeface="Times New Roman" panose="02020603050405020304" pitchFamily="18" charset="0"/>
+                </a:rPr>
                 <a:t>Bivariate Analysis</a:t>
               </a:r>
             </a:p>
@@ -6255,10 +6359,10 @@
         </p:sp>
         <p:sp>
           <p:nvSpPr>
-            <p:cNvPr id="30" name="Arrow: Chevron 29">
+            <p:cNvPr id="40" name="Arrow: Chevron 39">
               <a:extLst>
                 <a:ext uri="{FF2B5EF4-FFF2-40B4-BE49-F238E27FC236}">
-                  <a16:creationId xmlns:a16="http://schemas.microsoft.com/office/drawing/2014/main" id="{781DD172-57EF-4438-AB26-E19B5D20D06C}"/>
+                  <a16:creationId xmlns:a16="http://schemas.microsoft.com/office/drawing/2014/main" id="{8BF94A32-D934-47B8-8AF4-23C12B6FAEFE}"/>
                 </a:ext>
               </a:extLst>
             </p:cNvPr>
@@ -6308,10 +6412,10 @@
         </p:sp>
         <p:sp>
           <p:nvSpPr>
-            <p:cNvPr id="31" name="Freeform: Shape 30">
+            <p:cNvPr id="41" name="Freeform: Shape 40">
               <a:extLst>
                 <a:ext uri="{FF2B5EF4-FFF2-40B4-BE49-F238E27FC236}">
-                  <a16:creationId xmlns:a16="http://schemas.microsoft.com/office/drawing/2014/main" id="{95A27706-8CF0-44EF-B61A-449CF149D8CA}"/>
+                  <a16:creationId xmlns:a16="http://schemas.microsoft.com/office/drawing/2014/main" id="{F2200E1E-641D-4BE4-9D68-AB4160C46C85}"/>
                 </a:ext>
               </a:extLst>
             </p:cNvPr>
@@ -6320,8 +6424,8 @@
           </p:nvSpPr>
           <p:spPr>
             <a:xfrm>
-              <a:off x="10154753" y="5270485"/>
-              <a:ext cx="1844706" cy="413522"/>
+              <a:off x="10154753" y="5219593"/>
+              <a:ext cx="1844706" cy="464414"/>
             </a:xfrm>
             <a:custGeom>
               <a:avLst/>
@@ -6473,8 +6577,11 @@
                 <a:buNone/>
               </a:pPr>
               <a:r>
-                <a:rPr lang="en-US" sz="1900" b="1" kern="1200" dirty="0"/>
-                <a:t>Conclusions and Recommendations</a:t>
+                <a:rPr lang="en-US" sz="1900" b="1" kern="1200" dirty="0">
+                  <a:latin typeface="Times New Roman" panose="02020603050405020304" pitchFamily="18" charset="0"/>
+                  <a:cs typeface="Times New Roman" panose="02020603050405020304" pitchFamily="18" charset="0"/>
+                </a:rPr>
+                <a:t>Conclusions &amp; Recommendations</a:t>
               </a:r>
             </a:p>
           </p:txBody>
@@ -6510,12 +6617,169 @@
           <a:chExt cx="0" cy="0"/>
         </a:xfrm>
       </p:grpSpPr>
+      <p:sp>
+        <p:nvSpPr>
+          <p:cNvPr id="11" name="TextBox 10">
+            <a:extLst>
+              <a:ext uri="{FF2B5EF4-FFF2-40B4-BE49-F238E27FC236}">
+                <a16:creationId xmlns:a16="http://schemas.microsoft.com/office/drawing/2014/main" id="{BC4C6E2C-07C0-40E4-BBCE-C60CEB230756}"/>
+              </a:ext>
+            </a:extLst>
+          </p:cNvPr>
+          <p:cNvSpPr txBox="1"/>
+          <p:nvPr/>
+        </p:nvSpPr>
+        <p:spPr>
+          <a:xfrm>
+            <a:off x="371078" y="2134096"/>
+            <a:ext cx="6303819" cy="2585323"/>
+          </a:xfrm>
+          <a:prstGeom prst="rect">
+            <a:avLst/>
+          </a:prstGeom>
+          <a:noFill/>
+        </p:spPr>
+        <p:txBody>
+          <a:bodyPr wrap="square" rtlCol="0">
+            <a:spAutoFit/>
+          </a:bodyPr>
+          <a:lstStyle/>
+          <a:p>
+            <a:pPr marL="342900" indent="-342900" algn="ctr">
+              <a:buAutoNum type="arabicPeriod"/>
+            </a:pPr>
+            <a:r>
+              <a:rPr lang="en-US" b="1" dirty="0">
+                <a:latin typeface="Times New Roman" panose="02020603050405020304" pitchFamily="18" charset="0"/>
+                <a:cs typeface="Times New Roman" panose="02020603050405020304" pitchFamily="18" charset="0"/>
+              </a:rPr>
+              <a:t>Removing Redundant Columns </a:t>
+            </a:r>
+          </a:p>
+          <a:p>
+            <a:r>
+              <a:rPr lang="en-US" dirty="0">
+                <a:latin typeface="Times New Roman" panose="02020603050405020304" pitchFamily="18" charset="0"/>
+                <a:cs typeface="Times New Roman" panose="02020603050405020304" pitchFamily="18" charset="0"/>
+              </a:rPr>
+              <a:t>Total Number of Columns initially in the loan dataset = 111</a:t>
+            </a:r>
+          </a:p>
+          <a:p>
+            <a:pPr marL="742950" lvl="1" indent="-285750">
+              <a:buFont typeface="Arial" panose="020B0604020202020204" pitchFamily="34" charset="0"/>
+              <a:buChar char="•"/>
+            </a:pPr>
+            <a:r>
+              <a:rPr lang="en-US" dirty="0">
+                <a:latin typeface="Times New Roman" panose="02020603050405020304" pitchFamily="18" charset="0"/>
+                <a:cs typeface="Times New Roman" panose="02020603050405020304" pitchFamily="18" charset="0"/>
+              </a:rPr>
+              <a:t>Having more than 50% missing values in them </a:t>
+            </a:r>
+            <a:r>
+              <a:rPr lang="en-US" i="1" dirty="0">
+                <a:latin typeface="Times New Roman" panose="02020603050405020304" pitchFamily="18" charset="0"/>
+                <a:cs typeface="Times New Roman" panose="02020603050405020304" pitchFamily="18" charset="0"/>
+              </a:rPr>
+              <a:t>(Removed 57 columns</a:t>
+            </a:r>
+            <a:r>
+              <a:rPr lang="en-US" dirty="0">
+                <a:latin typeface="Times New Roman" panose="02020603050405020304" pitchFamily="18" charset="0"/>
+                <a:cs typeface="Times New Roman" panose="02020603050405020304" pitchFamily="18" charset="0"/>
+              </a:rPr>
+              <a:t>)</a:t>
+            </a:r>
+          </a:p>
+          <a:p>
+            <a:pPr marL="742950" lvl="1" indent="-285750">
+              <a:buFont typeface="Arial" panose="020B0604020202020204" pitchFamily="34" charset="0"/>
+              <a:buChar char="•"/>
+            </a:pPr>
+            <a:r>
+              <a:rPr lang="en-US" dirty="0">
+                <a:solidFill>
+                  <a:srgbClr val="000000"/>
+                </a:solidFill>
+                <a:effectLst/>
+                <a:latin typeface="Times New Roman" panose="02020603050405020304" pitchFamily="18" charset="0"/>
+                <a:cs typeface="Times New Roman" panose="02020603050405020304" pitchFamily="18" charset="0"/>
+              </a:rPr>
+              <a:t>Removing Columns with same values which are redundant for analysis </a:t>
+            </a:r>
+            <a:r>
+              <a:rPr lang="en-US" i="1" dirty="0">
+                <a:latin typeface="Times New Roman" panose="02020603050405020304" pitchFamily="18" charset="0"/>
+                <a:cs typeface="Times New Roman" panose="02020603050405020304" pitchFamily="18" charset="0"/>
+              </a:rPr>
+              <a:t>(Removed 8 columns</a:t>
+            </a:r>
+            <a:r>
+              <a:rPr lang="en-US" dirty="0">
+                <a:latin typeface="Times New Roman" panose="02020603050405020304" pitchFamily="18" charset="0"/>
+                <a:cs typeface="Times New Roman" panose="02020603050405020304" pitchFamily="18" charset="0"/>
+              </a:rPr>
+              <a:t>)</a:t>
+            </a:r>
+            <a:endParaRPr lang="en-US" dirty="0">
+              <a:solidFill>
+                <a:srgbClr val="000000"/>
+              </a:solidFill>
+              <a:effectLst/>
+              <a:latin typeface="Times New Roman" panose="02020603050405020304" pitchFamily="18" charset="0"/>
+              <a:cs typeface="Times New Roman" panose="02020603050405020304" pitchFamily="18" charset="0"/>
+            </a:endParaRPr>
+          </a:p>
+          <a:p>
+            <a:pPr marL="742950" lvl="1" indent="-285750">
+              <a:buFont typeface="Arial" panose="020B0604020202020204" pitchFamily="34" charset="0"/>
+              <a:buChar char="•"/>
+            </a:pPr>
+            <a:r>
+              <a:rPr lang="en-US" i="0" dirty="0">
+                <a:effectLst/>
+                <a:latin typeface="Times New Roman" panose="02020603050405020304" pitchFamily="18" charset="0"/>
+                <a:cs typeface="Times New Roman" panose="02020603050405020304" pitchFamily="18" charset="0"/>
+              </a:rPr>
+              <a:t>Removing Columns with either 0s or missing values in them </a:t>
+            </a:r>
+            <a:r>
+              <a:rPr lang="en-US" i="1" dirty="0">
+                <a:latin typeface="Times New Roman" panose="02020603050405020304" pitchFamily="18" charset="0"/>
+                <a:cs typeface="Times New Roman" panose="02020603050405020304" pitchFamily="18" charset="0"/>
+              </a:rPr>
+              <a:t>(Removed 3 columns</a:t>
+            </a:r>
+            <a:r>
+              <a:rPr lang="en-US" dirty="0">
+                <a:latin typeface="Times New Roman" panose="02020603050405020304" pitchFamily="18" charset="0"/>
+                <a:cs typeface="Times New Roman" panose="02020603050405020304" pitchFamily="18" charset="0"/>
+              </a:rPr>
+              <a:t>)</a:t>
+            </a:r>
+          </a:p>
+          <a:p>
+            <a:r>
+              <a:rPr lang="en-US" b="1" dirty="0">
+                <a:latin typeface="Times New Roman" panose="02020603050405020304" pitchFamily="18" charset="0"/>
+                <a:cs typeface="Times New Roman" panose="02020603050405020304" pitchFamily="18" charset="0"/>
+              </a:rPr>
+              <a:t>Output - 43 statistically meaningful columns highlighted</a:t>
+            </a:r>
+            <a:endParaRPr lang="en-US" b="1" i="0" dirty="0">
+              <a:effectLst/>
+              <a:latin typeface="-apple-system"/>
+            </a:endParaRPr>
+          </a:p>
+        </p:txBody>
+      </p:sp>
       <p:grpSp>
         <p:nvGrpSpPr>
-          <p:cNvPr id="19" name="Group 18">
+          <p:cNvPr id="16" name="Group 15">
             <a:extLst>
               <a:ext uri="{FF2B5EF4-FFF2-40B4-BE49-F238E27FC236}">
-                <a16:creationId xmlns:a16="http://schemas.microsoft.com/office/drawing/2014/main" id="{CE207A91-B358-401D-8920-12FDA80AF87B}"/>
+                <a16:creationId xmlns:a16="http://schemas.microsoft.com/office/drawing/2014/main" id="{C8786AF6-BB97-4FE2-88AE-80BFC3E80A1E}"/>
               </a:ext>
             </a:extLst>
           </p:cNvPr>
@@ -6524,7 +6788,7 @@
         </p:nvGrpSpPr>
         <p:grpSpPr>
           <a:xfrm>
-            <a:off x="388813" y="138545"/>
+            <a:off x="249113" y="279255"/>
             <a:ext cx="11693774" cy="1801091"/>
             <a:chOff x="305685" y="4856968"/>
             <a:chExt cx="11693774" cy="827039"/>
@@ -6532,10 +6796,10 @@
         </p:grpSpPr>
         <p:sp>
           <p:nvSpPr>
-            <p:cNvPr id="20" name="Arrow: Chevron 19">
+            <p:cNvPr id="17" name="Arrow: Chevron 16">
               <a:extLst>
                 <a:ext uri="{FF2B5EF4-FFF2-40B4-BE49-F238E27FC236}">
-                  <a16:creationId xmlns:a16="http://schemas.microsoft.com/office/drawing/2014/main" id="{45073C02-8B3E-40C5-AE50-ABE97B64C0D1}"/>
+                  <a16:creationId xmlns:a16="http://schemas.microsoft.com/office/drawing/2014/main" id="{8F6E7254-66DE-4F74-AE92-E99F47838A3E}"/>
                 </a:ext>
               </a:extLst>
             </p:cNvPr>
@@ -6588,10 +6852,10 @@
         </p:sp>
         <p:sp>
           <p:nvSpPr>
-            <p:cNvPr id="21" name="Freeform: Shape 20">
+            <p:cNvPr id="18" name="Freeform: Shape 17">
               <a:extLst>
                 <a:ext uri="{FF2B5EF4-FFF2-40B4-BE49-F238E27FC236}">
-                  <a16:creationId xmlns:a16="http://schemas.microsoft.com/office/drawing/2014/main" id="{DC1D55A0-5F8C-4114-89FD-6D0A51EEC3BB}"/>
+                  <a16:creationId xmlns:a16="http://schemas.microsoft.com/office/drawing/2014/main" id="{63418F15-F254-42DE-BA4C-EA7E1562A50D}"/>
                 </a:ext>
               </a:extLst>
             </p:cNvPr>
@@ -6697,12 +6961,7 @@
                 </a:path>
               </a:pathLst>
             </a:custGeom>
-            <a:solidFill>
-              <a:schemeClr val="bg1">
-                <a:alpha val="90000"/>
-              </a:schemeClr>
-            </a:solidFill>
-            <a:ln>
+            <a:ln w="9525">
               <a:solidFill>
                 <a:srgbClr val="0070C0"/>
               </a:solidFill>
@@ -6763,7 +7022,13 @@
                 <a:buNone/>
               </a:pPr>
               <a:r>
-                <a:rPr lang="en-US" sz="2000" b="1" kern="1200" dirty="0"/>
+                <a:rPr lang="en-US" sz="2000" b="1" kern="1200" dirty="0">
+                  <a:solidFill>
+                    <a:sysClr val="windowText" lastClr="000000"/>
+                  </a:solidFill>
+                  <a:latin typeface="Times New Roman" panose="02020603050405020304" pitchFamily="18" charset="0"/>
+                  <a:cs typeface="Times New Roman" panose="02020603050405020304" pitchFamily="18" charset="0"/>
+                </a:rPr>
                 <a:t>Data Understanding</a:t>
               </a:r>
             </a:p>
@@ -6771,10 +7036,10 @@
         </p:sp>
         <p:sp>
           <p:nvSpPr>
-            <p:cNvPr id="22" name="Arrow: Chevron 21">
+            <p:cNvPr id="32" name="Arrow: Chevron 31">
               <a:extLst>
                 <a:ext uri="{FF2B5EF4-FFF2-40B4-BE49-F238E27FC236}">
-                  <a16:creationId xmlns:a16="http://schemas.microsoft.com/office/drawing/2014/main" id="{AD653266-E714-4800-AB12-74DACC879F04}"/>
+                  <a16:creationId xmlns:a16="http://schemas.microsoft.com/office/drawing/2014/main" id="{5D899661-E4B6-48BB-B884-ECCA27AE3070}"/>
                 </a:ext>
               </a:extLst>
             </p:cNvPr>
@@ -6827,10 +7092,10 @@
         </p:sp>
         <p:sp>
           <p:nvSpPr>
-            <p:cNvPr id="23" name="Freeform: Shape 22">
+            <p:cNvPr id="33" name="Freeform: Shape 32">
               <a:extLst>
                 <a:ext uri="{FF2B5EF4-FFF2-40B4-BE49-F238E27FC236}">
-                  <a16:creationId xmlns:a16="http://schemas.microsoft.com/office/drawing/2014/main" id="{1797FDD5-5780-4862-9B9A-0A3A6339EC82}"/>
+                  <a16:creationId xmlns:a16="http://schemas.microsoft.com/office/drawing/2014/main" id="{E148C0E0-6DD3-4630-A058-4238AD347EE3}"/>
                 </a:ext>
               </a:extLst>
             </p:cNvPr>
@@ -6936,11 +7201,6 @@
                 </a:path>
               </a:pathLst>
             </a:custGeom>
-            <a:solidFill>
-              <a:schemeClr val="bg1">
-                <a:alpha val="90000"/>
-              </a:schemeClr>
-            </a:solidFill>
             <a:ln w="38100">
               <a:solidFill>
                 <a:schemeClr val="accent6"/>
@@ -7002,7 +7262,13 @@
                 <a:buNone/>
               </a:pPr>
               <a:r>
-                <a:rPr lang="en-US" sz="2000" b="1" kern="1200" dirty="0"/>
+                <a:rPr lang="en-US" sz="2000" b="1" kern="1200" dirty="0">
+                  <a:solidFill>
+                    <a:schemeClr val="accent6"/>
+                  </a:solidFill>
+                  <a:latin typeface="Times New Roman" panose="02020603050405020304" pitchFamily="18" charset="0"/>
+                  <a:cs typeface="Times New Roman" panose="02020603050405020304" pitchFamily="18" charset="0"/>
+                </a:rPr>
                 <a:t>Data Cleaning</a:t>
               </a:r>
             </a:p>
@@ -7010,10 +7276,10 @@
         </p:sp>
         <p:sp>
           <p:nvSpPr>
-            <p:cNvPr id="24" name="Arrow: Chevron 23">
+            <p:cNvPr id="34" name="Arrow: Chevron 33">
               <a:extLst>
                 <a:ext uri="{FF2B5EF4-FFF2-40B4-BE49-F238E27FC236}">
-                  <a16:creationId xmlns:a16="http://schemas.microsoft.com/office/drawing/2014/main" id="{047D39B0-339C-43C5-9D27-8F8B738FD5F9}"/>
+                  <a16:creationId xmlns:a16="http://schemas.microsoft.com/office/drawing/2014/main" id="{A412790C-90EC-4A7C-9F71-6A23F1D573D1}"/>
                 </a:ext>
               </a:extLst>
             </p:cNvPr>
@@ -7063,10 +7329,10 @@
         </p:sp>
         <p:sp>
           <p:nvSpPr>
-            <p:cNvPr id="25" name="Freeform: Shape 24">
+            <p:cNvPr id="35" name="Freeform: Shape 34">
               <a:extLst>
                 <a:ext uri="{FF2B5EF4-FFF2-40B4-BE49-F238E27FC236}">
-                  <a16:creationId xmlns:a16="http://schemas.microsoft.com/office/drawing/2014/main" id="{0627B46A-7EE4-4FDC-A6AF-E3389CD69513}"/>
+                  <a16:creationId xmlns:a16="http://schemas.microsoft.com/office/drawing/2014/main" id="{68B03E65-05FE-4603-B5D3-3D0A5B6B1160}"/>
                 </a:ext>
               </a:extLst>
             </p:cNvPr>
@@ -7228,7 +7494,10 @@
                 <a:buNone/>
               </a:pPr>
               <a:r>
-                <a:rPr lang="en-US" sz="2000" b="1" kern="1200" dirty="0"/>
+                <a:rPr lang="en-US" sz="2000" b="1" kern="1200" dirty="0">
+                  <a:latin typeface="Times New Roman" panose="02020603050405020304" pitchFamily="18" charset="0"/>
+                  <a:cs typeface="Times New Roman" panose="02020603050405020304" pitchFamily="18" charset="0"/>
+                </a:rPr>
                 <a:t>Selecting Key Features for EDA</a:t>
               </a:r>
             </a:p>
@@ -7236,10 +7505,10 @@
         </p:sp>
         <p:sp>
           <p:nvSpPr>
-            <p:cNvPr id="26" name="Arrow: Chevron 25">
+            <p:cNvPr id="36" name="Arrow: Chevron 35">
               <a:extLst>
                 <a:ext uri="{FF2B5EF4-FFF2-40B4-BE49-F238E27FC236}">
-                  <a16:creationId xmlns:a16="http://schemas.microsoft.com/office/drawing/2014/main" id="{297D352E-95D7-47D6-A598-CD47D013BCEF}"/>
+                  <a16:creationId xmlns:a16="http://schemas.microsoft.com/office/drawing/2014/main" id="{BD8D428E-4F98-424A-86E8-B07361355E7C}"/>
                 </a:ext>
               </a:extLst>
             </p:cNvPr>
@@ -7289,10 +7558,10 @@
         </p:sp>
         <p:sp>
           <p:nvSpPr>
-            <p:cNvPr id="27" name="Freeform: Shape 26">
+            <p:cNvPr id="37" name="Freeform: Shape 36">
               <a:extLst>
                 <a:ext uri="{FF2B5EF4-FFF2-40B4-BE49-F238E27FC236}">
-                  <a16:creationId xmlns:a16="http://schemas.microsoft.com/office/drawing/2014/main" id="{9FD7B488-5C63-4CC0-A898-9E0794CF88BD}"/>
+                  <a16:creationId xmlns:a16="http://schemas.microsoft.com/office/drawing/2014/main" id="{C056AD8A-57F9-41B5-AB38-AF05697211EE}"/>
                 </a:ext>
               </a:extLst>
             </p:cNvPr>
@@ -7301,8 +7570,8 @@
           </p:nvSpPr>
           <p:spPr>
             <a:xfrm>
-              <a:off x="6239051" y="5270485"/>
-              <a:ext cx="1898034" cy="413522"/>
+              <a:off x="6239051" y="5219593"/>
+              <a:ext cx="1898034" cy="464414"/>
             </a:xfrm>
             <a:custGeom>
               <a:avLst/>
@@ -7454,7 +7723,10 @@
                 <a:buNone/>
               </a:pPr>
               <a:r>
-                <a:rPr lang="en-US" b="1" kern="1200" dirty="0"/>
+                <a:rPr lang="en-US" b="1" kern="1200" dirty="0">
+                  <a:latin typeface="Times New Roman" panose="02020603050405020304" pitchFamily="18" charset="0"/>
+                  <a:cs typeface="Times New Roman" panose="02020603050405020304" pitchFamily="18" charset="0"/>
+                </a:rPr>
                 <a:t>Univariate &amp; Segmented Univariate Analysis</a:t>
               </a:r>
             </a:p>
@@ -7462,10 +7734,10 @@
         </p:sp>
         <p:sp>
           <p:nvSpPr>
-            <p:cNvPr id="28" name="Arrow: Chevron 27">
+            <p:cNvPr id="38" name="Arrow: Chevron 37">
               <a:extLst>
                 <a:ext uri="{FF2B5EF4-FFF2-40B4-BE49-F238E27FC236}">
-                  <a16:creationId xmlns:a16="http://schemas.microsoft.com/office/drawing/2014/main" id="{AC87DF58-1F8B-41E8-B92B-6A2B5ECF34B0}"/>
+                  <a16:creationId xmlns:a16="http://schemas.microsoft.com/office/drawing/2014/main" id="{64B6982E-2EC2-4CC8-89A5-B5C1D278C602}"/>
                 </a:ext>
               </a:extLst>
             </p:cNvPr>
@@ -7515,10 +7787,10 @@
         </p:sp>
         <p:sp>
           <p:nvSpPr>
-            <p:cNvPr id="29" name="Freeform: Shape 28">
+            <p:cNvPr id="39" name="Freeform: Shape 38">
               <a:extLst>
                 <a:ext uri="{FF2B5EF4-FFF2-40B4-BE49-F238E27FC236}">
-                  <a16:creationId xmlns:a16="http://schemas.microsoft.com/office/drawing/2014/main" id="{C7F761DB-5DD6-4153-B8CC-70E4D9207696}"/>
+                  <a16:creationId xmlns:a16="http://schemas.microsoft.com/office/drawing/2014/main" id="{2475F7A8-340D-45B2-9675-CBA5F40718D5}"/>
                 </a:ext>
               </a:extLst>
             </p:cNvPr>
@@ -7680,7 +7952,10 @@
                 <a:buNone/>
               </a:pPr>
               <a:r>
-                <a:rPr lang="en-US" sz="2000" b="1" kern="1200" dirty="0"/>
+                <a:rPr lang="en-US" sz="2000" b="1" kern="1200" dirty="0">
+                  <a:latin typeface="Times New Roman" panose="02020603050405020304" pitchFamily="18" charset="0"/>
+                  <a:cs typeface="Times New Roman" panose="02020603050405020304" pitchFamily="18" charset="0"/>
+                </a:rPr>
                 <a:t>Bivariate Analysis</a:t>
               </a:r>
             </a:p>
@@ -7688,10 +7963,10 @@
         </p:sp>
         <p:sp>
           <p:nvSpPr>
-            <p:cNvPr id="30" name="Arrow: Chevron 29">
+            <p:cNvPr id="40" name="Arrow: Chevron 39">
               <a:extLst>
                 <a:ext uri="{FF2B5EF4-FFF2-40B4-BE49-F238E27FC236}">
-                  <a16:creationId xmlns:a16="http://schemas.microsoft.com/office/drawing/2014/main" id="{781DD172-57EF-4438-AB26-E19B5D20D06C}"/>
+                  <a16:creationId xmlns:a16="http://schemas.microsoft.com/office/drawing/2014/main" id="{B088CF2B-0C9B-4FFC-A986-686603495FCC}"/>
                 </a:ext>
               </a:extLst>
             </p:cNvPr>
@@ -7741,10 +8016,10 @@
         </p:sp>
         <p:sp>
           <p:nvSpPr>
-            <p:cNvPr id="31" name="Freeform: Shape 30">
+            <p:cNvPr id="41" name="Freeform: Shape 40">
               <a:extLst>
                 <a:ext uri="{FF2B5EF4-FFF2-40B4-BE49-F238E27FC236}">
-                  <a16:creationId xmlns:a16="http://schemas.microsoft.com/office/drawing/2014/main" id="{95A27706-8CF0-44EF-B61A-449CF149D8CA}"/>
+                  <a16:creationId xmlns:a16="http://schemas.microsoft.com/office/drawing/2014/main" id="{3C13CF82-9160-47F7-B17F-B75F1601061B}"/>
                 </a:ext>
               </a:extLst>
             </p:cNvPr>
@@ -7753,8 +8028,8 @@
           </p:nvSpPr>
           <p:spPr>
             <a:xfrm>
-              <a:off x="10154753" y="5270485"/>
-              <a:ext cx="1844706" cy="413522"/>
+              <a:off x="10154753" y="5219593"/>
+              <a:ext cx="1844706" cy="464414"/>
             </a:xfrm>
             <a:custGeom>
               <a:avLst/>
@@ -7906,8 +8181,11 @@
                 <a:buNone/>
               </a:pPr>
               <a:r>
-                <a:rPr lang="en-US" sz="1900" b="1" kern="1200" dirty="0"/>
-                <a:t>Conclusions and Recommendations</a:t>
+                <a:rPr lang="en-US" sz="1900" b="1" kern="1200" dirty="0">
+                  <a:latin typeface="Times New Roman" panose="02020603050405020304" pitchFamily="18" charset="0"/>
+                  <a:cs typeface="Times New Roman" panose="02020603050405020304" pitchFamily="18" charset="0"/>
+                </a:rPr>
+                <a:t>Conclusions &amp; Recommendations</a:t>
               </a:r>
             </a:p>
           </p:txBody>
@@ -7915,10 +8193,95 @@
       </p:grpSp>
       <p:sp>
         <p:nvSpPr>
-          <p:cNvPr id="11" name="TextBox 10">
+          <p:cNvPr id="2" name="Rectangle 1">
             <a:extLst>
               <a:ext uri="{FF2B5EF4-FFF2-40B4-BE49-F238E27FC236}">
-                <a16:creationId xmlns:a16="http://schemas.microsoft.com/office/drawing/2014/main" id="{BC4C6E2C-07C0-40E4-BBCE-C60CEB230756}"/>
+                <a16:creationId xmlns:a16="http://schemas.microsoft.com/office/drawing/2014/main" id="{68EC068B-7707-4E96-BEBD-50DFDD3FDCBF}"/>
+              </a:ext>
+            </a:extLst>
+          </p:cNvPr>
+          <p:cNvSpPr/>
+          <p:nvPr/>
+        </p:nvSpPr>
+        <p:spPr>
+          <a:xfrm>
+            <a:off x="193695" y="2147455"/>
+            <a:ext cx="11804610" cy="4627418"/>
+          </a:xfrm>
+          <a:prstGeom prst="rect">
+            <a:avLst/>
+          </a:prstGeom>
+          <a:noFill/>
+        </p:spPr>
+        <p:style>
+          <a:lnRef idx="2">
+            <a:schemeClr val="accent1">
+              <a:shade val="50000"/>
+            </a:schemeClr>
+          </a:lnRef>
+          <a:fillRef idx="1">
+            <a:schemeClr val="accent1"/>
+          </a:fillRef>
+          <a:effectRef idx="0">
+            <a:schemeClr val="accent1"/>
+          </a:effectRef>
+          <a:fontRef idx="minor">
+            <a:schemeClr val="lt1"/>
+          </a:fontRef>
+        </p:style>
+        <p:txBody>
+          <a:bodyPr rtlCol="0" anchor="ctr"/>
+          <a:lstStyle/>
+          <a:p>
+            <a:pPr algn="ctr"/>
+            <a:endParaRPr lang="en-US"/>
+          </a:p>
+        </p:txBody>
+      </p:sp>
+      <p:cxnSp>
+        <p:nvCxnSpPr>
+          <p:cNvPr id="4" name="Straight Connector 3">
+            <a:extLst>
+              <a:ext uri="{FF2B5EF4-FFF2-40B4-BE49-F238E27FC236}">
+                <a16:creationId xmlns:a16="http://schemas.microsoft.com/office/drawing/2014/main" id="{129FEF9B-BEBB-44E5-8C89-98FEFDEA4279}"/>
+              </a:ext>
+            </a:extLst>
+          </p:cNvPr>
+          <p:cNvCxnSpPr>
+            <a:cxnSpLocks/>
+          </p:cNvCxnSpPr>
+          <p:nvPr/>
+        </p:nvCxnSpPr>
+        <p:spPr>
+          <a:xfrm>
+            <a:off x="193695" y="4805273"/>
+            <a:ext cx="11804610" cy="10367"/>
+          </a:xfrm>
+          <a:prstGeom prst="line">
+            <a:avLst/>
+          </a:prstGeom>
+        </p:spPr>
+        <p:style>
+          <a:lnRef idx="1">
+            <a:schemeClr val="accent1"/>
+          </a:lnRef>
+          <a:fillRef idx="0">
+            <a:schemeClr val="accent1"/>
+          </a:fillRef>
+          <a:effectRef idx="0">
+            <a:schemeClr val="accent1"/>
+          </a:effectRef>
+          <a:fontRef idx="minor">
+            <a:schemeClr val="tx1"/>
+          </a:fontRef>
+        </p:style>
+      </p:cxnSp>
+      <p:sp>
+        <p:nvSpPr>
+          <p:cNvPr id="42" name="TextBox 41">
+            <a:extLst>
+              <a:ext uri="{FF2B5EF4-FFF2-40B4-BE49-F238E27FC236}">
+                <a16:creationId xmlns:a16="http://schemas.microsoft.com/office/drawing/2014/main" id="{F1FA2D72-446F-45F6-8520-88D435B167B7}"/>
               </a:ext>
             </a:extLst>
           </p:cNvPr>
@@ -7927,8 +8290,8 @@
         </p:nvSpPr>
         <p:spPr>
           <a:xfrm>
-            <a:off x="554181" y="2646218"/>
-            <a:ext cx="7666031" cy="1200329"/>
+            <a:off x="387925" y="4815640"/>
+            <a:ext cx="6303819" cy="923330"/>
           </a:xfrm>
           <a:prstGeom prst="rect">
             <a:avLst/>
@@ -7941,37 +8304,391 @@
           </a:bodyPr>
           <a:lstStyle/>
           <a:p>
+            <a:pPr algn="ctr"/>
             <a:r>
-              <a:rPr lang="en-US" dirty="0"/>
-              <a:t>Total Initial Columns in loan dataset = 111</a:t>
+              <a:rPr lang="en-US" b="1" dirty="0">
+                <a:latin typeface="Times New Roman" panose="02020603050405020304" pitchFamily="18" charset="0"/>
+                <a:cs typeface="Times New Roman" panose="02020603050405020304" pitchFamily="18" charset="0"/>
+              </a:rPr>
+              <a:t>2. Identifying most relevant data features</a:t>
             </a:r>
           </a:p>
           <a:p>
-            <a:pPr marL="342900" indent="-342900">
-              <a:buFont typeface="+mj-lt"/>
-              <a:buAutoNum type="arabicPeriod"/>
-            </a:pPr>
-            <a:r>
-              <a:rPr lang="en-US" dirty="0"/>
-              <a:t>Removing Redundant Columns :</a:t>
-            </a:r>
-          </a:p>
-          <a:p>
-            <a:pPr marL="742950" lvl="1" indent="-285750">
+            <a:pPr marL="285750" indent="-285750">
               <a:buFont typeface="Arial" panose="020B0604020202020204" pitchFamily="34" charset="0"/>
               <a:buChar char="•"/>
             </a:pPr>
             <a:r>
-              <a:rPr lang="en-US" dirty="0"/>
-              <a:t>Having more than 50% missing values in them( (Removed 57 columns)</a:t>
+              <a:rPr lang="en-US" dirty="0">
+                <a:latin typeface="Times New Roman" panose="02020603050405020304" pitchFamily="18" charset="0"/>
+                <a:cs typeface="Times New Roman" panose="02020603050405020304" pitchFamily="18" charset="0"/>
+              </a:rPr>
+              <a:t>Based on business judgement and data understanding, these columns can help us identify the trends for customer charge-off</a:t>
             </a:r>
           </a:p>
-          <a:p>
-            <a:pPr marL="742950" lvl="1" indent="-285750">
+        </p:txBody>
+      </p:sp>
+      <p:cxnSp>
+        <p:nvCxnSpPr>
+          <p:cNvPr id="44" name="Straight Connector 43">
+            <a:extLst>
+              <a:ext uri="{FF2B5EF4-FFF2-40B4-BE49-F238E27FC236}">
+                <a16:creationId xmlns:a16="http://schemas.microsoft.com/office/drawing/2014/main" id="{C667B674-28CE-44D1-B5A7-3234283BF6B8}"/>
+              </a:ext>
+            </a:extLst>
+          </p:cNvPr>
+          <p:cNvCxnSpPr>
+            <a:cxnSpLocks/>
+          </p:cNvCxnSpPr>
+          <p:nvPr/>
+        </p:nvCxnSpPr>
+        <p:spPr>
+          <a:xfrm flipV="1">
+            <a:off x="6674897" y="2144463"/>
+            <a:ext cx="16847" cy="4630410"/>
+          </a:xfrm>
+          <a:prstGeom prst="line">
+            <a:avLst/>
+          </a:prstGeom>
+        </p:spPr>
+        <p:style>
+          <a:lnRef idx="1">
+            <a:schemeClr val="accent1"/>
+          </a:lnRef>
+          <a:fillRef idx="0">
+            <a:schemeClr val="accent1"/>
+          </a:fillRef>
+          <a:effectRef idx="0">
+            <a:schemeClr val="accent1"/>
+          </a:effectRef>
+          <a:fontRef idx="minor">
+            <a:schemeClr val="tx1"/>
+          </a:fontRef>
+        </p:style>
+      </p:cxnSp>
+      <p:sp>
+        <p:nvSpPr>
+          <p:cNvPr id="9" name="TextBox 8">
+            <a:extLst>
+              <a:ext uri="{FF2B5EF4-FFF2-40B4-BE49-F238E27FC236}">
+                <a16:creationId xmlns:a16="http://schemas.microsoft.com/office/drawing/2014/main" id="{932261F2-8053-404E-9BB3-BBAC7F2A0A55}"/>
+              </a:ext>
+            </a:extLst>
+          </p:cNvPr>
+          <p:cNvSpPr txBox="1"/>
+          <p:nvPr/>
+        </p:nvSpPr>
+        <p:spPr>
+          <a:xfrm>
+            <a:off x="6841082" y="2144463"/>
+            <a:ext cx="4779817" cy="369332"/>
+          </a:xfrm>
+          <a:prstGeom prst="rect">
+            <a:avLst/>
+          </a:prstGeom>
+          <a:noFill/>
+        </p:spPr>
+        <p:txBody>
+          <a:bodyPr wrap="square" rtlCol="0">
+            <a:spAutoFit/>
+          </a:bodyPr>
+          <a:lstStyle/>
+          <a:p>
+            <a:pPr algn="ctr"/>
+            <a:r>
+              <a:rPr lang="en-US" b="1" dirty="0">
+                <a:latin typeface="Times New Roman" panose="02020603050405020304" pitchFamily="18" charset="0"/>
+                <a:cs typeface="Times New Roman" panose="02020603050405020304" pitchFamily="18" charset="0"/>
+              </a:rPr>
+              <a:t>4. Checking missing values &amp; imputing data</a:t>
+            </a:r>
+          </a:p>
+        </p:txBody>
+      </p:sp>
+      <p:sp>
+        <p:nvSpPr>
+          <p:cNvPr id="10" name="TextBox 9">
+            <a:extLst>
+              <a:ext uri="{FF2B5EF4-FFF2-40B4-BE49-F238E27FC236}">
+                <a16:creationId xmlns:a16="http://schemas.microsoft.com/office/drawing/2014/main" id="{D687E9A1-79C6-4E9E-8D89-76812A106CAA}"/>
+              </a:ext>
+            </a:extLst>
+          </p:cNvPr>
+          <p:cNvSpPr txBox="1"/>
+          <p:nvPr/>
+        </p:nvSpPr>
+        <p:spPr>
+          <a:xfrm>
+            <a:off x="6691744" y="2496949"/>
+            <a:ext cx="5234296" cy="2308324"/>
+          </a:xfrm>
+          <a:prstGeom prst="rect">
+            <a:avLst/>
+          </a:prstGeom>
+          <a:noFill/>
+        </p:spPr>
+        <p:txBody>
+          <a:bodyPr wrap="square" rtlCol="0">
+            <a:spAutoFit/>
+          </a:bodyPr>
+          <a:lstStyle/>
+          <a:p>
+            <a:pPr marL="285750" indent="-285750">
               <a:buFont typeface="Arial" panose="020B0604020202020204" pitchFamily="34" charset="0"/>
               <a:buChar char="•"/>
             </a:pPr>
-            <a:endParaRPr lang="en-US" dirty="0"/>
+            <a:r>
+              <a:rPr lang="en-US" dirty="0">
+                <a:latin typeface="Times New Roman" panose="02020603050405020304" pitchFamily="18" charset="0"/>
+                <a:cs typeface="Times New Roman" panose="02020603050405020304" pitchFamily="18" charset="0"/>
+              </a:rPr>
+              <a:t>It is observed that within the selected columns for analysis, </a:t>
+            </a:r>
+            <a:r>
+              <a:rPr lang="en-US" i="1" dirty="0">
+                <a:latin typeface="Times New Roman" panose="02020603050405020304" pitchFamily="18" charset="0"/>
+                <a:cs typeface="Times New Roman" panose="02020603050405020304" pitchFamily="18" charset="0"/>
+              </a:rPr>
+              <a:t>emp_length </a:t>
+            </a:r>
+            <a:r>
+              <a:rPr lang="en-US" dirty="0">
+                <a:latin typeface="Times New Roman" panose="02020603050405020304" pitchFamily="18" charset="0"/>
+                <a:cs typeface="Times New Roman" panose="02020603050405020304" pitchFamily="18" charset="0"/>
+              </a:rPr>
+              <a:t>column has about 2.7% missing values from total values.</a:t>
+            </a:r>
+          </a:p>
+          <a:p>
+            <a:pPr marL="285750" indent="-285750">
+              <a:buFont typeface="Arial" panose="020B0604020202020204" pitchFamily="34" charset="0"/>
+              <a:buChar char="•"/>
+            </a:pPr>
+            <a:r>
+              <a:rPr lang="en-US" dirty="0">
+                <a:latin typeface="Times New Roman" panose="02020603050405020304" pitchFamily="18" charset="0"/>
+                <a:cs typeface="Times New Roman" panose="02020603050405020304" pitchFamily="18" charset="0"/>
+              </a:rPr>
+              <a:t>Missing data is within 5%, we chose to impute rather than deleting those rows</a:t>
+            </a:r>
+          </a:p>
+          <a:p>
+            <a:pPr marL="285750" indent="-285750">
+              <a:buFont typeface="Arial" panose="020B0604020202020204" pitchFamily="34" charset="0"/>
+              <a:buChar char="•"/>
+            </a:pPr>
+            <a:r>
+              <a:rPr lang="en-US" dirty="0">
+                <a:latin typeface="Times New Roman" panose="02020603050405020304" pitchFamily="18" charset="0"/>
+                <a:cs typeface="Times New Roman" panose="02020603050405020304" pitchFamily="18" charset="0"/>
+              </a:rPr>
+              <a:t>Since it’s a categorical variable, it is imputed by the mode of the column which was 10+ years</a:t>
+            </a:r>
+          </a:p>
+          <a:p>
+            <a:r>
+              <a:rPr lang="en-US" b="1" dirty="0">
+                <a:latin typeface="Times New Roman" panose="02020603050405020304" pitchFamily="18" charset="0"/>
+                <a:cs typeface="Times New Roman" panose="02020603050405020304" pitchFamily="18" charset="0"/>
+              </a:rPr>
+              <a:t>Output : Selected dataset has no missing values</a:t>
+            </a:r>
+          </a:p>
+        </p:txBody>
+      </p:sp>
+      <p:sp>
+        <p:nvSpPr>
+          <p:cNvPr id="45" name="TextBox 44">
+            <a:extLst>
+              <a:ext uri="{FF2B5EF4-FFF2-40B4-BE49-F238E27FC236}">
+                <a16:creationId xmlns:a16="http://schemas.microsoft.com/office/drawing/2014/main" id="{56E48572-7DBA-4B32-978C-6DD176026283}"/>
+              </a:ext>
+            </a:extLst>
+          </p:cNvPr>
+          <p:cNvSpPr txBox="1"/>
+          <p:nvPr/>
+        </p:nvSpPr>
+        <p:spPr>
+          <a:xfrm>
+            <a:off x="6622815" y="4805273"/>
+            <a:ext cx="5375490" cy="2308324"/>
+          </a:xfrm>
+          <a:prstGeom prst="rect">
+            <a:avLst/>
+          </a:prstGeom>
+          <a:noFill/>
+        </p:spPr>
+        <p:txBody>
+          <a:bodyPr wrap="square" rtlCol="0">
+            <a:spAutoFit/>
+          </a:bodyPr>
+          <a:lstStyle/>
+          <a:p>
+            <a:pPr algn="ctr"/>
+            <a:r>
+              <a:rPr lang="en-US" b="1" dirty="0">
+                <a:latin typeface="Times New Roman" panose="02020603050405020304" pitchFamily="18" charset="0"/>
+                <a:cs typeface="Times New Roman" panose="02020603050405020304" pitchFamily="18" charset="0"/>
+              </a:rPr>
+              <a:t>5. Checking outliers and removing them</a:t>
+            </a:r>
+            <a:endParaRPr lang="en-US" dirty="0">
+              <a:latin typeface="Times New Roman" panose="02020603050405020304" pitchFamily="18" charset="0"/>
+              <a:cs typeface="Times New Roman" panose="02020603050405020304" pitchFamily="18" charset="0"/>
+            </a:endParaRPr>
+          </a:p>
+          <a:p>
+            <a:pPr marL="285750" indent="-285750">
+              <a:buFont typeface="Arial" panose="020B0604020202020204" pitchFamily="34" charset="0"/>
+              <a:buChar char="•"/>
+            </a:pPr>
+            <a:r>
+              <a:rPr lang="en-US" dirty="0">
+                <a:latin typeface="Times New Roman" panose="02020603050405020304" pitchFamily="18" charset="0"/>
+                <a:cs typeface="Times New Roman" panose="02020603050405020304" pitchFamily="18" charset="0"/>
+              </a:rPr>
+              <a:t>For the numeric data columns, box plots were plotted to understand the distribution and outliers.</a:t>
+            </a:r>
+          </a:p>
+          <a:p>
+            <a:pPr marL="285750" indent="-285750">
+              <a:buFont typeface="Arial" panose="020B0604020202020204" pitchFamily="34" charset="0"/>
+              <a:buChar char="•"/>
+            </a:pPr>
+            <a:r>
+              <a:rPr lang="en-US" dirty="0">
+                <a:latin typeface="Times New Roman" panose="02020603050405020304" pitchFamily="18" charset="0"/>
+                <a:cs typeface="Times New Roman" panose="02020603050405020304" pitchFamily="18" charset="0"/>
+              </a:rPr>
+              <a:t>Other than </a:t>
+            </a:r>
+            <a:r>
+              <a:rPr lang="en-US" i="1" dirty="0">
+                <a:latin typeface="Times New Roman" panose="02020603050405020304" pitchFamily="18" charset="0"/>
+                <a:cs typeface="Times New Roman" panose="02020603050405020304" pitchFamily="18" charset="0"/>
+              </a:rPr>
+              <a:t>dti</a:t>
+            </a:r>
+            <a:r>
+              <a:rPr lang="en-US" dirty="0">
+                <a:latin typeface="Times New Roman" panose="02020603050405020304" pitchFamily="18" charset="0"/>
+                <a:cs typeface="Times New Roman" panose="02020603050405020304" pitchFamily="18" charset="0"/>
+              </a:rPr>
+              <a:t>, rest of the columns showed outliers </a:t>
+            </a:r>
+          </a:p>
+          <a:p>
+            <a:pPr marL="285750" indent="-285750">
+              <a:buFont typeface="Arial" panose="020B0604020202020204" pitchFamily="34" charset="0"/>
+              <a:buChar char="•"/>
+            </a:pPr>
+            <a:r>
+              <a:rPr lang="en-US" dirty="0">
+                <a:latin typeface="Times New Roman" panose="02020603050405020304" pitchFamily="18" charset="0"/>
+                <a:cs typeface="Times New Roman" panose="02020603050405020304" pitchFamily="18" charset="0"/>
+              </a:rPr>
+              <a:t>It was removed using standard outlier limits but Q1 &amp; Q3 were taken at 10 &amp; 90 percentile respectively to minimize the deletion of data points </a:t>
+            </a:r>
+            <a:endParaRPr lang="en-US" i="1" dirty="0">
+              <a:latin typeface="Times New Roman" panose="02020603050405020304" pitchFamily="18" charset="0"/>
+              <a:cs typeface="Times New Roman" panose="02020603050405020304" pitchFamily="18" charset="0"/>
+            </a:endParaRPr>
+          </a:p>
+          <a:p>
+            <a:endParaRPr lang="en-US" dirty="0">
+              <a:latin typeface="Times New Roman" panose="02020603050405020304" pitchFamily="18" charset="0"/>
+              <a:cs typeface="Times New Roman" panose="02020603050405020304" pitchFamily="18" charset="0"/>
+            </a:endParaRPr>
+          </a:p>
+        </p:txBody>
+      </p:sp>
+      <p:cxnSp>
+        <p:nvCxnSpPr>
+          <p:cNvPr id="49" name="Straight Connector 48">
+            <a:extLst>
+              <a:ext uri="{FF2B5EF4-FFF2-40B4-BE49-F238E27FC236}">
+                <a16:creationId xmlns:a16="http://schemas.microsoft.com/office/drawing/2014/main" id="{CEA629C6-A334-4815-901E-9154703AFFE4}"/>
+              </a:ext>
+            </a:extLst>
+          </p:cNvPr>
+          <p:cNvCxnSpPr>
+            <a:cxnSpLocks/>
+          </p:cNvCxnSpPr>
+          <p:nvPr/>
+        </p:nvCxnSpPr>
+        <p:spPr>
+          <a:xfrm>
+            <a:off x="197031" y="5738970"/>
+            <a:ext cx="6494713" cy="0"/>
+          </a:xfrm>
+          <a:prstGeom prst="line">
+            <a:avLst/>
+          </a:prstGeom>
+        </p:spPr>
+        <p:style>
+          <a:lnRef idx="1">
+            <a:schemeClr val="accent1"/>
+          </a:lnRef>
+          <a:fillRef idx="0">
+            <a:schemeClr val="accent1"/>
+          </a:fillRef>
+          <a:effectRef idx="0">
+            <a:schemeClr val="accent1"/>
+          </a:effectRef>
+          <a:fontRef idx="minor">
+            <a:schemeClr val="tx1"/>
+          </a:fontRef>
+        </p:style>
+      </p:cxnSp>
+      <p:sp>
+        <p:nvSpPr>
+          <p:cNvPr id="53" name="TextBox 52">
+            <a:extLst>
+              <a:ext uri="{FF2B5EF4-FFF2-40B4-BE49-F238E27FC236}">
+                <a16:creationId xmlns:a16="http://schemas.microsoft.com/office/drawing/2014/main" id="{115B125C-B90D-4727-A132-AC50C8F2EAC9}"/>
+              </a:ext>
+            </a:extLst>
+          </p:cNvPr>
+          <p:cNvSpPr txBox="1"/>
+          <p:nvPr/>
+        </p:nvSpPr>
+        <p:spPr>
+          <a:xfrm>
+            <a:off x="457370" y="5657671"/>
+            <a:ext cx="6096000" cy="1200329"/>
+          </a:xfrm>
+          <a:prstGeom prst="rect">
+            <a:avLst/>
+          </a:prstGeom>
+          <a:noFill/>
+        </p:spPr>
+        <p:txBody>
+          <a:bodyPr wrap="square">
+            <a:spAutoFit/>
+          </a:bodyPr>
+          <a:lstStyle/>
+          <a:p>
+            <a:pPr algn="ctr"/>
+            <a:r>
+              <a:rPr lang="en-US" b="1" dirty="0">
+                <a:latin typeface="Times New Roman" panose="02020603050405020304" pitchFamily="18" charset="0"/>
+                <a:cs typeface="Times New Roman" panose="02020603050405020304" pitchFamily="18" charset="0"/>
+              </a:rPr>
+              <a:t>3. Data manipulation </a:t>
+            </a:r>
+          </a:p>
+          <a:p>
+            <a:pPr marL="285750" indent="-285750">
+              <a:buFont typeface="Arial" panose="020B0604020202020204" pitchFamily="34" charset="0"/>
+              <a:buChar char="•"/>
+            </a:pPr>
+            <a:r>
+              <a:rPr lang="en-US" dirty="0">
+                <a:latin typeface="Times New Roman" panose="02020603050405020304" pitchFamily="18" charset="0"/>
+                <a:cs typeface="Times New Roman" panose="02020603050405020304" pitchFamily="18" charset="0"/>
+              </a:rPr>
+              <a:t>It is observed that interest rate column has % and is read as string. We used string manipulation to remove % and convert them into float values</a:t>
+            </a:r>
           </a:p>
         </p:txBody>
       </p:sp>
@@ -8005,52 +8722,1809 @@
           <a:chExt cx="0" cy="0"/>
         </a:xfrm>
       </p:grpSpPr>
-      <p:sp>
-        <p:nvSpPr>
-          <p:cNvPr id="2" name="Title 1">
+      <p:grpSp>
+        <p:nvGrpSpPr>
+          <p:cNvPr id="4" name="Group 3">
             <a:extLst>
               <a:ext uri="{FF2B5EF4-FFF2-40B4-BE49-F238E27FC236}">
-                <a16:creationId xmlns:a16="http://schemas.microsoft.com/office/drawing/2014/main" id="{1D3ECDD0-3CE2-4DB6-9A4B-32B2B901A7F8}"/>
+                <a16:creationId xmlns:a16="http://schemas.microsoft.com/office/drawing/2014/main" id="{1A0D454E-C01B-46D1-A948-3CDBE9F19EEC}"/>
               </a:ext>
             </a:extLst>
           </p:cNvPr>
-          <p:cNvSpPr>
-            <a:spLocks noGrp="1"/>
-          </p:cNvSpPr>
-          <p:nvPr>
-            <p:ph type="title"/>
-          </p:nvPr>
+          <p:cNvGrpSpPr/>
+          <p:nvPr/>
+        </p:nvGrpSpPr>
+        <p:grpSpPr>
+          <a:xfrm>
+            <a:off x="249113" y="279255"/>
+            <a:ext cx="11693774" cy="1801091"/>
+            <a:chOff x="305685" y="4856968"/>
+            <a:chExt cx="11693774" cy="827039"/>
+          </a:xfrm>
+        </p:grpSpPr>
+        <p:sp>
+          <p:nvSpPr>
+            <p:cNvPr id="5" name="Arrow: Chevron 4">
+              <a:extLst>
+                <a:ext uri="{FF2B5EF4-FFF2-40B4-BE49-F238E27FC236}">
+                  <a16:creationId xmlns:a16="http://schemas.microsoft.com/office/drawing/2014/main" id="{B481E99A-2450-4A64-B95E-0AEBD86B50B0}"/>
+                </a:ext>
+              </a:extLst>
+            </p:cNvPr>
+            <p:cNvSpPr/>
+            <p:nvPr/>
+          </p:nvSpPr>
+          <p:spPr>
+            <a:xfrm>
+              <a:off x="305685" y="4856968"/>
+              <a:ext cx="1714071" cy="661631"/>
+            </a:xfrm>
+            <a:prstGeom prst="chevron">
+              <a:avLst>
+                <a:gd name="adj" fmla="val 40000"/>
+              </a:avLst>
+            </a:prstGeom>
+            <a:solidFill>
+              <a:schemeClr val="accent1"/>
+            </a:solidFill>
+          </p:spPr>
+          <p:style>
+            <a:lnRef idx="2">
+              <a:schemeClr val="lt1">
+                <a:hueOff val="0"/>
+                <a:satOff val="0"/>
+                <a:lumOff val="0"/>
+                <a:alphaOff val="0"/>
+              </a:schemeClr>
+            </a:lnRef>
+            <a:fillRef idx="1">
+              <a:schemeClr val="accent1">
+                <a:hueOff val="0"/>
+                <a:satOff val="0"/>
+                <a:lumOff val="0"/>
+                <a:alphaOff val="0"/>
+              </a:schemeClr>
+            </a:fillRef>
+            <a:effectRef idx="0">
+              <a:schemeClr val="accent1">
+                <a:hueOff val="0"/>
+                <a:satOff val="0"/>
+                <a:lumOff val="0"/>
+                <a:alphaOff val="0"/>
+              </a:schemeClr>
+            </a:effectRef>
+            <a:fontRef idx="minor">
+              <a:schemeClr val="lt1"/>
+            </a:fontRef>
+          </p:style>
+        </p:sp>
+        <p:sp>
+          <p:nvSpPr>
+            <p:cNvPr id="6" name="Freeform: Shape 5">
+              <a:extLst>
+                <a:ext uri="{FF2B5EF4-FFF2-40B4-BE49-F238E27FC236}">
+                  <a16:creationId xmlns:a16="http://schemas.microsoft.com/office/drawing/2014/main" id="{F978F1C4-2D01-492E-9EFF-5B735DC41EC6}"/>
+                </a:ext>
+              </a:extLst>
+            </p:cNvPr>
+            <p:cNvSpPr/>
+            <p:nvPr/>
+          </p:nvSpPr>
+          <p:spPr>
+            <a:xfrm>
+              <a:off x="305685" y="5270487"/>
+              <a:ext cx="1844708" cy="413519"/>
+            </a:xfrm>
+            <a:custGeom>
+              <a:avLst/>
+              <a:gdLst>
+                <a:gd name="connsiteX0" fmla="*/ 0 w 1447437"/>
+                <a:gd name="connsiteY0" fmla="*/ 66163 h 661631"/>
+                <a:gd name="connsiteX1" fmla="*/ 66163 w 1447437"/>
+                <a:gd name="connsiteY1" fmla="*/ 0 h 661631"/>
+                <a:gd name="connsiteX2" fmla="*/ 1381274 w 1447437"/>
+                <a:gd name="connsiteY2" fmla="*/ 0 h 661631"/>
+                <a:gd name="connsiteX3" fmla="*/ 1447437 w 1447437"/>
+                <a:gd name="connsiteY3" fmla="*/ 66163 h 661631"/>
+                <a:gd name="connsiteX4" fmla="*/ 1447437 w 1447437"/>
+                <a:gd name="connsiteY4" fmla="*/ 595468 h 661631"/>
+                <a:gd name="connsiteX5" fmla="*/ 1381274 w 1447437"/>
+                <a:gd name="connsiteY5" fmla="*/ 661631 h 661631"/>
+                <a:gd name="connsiteX6" fmla="*/ 66163 w 1447437"/>
+                <a:gd name="connsiteY6" fmla="*/ 661631 h 661631"/>
+                <a:gd name="connsiteX7" fmla="*/ 0 w 1447437"/>
+                <a:gd name="connsiteY7" fmla="*/ 595468 h 661631"/>
+                <a:gd name="connsiteX8" fmla="*/ 0 w 1447437"/>
+                <a:gd name="connsiteY8" fmla="*/ 66163 h 661631"/>
+              </a:gdLst>
+              <a:ahLst/>
+              <a:cxnLst>
+                <a:cxn ang="0">
+                  <a:pos x="connsiteX0" y="connsiteY0"/>
+                </a:cxn>
+                <a:cxn ang="0">
+                  <a:pos x="connsiteX1" y="connsiteY1"/>
+                </a:cxn>
+                <a:cxn ang="0">
+                  <a:pos x="connsiteX2" y="connsiteY2"/>
+                </a:cxn>
+                <a:cxn ang="0">
+                  <a:pos x="connsiteX3" y="connsiteY3"/>
+                </a:cxn>
+                <a:cxn ang="0">
+                  <a:pos x="connsiteX4" y="connsiteY4"/>
+                </a:cxn>
+                <a:cxn ang="0">
+                  <a:pos x="connsiteX5" y="connsiteY5"/>
+                </a:cxn>
+                <a:cxn ang="0">
+                  <a:pos x="connsiteX6" y="connsiteY6"/>
+                </a:cxn>
+                <a:cxn ang="0">
+                  <a:pos x="connsiteX7" y="connsiteY7"/>
+                </a:cxn>
+                <a:cxn ang="0">
+                  <a:pos x="connsiteX8" y="connsiteY8"/>
+                </a:cxn>
+              </a:cxnLst>
+              <a:rect l="l" t="t" r="r" b="b"/>
+              <a:pathLst>
+                <a:path w="1447437" h="661631">
+                  <a:moveTo>
+                    <a:pt x="0" y="66163"/>
+                  </a:moveTo>
+                  <a:cubicBezTo>
+                    <a:pt x="0" y="29622"/>
+                    <a:pt x="29622" y="0"/>
+                    <a:pt x="66163" y="0"/>
+                  </a:cubicBezTo>
+                  <a:lnTo>
+                    <a:pt x="1381274" y="0"/>
+                  </a:lnTo>
+                  <a:cubicBezTo>
+                    <a:pt x="1417815" y="0"/>
+                    <a:pt x="1447437" y="29622"/>
+                    <a:pt x="1447437" y="66163"/>
+                  </a:cubicBezTo>
+                  <a:lnTo>
+                    <a:pt x="1447437" y="595468"/>
+                  </a:lnTo>
+                  <a:cubicBezTo>
+                    <a:pt x="1447437" y="632009"/>
+                    <a:pt x="1417815" y="661631"/>
+                    <a:pt x="1381274" y="661631"/>
+                  </a:cubicBezTo>
+                  <a:lnTo>
+                    <a:pt x="66163" y="661631"/>
+                  </a:lnTo>
+                  <a:cubicBezTo>
+                    <a:pt x="29622" y="661631"/>
+                    <a:pt x="0" y="632009"/>
+                    <a:pt x="0" y="595468"/>
+                  </a:cubicBezTo>
+                  <a:lnTo>
+                    <a:pt x="0" y="66163"/>
+                  </a:lnTo>
+                  <a:close/>
+                </a:path>
+              </a:pathLst>
+            </a:custGeom>
+            <a:ln w="9525">
+              <a:solidFill>
+                <a:srgbClr val="0070C0"/>
+              </a:solidFill>
+            </a:ln>
+          </p:spPr>
+          <p:style>
+            <a:lnRef idx="2">
+              <a:schemeClr val="accent1">
+                <a:hueOff val="0"/>
+                <a:satOff val="0"/>
+                <a:lumOff val="0"/>
+                <a:alphaOff val="0"/>
+              </a:schemeClr>
+            </a:lnRef>
+            <a:fillRef idx="1">
+              <a:schemeClr val="lt1">
+                <a:alpha val="90000"/>
+                <a:hueOff val="0"/>
+                <a:satOff val="0"/>
+                <a:lumOff val="0"/>
+                <a:alphaOff val="0"/>
+              </a:schemeClr>
+            </a:fillRef>
+            <a:effectRef idx="0">
+              <a:schemeClr val="lt1">
+                <a:alpha val="90000"/>
+                <a:hueOff val="0"/>
+                <a:satOff val="0"/>
+                <a:lumOff val="0"/>
+                <a:alphaOff val="0"/>
+              </a:schemeClr>
+            </a:effectRef>
+            <a:fontRef idx="minor">
+              <a:schemeClr val="dk1">
+                <a:hueOff val="0"/>
+                <a:satOff val="0"/>
+                <a:lumOff val="0"/>
+                <a:alphaOff val="0"/>
+              </a:schemeClr>
+            </a:fontRef>
+          </p:style>
+          <p:txBody>
+            <a:bodyPr spcFirstLastPara="0" vert="horz" wrap="square" lIns="97611" tIns="97611" rIns="97611" bIns="97611" numCol="1" spcCol="1270" anchor="ctr" anchorCtr="0">
+              <a:noAutofit/>
+            </a:bodyPr>
+            <a:lstStyle/>
+            <a:p>
+              <a:pPr marL="0" lvl="0" indent="0" algn="ctr" defTabSz="488950">
+                <a:lnSpc>
+                  <a:spcPct val="90000"/>
+                </a:lnSpc>
+                <a:spcBef>
+                  <a:spcPct val="0"/>
+                </a:spcBef>
+                <a:spcAft>
+                  <a:spcPct val="35000"/>
+                </a:spcAft>
+                <a:buNone/>
+              </a:pPr>
+              <a:r>
+                <a:rPr lang="en-US" sz="2000" b="1" kern="1200" dirty="0">
+                  <a:solidFill>
+                    <a:sysClr val="windowText" lastClr="000000"/>
+                  </a:solidFill>
+                  <a:latin typeface="Times New Roman" panose="02020603050405020304" pitchFamily="18" charset="0"/>
+                  <a:cs typeface="Times New Roman" panose="02020603050405020304" pitchFamily="18" charset="0"/>
+                </a:rPr>
+                <a:t>Data Understanding</a:t>
+              </a:r>
+            </a:p>
+          </p:txBody>
+        </p:sp>
+        <p:sp>
+          <p:nvSpPr>
+            <p:cNvPr id="7" name="Arrow: Chevron 6">
+              <a:extLst>
+                <a:ext uri="{FF2B5EF4-FFF2-40B4-BE49-F238E27FC236}">
+                  <a16:creationId xmlns:a16="http://schemas.microsoft.com/office/drawing/2014/main" id="{96796639-9EC4-4673-B870-94939C145EEB}"/>
+                </a:ext>
+              </a:extLst>
+            </p:cNvPr>
+            <p:cNvSpPr/>
+            <p:nvPr/>
+          </p:nvSpPr>
+          <p:spPr>
+            <a:xfrm>
+              <a:off x="2263535" y="4856968"/>
+              <a:ext cx="1714071" cy="661631"/>
+            </a:xfrm>
+            <a:prstGeom prst="chevron">
+              <a:avLst>
+                <a:gd name="adj" fmla="val 40000"/>
+              </a:avLst>
+            </a:prstGeom>
+            <a:solidFill>
+              <a:schemeClr val="accent1"/>
+            </a:solidFill>
+          </p:spPr>
+          <p:style>
+            <a:lnRef idx="2">
+              <a:schemeClr val="lt1">
+                <a:hueOff val="0"/>
+                <a:satOff val="0"/>
+                <a:lumOff val="0"/>
+                <a:alphaOff val="0"/>
+              </a:schemeClr>
+            </a:lnRef>
+            <a:fillRef idx="1">
+              <a:schemeClr val="accent1">
+                <a:hueOff val="0"/>
+                <a:satOff val="0"/>
+                <a:lumOff val="0"/>
+                <a:alphaOff val="0"/>
+              </a:schemeClr>
+            </a:fillRef>
+            <a:effectRef idx="0">
+              <a:schemeClr val="accent1">
+                <a:hueOff val="0"/>
+                <a:satOff val="0"/>
+                <a:lumOff val="0"/>
+                <a:alphaOff val="0"/>
+              </a:schemeClr>
+            </a:effectRef>
+            <a:fontRef idx="minor">
+              <a:schemeClr val="lt1"/>
+            </a:fontRef>
+          </p:style>
+        </p:sp>
+        <p:sp>
+          <p:nvSpPr>
+            <p:cNvPr id="8" name="Freeform: Shape 7">
+              <a:extLst>
+                <a:ext uri="{FF2B5EF4-FFF2-40B4-BE49-F238E27FC236}">
+                  <a16:creationId xmlns:a16="http://schemas.microsoft.com/office/drawing/2014/main" id="{127C4B83-2EA4-4A33-8E25-BF7AB4D88BF2}"/>
+                </a:ext>
+              </a:extLst>
+            </p:cNvPr>
+            <p:cNvSpPr/>
+            <p:nvPr/>
+          </p:nvSpPr>
+          <p:spPr>
+            <a:xfrm>
+              <a:off x="2340843" y="5270486"/>
+              <a:ext cx="1636762" cy="413520"/>
+            </a:xfrm>
+            <a:custGeom>
+              <a:avLst/>
+              <a:gdLst>
+                <a:gd name="connsiteX0" fmla="*/ 0 w 1447437"/>
+                <a:gd name="connsiteY0" fmla="*/ 66163 h 661631"/>
+                <a:gd name="connsiteX1" fmla="*/ 66163 w 1447437"/>
+                <a:gd name="connsiteY1" fmla="*/ 0 h 661631"/>
+                <a:gd name="connsiteX2" fmla="*/ 1381274 w 1447437"/>
+                <a:gd name="connsiteY2" fmla="*/ 0 h 661631"/>
+                <a:gd name="connsiteX3" fmla="*/ 1447437 w 1447437"/>
+                <a:gd name="connsiteY3" fmla="*/ 66163 h 661631"/>
+                <a:gd name="connsiteX4" fmla="*/ 1447437 w 1447437"/>
+                <a:gd name="connsiteY4" fmla="*/ 595468 h 661631"/>
+                <a:gd name="connsiteX5" fmla="*/ 1381274 w 1447437"/>
+                <a:gd name="connsiteY5" fmla="*/ 661631 h 661631"/>
+                <a:gd name="connsiteX6" fmla="*/ 66163 w 1447437"/>
+                <a:gd name="connsiteY6" fmla="*/ 661631 h 661631"/>
+                <a:gd name="connsiteX7" fmla="*/ 0 w 1447437"/>
+                <a:gd name="connsiteY7" fmla="*/ 595468 h 661631"/>
+                <a:gd name="connsiteX8" fmla="*/ 0 w 1447437"/>
+                <a:gd name="connsiteY8" fmla="*/ 66163 h 661631"/>
+              </a:gdLst>
+              <a:ahLst/>
+              <a:cxnLst>
+                <a:cxn ang="0">
+                  <a:pos x="connsiteX0" y="connsiteY0"/>
+                </a:cxn>
+                <a:cxn ang="0">
+                  <a:pos x="connsiteX1" y="connsiteY1"/>
+                </a:cxn>
+                <a:cxn ang="0">
+                  <a:pos x="connsiteX2" y="connsiteY2"/>
+                </a:cxn>
+                <a:cxn ang="0">
+                  <a:pos x="connsiteX3" y="connsiteY3"/>
+                </a:cxn>
+                <a:cxn ang="0">
+                  <a:pos x="connsiteX4" y="connsiteY4"/>
+                </a:cxn>
+                <a:cxn ang="0">
+                  <a:pos x="connsiteX5" y="connsiteY5"/>
+                </a:cxn>
+                <a:cxn ang="0">
+                  <a:pos x="connsiteX6" y="connsiteY6"/>
+                </a:cxn>
+                <a:cxn ang="0">
+                  <a:pos x="connsiteX7" y="connsiteY7"/>
+                </a:cxn>
+                <a:cxn ang="0">
+                  <a:pos x="connsiteX8" y="connsiteY8"/>
+                </a:cxn>
+              </a:cxnLst>
+              <a:rect l="l" t="t" r="r" b="b"/>
+              <a:pathLst>
+                <a:path w="1447437" h="661631">
+                  <a:moveTo>
+                    <a:pt x="0" y="66163"/>
+                  </a:moveTo>
+                  <a:cubicBezTo>
+                    <a:pt x="0" y="29622"/>
+                    <a:pt x="29622" y="0"/>
+                    <a:pt x="66163" y="0"/>
+                  </a:cubicBezTo>
+                  <a:lnTo>
+                    <a:pt x="1381274" y="0"/>
+                  </a:lnTo>
+                  <a:cubicBezTo>
+                    <a:pt x="1417815" y="0"/>
+                    <a:pt x="1447437" y="29622"/>
+                    <a:pt x="1447437" y="66163"/>
+                  </a:cubicBezTo>
+                  <a:lnTo>
+                    <a:pt x="1447437" y="595468"/>
+                  </a:lnTo>
+                  <a:cubicBezTo>
+                    <a:pt x="1447437" y="632009"/>
+                    <a:pt x="1417815" y="661631"/>
+                    <a:pt x="1381274" y="661631"/>
+                  </a:cubicBezTo>
+                  <a:lnTo>
+                    <a:pt x="66163" y="661631"/>
+                  </a:lnTo>
+                  <a:cubicBezTo>
+                    <a:pt x="29622" y="661631"/>
+                    <a:pt x="0" y="632009"/>
+                    <a:pt x="0" y="595468"/>
+                  </a:cubicBezTo>
+                  <a:lnTo>
+                    <a:pt x="0" y="66163"/>
+                  </a:lnTo>
+                  <a:close/>
+                </a:path>
+              </a:pathLst>
+            </a:custGeom>
+            <a:ln w="9525">
+              <a:solidFill>
+                <a:schemeClr val="accent1"/>
+              </a:solidFill>
+            </a:ln>
+          </p:spPr>
+          <p:style>
+            <a:lnRef idx="2">
+              <a:schemeClr val="accent1">
+                <a:hueOff val="0"/>
+                <a:satOff val="0"/>
+                <a:lumOff val="0"/>
+                <a:alphaOff val="0"/>
+              </a:schemeClr>
+            </a:lnRef>
+            <a:fillRef idx="1">
+              <a:schemeClr val="lt1">
+                <a:alpha val="90000"/>
+                <a:hueOff val="0"/>
+                <a:satOff val="0"/>
+                <a:lumOff val="0"/>
+                <a:alphaOff val="0"/>
+              </a:schemeClr>
+            </a:fillRef>
+            <a:effectRef idx="0">
+              <a:schemeClr val="lt1">
+                <a:alpha val="90000"/>
+                <a:hueOff val="0"/>
+                <a:satOff val="0"/>
+                <a:lumOff val="0"/>
+                <a:alphaOff val="0"/>
+              </a:schemeClr>
+            </a:effectRef>
+            <a:fontRef idx="minor">
+              <a:schemeClr val="dk1">
+                <a:hueOff val="0"/>
+                <a:satOff val="0"/>
+                <a:lumOff val="0"/>
+                <a:alphaOff val="0"/>
+              </a:schemeClr>
+            </a:fontRef>
+          </p:style>
+          <p:txBody>
+            <a:bodyPr spcFirstLastPara="0" vert="horz" wrap="square" lIns="97611" tIns="97611" rIns="97611" bIns="97611" numCol="1" spcCol="1270" anchor="ctr" anchorCtr="0">
+              <a:noAutofit/>
+            </a:bodyPr>
+            <a:lstStyle/>
+            <a:p>
+              <a:pPr marL="0" lvl="0" indent="0" algn="ctr" defTabSz="488950">
+                <a:lnSpc>
+                  <a:spcPct val="90000"/>
+                </a:lnSpc>
+                <a:spcBef>
+                  <a:spcPct val="0"/>
+                </a:spcBef>
+                <a:spcAft>
+                  <a:spcPct val="35000"/>
+                </a:spcAft>
+                <a:buNone/>
+              </a:pPr>
+              <a:r>
+                <a:rPr lang="en-US" sz="2000" b="1" kern="1200" dirty="0">
+                  <a:solidFill>
+                    <a:schemeClr val="tx1"/>
+                  </a:solidFill>
+                  <a:latin typeface="Times New Roman" panose="02020603050405020304" pitchFamily="18" charset="0"/>
+                  <a:cs typeface="Times New Roman" panose="02020603050405020304" pitchFamily="18" charset="0"/>
+                </a:rPr>
+                <a:t>Data Cleaning</a:t>
+              </a:r>
+            </a:p>
+          </p:txBody>
+        </p:sp>
+        <p:sp>
+          <p:nvSpPr>
+            <p:cNvPr id="9" name="Arrow: Chevron 8">
+              <a:extLst>
+                <a:ext uri="{FF2B5EF4-FFF2-40B4-BE49-F238E27FC236}">
+                  <a16:creationId xmlns:a16="http://schemas.microsoft.com/office/drawing/2014/main" id="{8227928F-70FA-40C0-BF52-B180BF86C1BE}"/>
+                </a:ext>
+              </a:extLst>
+            </p:cNvPr>
+            <p:cNvSpPr/>
+            <p:nvPr/>
+          </p:nvSpPr>
+          <p:spPr>
+            <a:xfrm>
+              <a:off x="4221385" y="4856968"/>
+              <a:ext cx="1714071" cy="661631"/>
+            </a:xfrm>
+            <a:prstGeom prst="chevron">
+              <a:avLst>
+                <a:gd name="adj" fmla="val 40000"/>
+              </a:avLst>
+            </a:prstGeom>
+            <a:solidFill>
+              <a:schemeClr val="accent6"/>
+            </a:solidFill>
+          </p:spPr>
+          <p:style>
+            <a:lnRef idx="2">
+              <a:schemeClr val="lt1">
+                <a:hueOff val="0"/>
+                <a:satOff val="0"/>
+                <a:lumOff val="0"/>
+                <a:alphaOff val="0"/>
+              </a:schemeClr>
+            </a:lnRef>
+            <a:fillRef idx="1">
+              <a:schemeClr val="accent1">
+                <a:hueOff val="0"/>
+                <a:satOff val="0"/>
+                <a:lumOff val="0"/>
+                <a:alphaOff val="0"/>
+              </a:schemeClr>
+            </a:fillRef>
+            <a:effectRef idx="0">
+              <a:schemeClr val="accent1">
+                <a:hueOff val="0"/>
+                <a:satOff val="0"/>
+                <a:lumOff val="0"/>
+                <a:alphaOff val="0"/>
+              </a:schemeClr>
+            </a:effectRef>
+            <a:fontRef idx="minor">
+              <a:schemeClr val="lt1"/>
+            </a:fontRef>
+          </p:style>
+        </p:sp>
+        <p:sp>
+          <p:nvSpPr>
+            <p:cNvPr id="10" name="Freeform: Shape 9">
+              <a:extLst>
+                <a:ext uri="{FF2B5EF4-FFF2-40B4-BE49-F238E27FC236}">
+                  <a16:creationId xmlns:a16="http://schemas.microsoft.com/office/drawing/2014/main" id="{A6BFED71-67BB-4C3A-A7DC-80A0550CA607}"/>
+                </a:ext>
+              </a:extLst>
+            </p:cNvPr>
+            <p:cNvSpPr/>
+            <p:nvPr/>
+          </p:nvSpPr>
+          <p:spPr>
+            <a:xfrm>
+              <a:off x="4221385" y="5270485"/>
+              <a:ext cx="1904524" cy="413521"/>
+            </a:xfrm>
+            <a:custGeom>
+              <a:avLst/>
+              <a:gdLst>
+                <a:gd name="connsiteX0" fmla="*/ 0 w 1447437"/>
+                <a:gd name="connsiteY0" fmla="*/ 66163 h 661631"/>
+                <a:gd name="connsiteX1" fmla="*/ 66163 w 1447437"/>
+                <a:gd name="connsiteY1" fmla="*/ 0 h 661631"/>
+                <a:gd name="connsiteX2" fmla="*/ 1381274 w 1447437"/>
+                <a:gd name="connsiteY2" fmla="*/ 0 h 661631"/>
+                <a:gd name="connsiteX3" fmla="*/ 1447437 w 1447437"/>
+                <a:gd name="connsiteY3" fmla="*/ 66163 h 661631"/>
+                <a:gd name="connsiteX4" fmla="*/ 1447437 w 1447437"/>
+                <a:gd name="connsiteY4" fmla="*/ 595468 h 661631"/>
+                <a:gd name="connsiteX5" fmla="*/ 1381274 w 1447437"/>
+                <a:gd name="connsiteY5" fmla="*/ 661631 h 661631"/>
+                <a:gd name="connsiteX6" fmla="*/ 66163 w 1447437"/>
+                <a:gd name="connsiteY6" fmla="*/ 661631 h 661631"/>
+                <a:gd name="connsiteX7" fmla="*/ 0 w 1447437"/>
+                <a:gd name="connsiteY7" fmla="*/ 595468 h 661631"/>
+                <a:gd name="connsiteX8" fmla="*/ 0 w 1447437"/>
+                <a:gd name="connsiteY8" fmla="*/ 66163 h 661631"/>
+              </a:gdLst>
+              <a:ahLst/>
+              <a:cxnLst>
+                <a:cxn ang="0">
+                  <a:pos x="connsiteX0" y="connsiteY0"/>
+                </a:cxn>
+                <a:cxn ang="0">
+                  <a:pos x="connsiteX1" y="connsiteY1"/>
+                </a:cxn>
+                <a:cxn ang="0">
+                  <a:pos x="connsiteX2" y="connsiteY2"/>
+                </a:cxn>
+                <a:cxn ang="0">
+                  <a:pos x="connsiteX3" y="connsiteY3"/>
+                </a:cxn>
+                <a:cxn ang="0">
+                  <a:pos x="connsiteX4" y="connsiteY4"/>
+                </a:cxn>
+                <a:cxn ang="0">
+                  <a:pos x="connsiteX5" y="connsiteY5"/>
+                </a:cxn>
+                <a:cxn ang="0">
+                  <a:pos x="connsiteX6" y="connsiteY6"/>
+                </a:cxn>
+                <a:cxn ang="0">
+                  <a:pos x="connsiteX7" y="connsiteY7"/>
+                </a:cxn>
+                <a:cxn ang="0">
+                  <a:pos x="connsiteX8" y="connsiteY8"/>
+                </a:cxn>
+              </a:cxnLst>
+              <a:rect l="l" t="t" r="r" b="b"/>
+              <a:pathLst>
+                <a:path w="1447437" h="661631">
+                  <a:moveTo>
+                    <a:pt x="0" y="66163"/>
+                  </a:moveTo>
+                  <a:cubicBezTo>
+                    <a:pt x="0" y="29622"/>
+                    <a:pt x="29622" y="0"/>
+                    <a:pt x="66163" y="0"/>
+                  </a:cubicBezTo>
+                  <a:lnTo>
+                    <a:pt x="1381274" y="0"/>
+                  </a:lnTo>
+                  <a:cubicBezTo>
+                    <a:pt x="1417815" y="0"/>
+                    <a:pt x="1447437" y="29622"/>
+                    <a:pt x="1447437" y="66163"/>
+                  </a:cubicBezTo>
+                  <a:lnTo>
+                    <a:pt x="1447437" y="595468"/>
+                  </a:lnTo>
+                  <a:cubicBezTo>
+                    <a:pt x="1447437" y="632009"/>
+                    <a:pt x="1417815" y="661631"/>
+                    <a:pt x="1381274" y="661631"/>
+                  </a:cubicBezTo>
+                  <a:lnTo>
+                    <a:pt x="66163" y="661631"/>
+                  </a:lnTo>
+                  <a:cubicBezTo>
+                    <a:pt x="29622" y="661631"/>
+                    <a:pt x="0" y="632009"/>
+                    <a:pt x="0" y="595468"/>
+                  </a:cubicBezTo>
+                  <a:lnTo>
+                    <a:pt x="0" y="66163"/>
+                  </a:lnTo>
+                  <a:close/>
+                </a:path>
+              </a:pathLst>
+            </a:custGeom>
+            <a:ln w="38100">
+              <a:solidFill>
+                <a:schemeClr val="accent6"/>
+              </a:solidFill>
+            </a:ln>
+          </p:spPr>
+          <p:style>
+            <a:lnRef idx="2">
+              <a:schemeClr val="accent1">
+                <a:hueOff val="0"/>
+                <a:satOff val="0"/>
+                <a:lumOff val="0"/>
+                <a:alphaOff val="0"/>
+              </a:schemeClr>
+            </a:lnRef>
+            <a:fillRef idx="1">
+              <a:schemeClr val="lt1">
+                <a:alpha val="90000"/>
+                <a:hueOff val="0"/>
+                <a:satOff val="0"/>
+                <a:lumOff val="0"/>
+                <a:alphaOff val="0"/>
+              </a:schemeClr>
+            </a:fillRef>
+            <a:effectRef idx="0">
+              <a:schemeClr val="lt1">
+                <a:alpha val="90000"/>
+                <a:hueOff val="0"/>
+                <a:satOff val="0"/>
+                <a:lumOff val="0"/>
+                <a:alphaOff val="0"/>
+              </a:schemeClr>
+            </a:effectRef>
+            <a:fontRef idx="minor">
+              <a:schemeClr val="dk1">
+                <a:hueOff val="0"/>
+                <a:satOff val="0"/>
+                <a:lumOff val="0"/>
+                <a:alphaOff val="0"/>
+              </a:schemeClr>
+            </a:fontRef>
+          </p:style>
+          <p:txBody>
+            <a:bodyPr spcFirstLastPara="0" vert="horz" wrap="square" lIns="97611" tIns="97611" rIns="97611" bIns="97611" numCol="1" spcCol="1270" anchor="ctr" anchorCtr="0">
+              <a:noAutofit/>
+            </a:bodyPr>
+            <a:lstStyle/>
+            <a:p>
+              <a:pPr marL="0" lvl="0" indent="0" algn="ctr" defTabSz="488950">
+                <a:lnSpc>
+                  <a:spcPct val="90000"/>
+                </a:lnSpc>
+                <a:spcBef>
+                  <a:spcPct val="0"/>
+                </a:spcBef>
+                <a:spcAft>
+                  <a:spcPct val="35000"/>
+                </a:spcAft>
+                <a:buNone/>
+              </a:pPr>
+              <a:r>
+                <a:rPr lang="en-US" sz="2000" b="1" kern="1200" dirty="0">
+                  <a:solidFill>
+                    <a:schemeClr val="accent6"/>
+                  </a:solidFill>
+                  <a:latin typeface="Times New Roman" panose="02020603050405020304" pitchFamily="18" charset="0"/>
+                  <a:cs typeface="Times New Roman" panose="02020603050405020304" pitchFamily="18" charset="0"/>
+                </a:rPr>
+                <a:t>Selecting Key Features for EDA</a:t>
+              </a:r>
+            </a:p>
+          </p:txBody>
+        </p:sp>
+        <p:sp>
+          <p:nvSpPr>
+            <p:cNvPr id="11" name="Arrow: Chevron 10">
+              <a:extLst>
+                <a:ext uri="{FF2B5EF4-FFF2-40B4-BE49-F238E27FC236}">
+                  <a16:creationId xmlns:a16="http://schemas.microsoft.com/office/drawing/2014/main" id="{BDF61A14-D7E5-444E-8631-E476EA2D9851}"/>
+                </a:ext>
+              </a:extLst>
+            </p:cNvPr>
+            <p:cNvSpPr/>
+            <p:nvPr/>
+          </p:nvSpPr>
+          <p:spPr>
+            <a:xfrm>
+              <a:off x="6179235" y="4856968"/>
+              <a:ext cx="1714071" cy="661631"/>
+            </a:xfrm>
+            <a:prstGeom prst="chevron">
+              <a:avLst>
+                <a:gd name="adj" fmla="val 40000"/>
+              </a:avLst>
+            </a:prstGeom>
+          </p:spPr>
+          <p:style>
+            <a:lnRef idx="2">
+              <a:schemeClr val="lt1">
+                <a:hueOff val="0"/>
+                <a:satOff val="0"/>
+                <a:lumOff val="0"/>
+                <a:alphaOff val="0"/>
+              </a:schemeClr>
+            </a:lnRef>
+            <a:fillRef idx="1">
+              <a:schemeClr val="accent1">
+                <a:hueOff val="0"/>
+                <a:satOff val="0"/>
+                <a:lumOff val="0"/>
+                <a:alphaOff val="0"/>
+              </a:schemeClr>
+            </a:fillRef>
+            <a:effectRef idx="0">
+              <a:schemeClr val="accent1">
+                <a:hueOff val="0"/>
+                <a:satOff val="0"/>
+                <a:lumOff val="0"/>
+                <a:alphaOff val="0"/>
+              </a:schemeClr>
+            </a:effectRef>
+            <a:fontRef idx="minor">
+              <a:schemeClr val="lt1"/>
+            </a:fontRef>
+          </p:style>
+        </p:sp>
+        <p:sp>
+          <p:nvSpPr>
+            <p:cNvPr id="12" name="Freeform: Shape 11">
+              <a:extLst>
+                <a:ext uri="{FF2B5EF4-FFF2-40B4-BE49-F238E27FC236}">
+                  <a16:creationId xmlns:a16="http://schemas.microsoft.com/office/drawing/2014/main" id="{31F9986D-97EF-4A20-AFA9-A0F94FE0F998}"/>
+                </a:ext>
+              </a:extLst>
+            </p:cNvPr>
+            <p:cNvSpPr/>
+            <p:nvPr/>
+          </p:nvSpPr>
+          <p:spPr>
+            <a:xfrm>
+              <a:off x="6239051" y="5219593"/>
+              <a:ext cx="1898034" cy="464414"/>
+            </a:xfrm>
+            <a:custGeom>
+              <a:avLst/>
+              <a:gdLst>
+                <a:gd name="connsiteX0" fmla="*/ 0 w 1447437"/>
+                <a:gd name="connsiteY0" fmla="*/ 66163 h 661631"/>
+                <a:gd name="connsiteX1" fmla="*/ 66163 w 1447437"/>
+                <a:gd name="connsiteY1" fmla="*/ 0 h 661631"/>
+                <a:gd name="connsiteX2" fmla="*/ 1381274 w 1447437"/>
+                <a:gd name="connsiteY2" fmla="*/ 0 h 661631"/>
+                <a:gd name="connsiteX3" fmla="*/ 1447437 w 1447437"/>
+                <a:gd name="connsiteY3" fmla="*/ 66163 h 661631"/>
+                <a:gd name="connsiteX4" fmla="*/ 1447437 w 1447437"/>
+                <a:gd name="connsiteY4" fmla="*/ 595468 h 661631"/>
+                <a:gd name="connsiteX5" fmla="*/ 1381274 w 1447437"/>
+                <a:gd name="connsiteY5" fmla="*/ 661631 h 661631"/>
+                <a:gd name="connsiteX6" fmla="*/ 66163 w 1447437"/>
+                <a:gd name="connsiteY6" fmla="*/ 661631 h 661631"/>
+                <a:gd name="connsiteX7" fmla="*/ 0 w 1447437"/>
+                <a:gd name="connsiteY7" fmla="*/ 595468 h 661631"/>
+                <a:gd name="connsiteX8" fmla="*/ 0 w 1447437"/>
+                <a:gd name="connsiteY8" fmla="*/ 66163 h 661631"/>
+              </a:gdLst>
+              <a:ahLst/>
+              <a:cxnLst>
+                <a:cxn ang="0">
+                  <a:pos x="connsiteX0" y="connsiteY0"/>
+                </a:cxn>
+                <a:cxn ang="0">
+                  <a:pos x="connsiteX1" y="connsiteY1"/>
+                </a:cxn>
+                <a:cxn ang="0">
+                  <a:pos x="connsiteX2" y="connsiteY2"/>
+                </a:cxn>
+                <a:cxn ang="0">
+                  <a:pos x="connsiteX3" y="connsiteY3"/>
+                </a:cxn>
+                <a:cxn ang="0">
+                  <a:pos x="connsiteX4" y="connsiteY4"/>
+                </a:cxn>
+                <a:cxn ang="0">
+                  <a:pos x="connsiteX5" y="connsiteY5"/>
+                </a:cxn>
+                <a:cxn ang="0">
+                  <a:pos x="connsiteX6" y="connsiteY6"/>
+                </a:cxn>
+                <a:cxn ang="0">
+                  <a:pos x="connsiteX7" y="connsiteY7"/>
+                </a:cxn>
+                <a:cxn ang="0">
+                  <a:pos x="connsiteX8" y="connsiteY8"/>
+                </a:cxn>
+              </a:cxnLst>
+              <a:rect l="l" t="t" r="r" b="b"/>
+              <a:pathLst>
+                <a:path w="1447437" h="661631">
+                  <a:moveTo>
+                    <a:pt x="0" y="66163"/>
+                  </a:moveTo>
+                  <a:cubicBezTo>
+                    <a:pt x="0" y="29622"/>
+                    <a:pt x="29622" y="0"/>
+                    <a:pt x="66163" y="0"/>
+                  </a:cubicBezTo>
+                  <a:lnTo>
+                    <a:pt x="1381274" y="0"/>
+                  </a:lnTo>
+                  <a:cubicBezTo>
+                    <a:pt x="1417815" y="0"/>
+                    <a:pt x="1447437" y="29622"/>
+                    <a:pt x="1447437" y="66163"/>
+                  </a:cubicBezTo>
+                  <a:lnTo>
+                    <a:pt x="1447437" y="595468"/>
+                  </a:lnTo>
+                  <a:cubicBezTo>
+                    <a:pt x="1447437" y="632009"/>
+                    <a:pt x="1417815" y="661631"/>
+                    <a:pt x="1381274" y="661631"/>
+                  </a:cubicBezTo>
+                  <a:lnTo>
+                    <a:pt x="66163" y="661631"/>
+                  </a:lnTo>
+                  <a:cubicBezTo>
+                    <a:pt x="29622" y="661631"/>
+                    <a:pt x="0" y="632009"/>
+                    <a:pt x="0" y="595468"/>
+                  </a:cubicBezTo>
+                  <a:lnTo>
+                    <a:pt x="0" y="66163"/>
+                  </a:lnTo>
+                  <a:close/>
+                </a:path>
+              </a:pathLst>
+            </a:custGeom>
+          </p:spPr>
+          <p:style>
+            <a:lnRef idx="2">
+              <a:schemeClr val="accent1">
+                <a:hueOff val="0"/>
+                <a:satOff val="0"/>
+                <a:lumOff val="0"/>
+                <a:alphaOff val="0"/>
+              </a:schemeClr>
+            </a:lnRef>
+            <a:fillRef idx="1">
+              <a:schemeClr val="lt1">
+                <a:alpha val="90000"/>
+                <a:hueOff val="0"/>
+                <a:satOff val="0"/>
+                <a:lumOff val="0"/>
+                <a:alphaOff val="0"/>
+              </a:schemeClr>
+            </a:fillRef>
+            <a:effectRef idx="0">
+              <a:schemeClr val="lt1">
+                <a:alpha val="90000"/>
+                <a:hueOff val="0"/>
+                <a:satOff val="0"/>
+                <a:lumOff val="0"/>
+                <a:alphaOff val="0"/>
+              </a:schemeClr>
+            </a:effectRef>
+            <a:fontRef idx="minor">
+              <a:schemeClr val="dk1">
+                <a:hueOff val="0"/>
+                <a:satOff val="0"/>
+                <a:lumOff val="0"/>
+                <a:alphaOff val="0"/>
+              </a:schemeClr>
+            </a:fontRef>
+          </p:style>
+          <p:txBody>
+            <a:bodyPr spcFirstLastPara="0" vert="horz" wrap="square" lIns="97611" tIns="97611" rIns="97611" bIns="97611" numCol="1" spcCol="1270" anchor="ctr" anchorCtr="0">
+              <a:noAutofit/>
+            </a:bodyPr>
+            <a:lstStyle/>
+            <a:p>
+              <a:pPr marL="0" lvl="0" indent="0" algn="ctr" defTabSz="488950">
+                <a:lnSpc>
+                  <a:spcPct val="90000"/>
+                </a:lnSpc>
+                <a:spcBef>
+                  <a:spcPct val="0"/>
+                </a:spcBef>
+                <a:spcAft>
+                  <a:spcPct val="35000"/>
+                </a:spcAft>
+                <a:buNone/>
+              </a:pPr>
+              <a:r>
+                <a:rPr lang="en-US" b="1" kern="1200" dirty="0">
+                  <a:latin typeface="Times New Roman" panose="02020603050405020304" pitchFamily="18" charset="0"/>
+                  <a:cs typeface="Times New Roman" panose="02020603050405020304" pitchFamily="18" charset="0"/>
+                </a:rPr>
+                <a:t>Univariate &amp; Segmented Univariate Analysis</a:t>
+              </a:r>
+            </a:p>
+          </p:txBody>
+        </p:sp>
+        <p:sp>
+          <p:nvSpPr>
+            <p:cNvPr id="13" name="Arrow: Chevron 12">
+              <a:extLst>
+                <a:ext uri="{FF2B5EF4-FFF2-40B4-BE49-F238E27FC236}">
+                  <a16:creationId xmlns:a16="http://schemas.microsoft.com/office/drawing/2014/main" id="{4A72AB61-27DE-4C62-907F-62D193F35A45}"/>
+                </a:ext>
+              </a:extLst>
+            </p:cNvPr>
+            <p:cNvSpPr/>
+            <p:nvPr/>
+          </p:nvSpPr>
+          <p:spPr>
+            <a:xfrm>
+              <a:off x="8137086" y="4856968"/>
+              <a:ext cx="1714071" cy="661631"/>
+            </a:xfrm>
+            <a:prstGeom prst="chevron">
+              <a:avLst>
+                <a:gd name="adj" fmla="val 40000"/>
+              </a:avLst>
+            </a:prstGeom>
+          </p:spPr>
+          <p:style>
+            <a:lnRef idx="2">
+              <a:schemeClr val="lt1">
+                <a:hueOff val="0"/>
+                <a:satOff val="0"/>
+                <a:lumOff val="0"/>
+                <a:alphaOff val="0"/>
+              </a:schemeClr>
+            </a:lnRef>
+            <a:fillRef idx="1">
+              <a:schemeClr val="accent1">
+                <a:hueOff val="0"/>
+                <a:satOff val="0"/>
+                <a:lumOff val="0"/>
+                <a:alphaOff val="0"/>
+              </a:schemeClr>
+            </a:fillRef>
+            <a:effectRef idx="0">
+              <a:schemeClr val="accent1">
+                <a:hueOff val="0"/>
+                <a:satOff val="0"/>
+                <a:lumOff val="0"/>
+                <a:alphaOff val="0"/>
+              </a:schemeClr>
+            </a:effectRef>
+            <a:fontRef idx="minor">
+              <a:schemeClr val="lt1"/>
+            </a:fontRef>
+          </p:style>
+        </p:sp>
+        <p:sp>
+          <p:nvSpPr>
+            <p:cNvPr id="14" name="Freeform: Shape 13">
+              <a:extLst>
+                <a:ext uri="{FF2B5EF4-FFF2-40B4-BE49-F238E27FC236}">
+                  <a16:creationId xmlns:a16="http://schemas.microsoft.com/office/drawing/2014/main" id="{00D3E869-B2AD-461A-BFCD-90DF3EC277C5}"/>
+                </a:ext>
+              </a:extLst>
+            </p:cNvPr>
+            <p:cNvSpPr/>
+            <p:nvPr/>
+          </p:nvSpPr>
+          <p:spPr>
+            <a:xfrm>
+              <a:off x="8387355" y="5270485"/>
+              <a:ext cx="1636759" cy="413522"/>
+            </a:xfrm>
+            <a:custGeom>
+              <a:avLst/>
+              <a:gdLst>
+                <a:gd name="connsiteX0" fmla="*/ 0 w 1447437"/>
+                <a:gd name="connsiteY0" fmla="*/ 66163 h 661631"/>
+                <a:gd name="connsiteX1" fmla="*/ 66163 w 1447437"/>
+                <a:gd name="connsiteY1" fmla="*/ 0 h 661631"/>
+                <a:gd name="connsiteX2" fmla="*/ 1381274 w 1447437"/>
+                <a:gd name="connsiteY2" fmla="*/ 0 h 661631"/>
+                <a:gd name="connsiteX3" fmla="*/ 1447437 w 1447437"/>
+                <a:gd name="connsiteY3" fmla="*/ 66163 h 661631"/>
+                <a:gd name="connsiteX4" fmla="*/ 1447437 w 1447437"/>
+                <a:gd name="connsiteY4" fmla="*/ 595468 h 661631"/>
+                <a:gd name="connsiteX5" fmla="*/ 1381274 w 1447437"/>
+                <a:gd name="connsiteY5" fmla="*/ 661631 h 661631"/>
+                <a:gd name="connsiteX6" fmla="*/ 66163 w 1447437"/>
+                <a:gd name="connsiteY6" fmla="*/ 661631 h 661631"/>
+                <a:gd name="connsiteX7" fmla="*/ 0 w 1447437"/>
+                <a:gd name="connsiteY7" fmla="*/ 595468 h 661631"/>
+                <a:gd name="connsiteX8" fmla="*/ 0 w 1447437"/>
+                <a:gd name="connsiteY8" fmla="*/ 66163 h 661631"/>
+              </a:gdLst>
+              <a:ahLst/>
+              <a:cxnLst>
+                <a:cxn ang="0">
+                  <a:pos x="connsiteX0" y="connsiteY0"/>
+                </a:cxn>
+                <a:cxn ang="0">
+                  <a:pos x="connsiteX1" y="connsiteY1"/>
+                </a:cxn>
+                <a:cxn ang="0">
+                  <a:pos x="connsiteX2" y="connsiteY2"/>
+                </a:cxn>
+                <a:cxn ang="0">
+                  <a:pos x="connsiteX3" y="connsiteY3"/>
+                </a:cxn>
+                <a:cxn ang="0">
+                  <a:pos x="connsiteX4" y="connsiteY4"/>
+                </a:cxn>
+                <a:cxn ang="0">
+                  <a:pos x="connsiteX5" y="connsiteY5"/>
+                </a:cxn>
+                <a:cxn ang="0">
+                  <a:pos x="connsiteX6" y="connsiteY6"/>
+                </a:cxn>
+                <a:cxn ang="0">
+                  <a:pos x="connsiteX7" y="connsiteY7"/>
+                </a:cxn>
+                <a:cxn ang="0">
+                  <a:pos x="connsiteX8" y="connsiteY8"/>
+                </a:cxn>
+              </a:cxnLst>
+              <a:rect l="l" t="t" r="r" b="b"/>
+              <a:pathLst>
+                <a:path w="1447437" h="661631">
+                  <a:moveTo>
+                    <a:pt x="0" y="66163"/>
+                  </a:moveTo>
+                  <a:cubicBezTo>
+                    <a:pt x="0" y="29622"/>
+                    <a:pt x="29622" y="0"/>
+                    <a:pt x="66163" y="0"/>
+                  </a:cubicBezTo>
+                  <a:lnTo>
+                    <a:pt x="1381274" y="0"/>
+                  </a:lnTo>
+                  <a:cubicBezTo>
+                    <a:pt x="1417815" y="0"/>
+                    <a:pt x="1447437" y="29622"/>
+                    <a:pt x="1447437" y="66163"/>
+                  </a:cubicBezTo>
+                  <a:lnTo>
+                    <a:pt x="1447437" y="595468"/>
+                  </a:lnTo>
+                  <a:cubicBezTo>
+                    <a:pt x="1447437" y="632009"/>
+                    <a:pt x="1417815" y="661631"/>
+                    <a:pt x="1381274" y="661631"/>
+                  </a:cubicBezTo>
+                  <a:lnTo>
+                    <a:pt x="66163" y="661631"/>
+                  </a:lnTo>
+                  <a:cubicBezTo>
+                    <a:pt x="29622" y="661631"/>
+                    <a:pt x="0" y="632009"/>
+                    <a:pt x="0" y="595468"/>
+                  </a:cubicBezTo>
+                  <a:lnTo>
+                    <a:pt x="0" y="66163"/>
+                  </a:lnTo>
+                  <a:close/>
+                </a:path>
+              </a:pathLst>
+            </a:custGeom>
+          </p:spPr>
+          <p:style>
+            <a:lnRef idx="2">
+              <a:schemeClr val="accent1">
+                <a:hueOff val="0"/>
+                <a:satOff val="0"/>
+                <a:lumOff val="0"/>
+                <a:alphaOff val="0"/>
+              </a:schemeClr>
+            </a:lnRef>
+            <a:fillRef idx="1">
+              <a:schemeClr val="lt1">
+                <a:alpha val="90000"/>
+                <a:hueOff val="0"/>
+                <a:satOff val="0"/>
+                <a:lumOff val="0"/>
+                <a:alphaOff val="0"/>
+              </a:schemeClr>
+            </a:fillRef>
+            <a:effectRef idx="0">
+              <a:schemeClr val="lt1">
+                <a:alpha val="90000"/>
+                <a:hueOff val="0"/>
+                <a:satOff val="0"/>
+                <a:lumOff val="0"/>
+                <a:alphaOff val="0"/>
+              </a:schemeClr>
+            </a:effectRef>
+            <a:fontRef idx="minor">
+              <a:schemeClr val="dk1">
+                <a:hueOff val="0"/>
+                <a:satOff val="0"/>
+                <a:lumOff val="0"/>
+                <a:alphaOff val="0"/>
+              </a:schemeClr>
+            </a:fontRef>
+          </p:style>
+          <p:txBody>
+            <a:bodyPr spcFirstLastPara="0" vert="horz" wrap="square" lIns="97611" tIns="97611" rIns="97611" bIns="97611" numCol="1" spcCol="1270" anchor="ctr" anchorCtr="0">
+              <a:noAutofit/>
+            </a:bodyPr>
+            <a:lstStyle/>
+            <a:p>
+              <a:pPr marL="0" lvl="0" indent="0" algn="ctr" defTabSz="488950">
+                <a:lnSpc>
+                  <a:spcPct val="90000"/>
+                </a:lnSpc>
+                <a:spcBef>
+                  <a:spcPct val="0"/>
+                </a:spcBef>
+                <a:spcAft>
+                  <a:spcPct val="35000"/>
+                </a:spcAft>
+                <a:buNone/>
+              </a:pPr>
+              <a:r>
+                <a:rPr lang="en-US" sz="2000" b="1" kern="1200" dirty="0">
+                  <a:latin typeface="Times New Roman" panose="02020603050405020304" pitchFamily="18" charset="0"/>
+                  <a:cs typeface="Times New Roman" panose="02020603050405020304" pitchFamily="18" charset="0"/>
+                </a:rPr>
+                <a:t>Bivariate Analysis</a:t>
+              </a:r>
+            </a:p>
+          </p:txBody>
+        </p:sp>
+        <p:sp>
+          <p:nvSpPr>
+            <p:cNvPr id="15" name="Arrow: Chevron 14">
+              <a:extLst>
+                <a:ext uri="{FF2B5EF4-FFF2-40B4-BE49-F238E27FC236}">
+                  <a16:creationId xmlns:a16="http://schemas.microsoft.com/office/drawing/2014/main" id="{4FC96342-7D10-477E-ACD0-8A2A48A7ECC1}"/>
+                </a:ext>
+              </a:extLst>
+            </p:cNvPr>
+            <p:cNvSpPr/>
+            <p:nvPr/>
+          </p:nvSpPr>
+          <p:spPr>
+            <a:xfrm>
+              <a:off x="10094936" y="4856968"/>
+              <a:ext cx="1714071" cy="661631"/>
+            </a:xfrm>
+            <a:prstGeom prst="chevron">
+              <a:avLst>
+                <a:gd name="adj" fmla="val 40000"/>
+              </a:avLst>
+            </a:prstGeom>
+          </p:spPr>
+          <p:style>
+            <a:lnRef idx="2">
+              <a:schemeClr val="lt1">
+                <a:hueOff val="0"/>
+                <a:satOff val="0"/>
+                <a:lumOff val="0"/>
+                <a:alphaOff val="0"/>
+              </a:schemeClr>
+            </a:lnRef>
+            <a:fillRef idx="1">
+              <a:schemeClr val="accent1">
+                <a:hueOff val="0"/>
+                <a:satOff val="0"/>
+                <a:lumOff val="0"/>
+                <a:alphaOff val="0"/>
+              </a:schemeClr>
+            </a:fillRef>
+            <a:effectRef idx="0">
+              <a:schemeClr val="accent1">
+                <a:hueOff val="0"/>
+                <a:satOff val="0"/>
+                <a:lumOff val="0"/>
+                <a:alphaOff val="0"/>
+              </a:schemeClr>
+            </a:effectRef>
+            <a:fontRef idx="minor">
+              <a:schemeClr val="lt1"/>
+            </a:fontRef>
+          </p:style>
+        </p:sp>
+        <p:sp>
+          <p:nvSpPr>
+            <p:cNvPr id="16" name="Freeform: Shape 15">
+              <a:extLst>
+                <a:ext uri="{FF2B5EF4-FFF2-40B4-BE49-F238E27FC236}">
+                  <a16:creationId xmlns:a16="http://schemas.microsoft.com/office/drawing/2014/main" id="{28A18FFD-75C1-49EC-B54B-D209AED1CFE2}"/>
+                </a:ext>
+              </a:extLst>
+            </p:cNvPr>
+            <p:cNvSpPr/>
+            <p:nvPr/>
+          </p:nvSpPr>
+          <p:spPr>
+            <a:xfrm>
+              <a:off x="10154753" y="5219593"/>
+              <a:ext cx="1844706" cy="464414"/>
+            </a:xfrm>
+            <a:custGeom>
+              <a:avLst/>
+              <a:gdLst>
+                <a:gd name="connsiteX0" fmla="*/ 0 w 1447437"/>
+                <a:gd name="connsiteY0" fmla="*/ 66163 h 661631"/>
+                <a:gd name="connsiteX1" fmla="*/ 66163 w 1447437"/>
+                <a:gd name="connsiteY1" fmla="*/ 0 h 661631"/>
+                <a:gd name="connsiteX2" fmla="*/ 1381274 w 1447437"/>
+                <a:gd name="connsiteY2" fmla="*/ 0 h 661631"/>
+                <a:gd name="connsiteX3" fmla="*/ 1447437 w 1447437"/>
+                <a:gd name="connsiteY3" fmla="*/ 66163 h 661631"/>
+                <a:gd name="connsiteX4" fmla="*/ 1447437 w 1447437"/>
+                <a:gd name="connsiteY4" fmla="*/ 595468 h 661631"/>
+                <a:gd name="connsiteX5" fmla="*/ 1381274 w 1447437"/>
+                <a:gd name="connsiteY5" fmla="*/ 661631 h 661631"/>
+                <a:gd name="connsiteX6" fmla="*/ 66163 w 1447437"/>
+                <a:gd name="connsiteY6" fmla="*/ 661631 h 661631"/>
+                <a:gd name="connsiteX7" fmla="*/ 0 w 1447437"/>
+                <a:gd name="connsiteY7" fmla="*/ 595468 h 661631"/>
+                <a:gd name="connsiteX8" fmla="*/ 0 w 1447437"/>
+                <a:gd name="connsiteY8" fmla="*/ 66163 h 661631"/>
+              </a:gdLst>
+              <a:ahLst/>
+              <a:cxnLst>
+                <a:cxn ang="0">
+                  <a:pos x="connsiteX0" y="connsiteY0"/>
+                </a:cxn>
+                <a:cxn ang="0">
+                  <a:pos x="connsiteX1" y="connsiteY1"/>
+                </a:cxn>
+                <a:cxn ang="0">
+                  <a:pos x="connsiteX2" y="connsiteY2"/>
+                </a:cxn>
+                <a:cxn ang="0">
+                  <a:pos x="connsiteX3" y="connsiteY3"/>
+                </a:cxn>
+                <a:cxn ang="0">
+                  <a:pos x="connsiteX4" y="connsiteY4"/>
+                </a:cxn>
+                <a:cxn ang="0">
+                  <a:pos x="connsiteX5" y="connsiteY5"/>
+                </a:cxn>
+                <a:cxn ang="0">
+                  <a:pos x="connsiteX6" y="connsiteY6"/>
+                </a:cxn>
+                <a:cxn ang="0">
+                  <a:pos x="connsiteX7" y="connsiteY7"/>
+                </a:cxn>
+                <a:cxn ang="0">
+                  <a:pos x="connsiteX8" y="connsiteY8"/>
+                </a:cxn>
+              </a:cxnLst>
+              <a:rect l="l" t="t" r="r" b="b"/>
+              <a:pathLst>
+                <a:path w="1447437" h="661631">
+                  <a:moveTo>
+                    <a:pt x="0" y="66163"/>
+                  </a:moveTo>
+                  <a:cubicBezTo>
+                    <a:pt x="0" y="29622"/>
+                    <a:pt x="29622" y="0"/>
+                    <a:pt x="66163" y="0"/>
+                  </a:cubicBezTo>
+                  <a:lnTo>
+                    <a:pt x="1381274" y="0"/>
+                  </a:lnTo>
+                  <a:cubicBezTo>
+                    <a:pt x="1417815" y="0"/>
+                    <a:pt x="1447437" y="29622"/>
+                    <a:pt x="1447437" y="66163"/>
+                  </a:cubicBezTo>
+                  <a:lnTo>
+                    <a:pt x="1447437" y="595468"/>
+                  </a:lnTo>
+                  <a:cubicBezTo>
+                    <a:pt x="1447437" y="632009"/>
+                    <a:pt x="1417815" y="661631"/>
+                    <a:pt x="1381274" y="661631"/>
+                  </a:cubicBezTo>
+                  <a:lnTo>
+                    <a:pt x="66163" y="661631"/>
+                  </a:lnTo>
+                  <a:cubicBezTo>
+                    <a:pt x="29622" y="661631"/>
+                    <a:pt x="0" y="632009"/>
+                    <a:pt x="0" y="595468"/>
+                  </a:cubicBezTo>
+                  <a:lnTo>
+                    <a:pt x="0" y="66163"/>
+                  </a:lnTo>
+                  <a:close/>
+                </a:path>
+              </a:pathLst>
+            </a:custGeom>
+          </p:spPr>
+          <p:style>
+            <a:lnRef idx="2">
+              <a:schemeClr val="accent1">
+                <a:hueOff val="0"/>
+                <a:satOff val="0"/>
+                <a:lumOff val="0"/>
+                <a:alphaOff val="0"/>
+              </a:schemeClr>
+            </a:lnRef>
+            <a:fillRef idx="1">
+              <a:schemeClr val="lt1">
+                <a:alpha val="90000"/>
+                <a:hueOff val="0"/>
+                <a:satOff val="0"/>
+                <a:lumOff val="0"/>
+                <a:alphaOff val="0"/>
+              </a:schemeClr>
+            </a:fillRef>
+            <a:effectRef idx="0">
+              <a:schemeClr val="lt1">
+                <a:alpha val="90000"/>
+                <a:hueOff val="0"/>
+                <a:satOff val="0"/>
+                <a:lumOff val="0"/>
+                <a:alphaOff val="0"/>
+              </a:schemeClr>
+            </a:effectRef>
+            <a:fontRef idx="minor">
+              <a:schemeClr val="dk1">
+                <a:hueOff val="0"/>
+                <a:satOff val="0"/>
+                <a:lumOff val="0"/>
+                <a:alphaOff val="0"/>
+              </a:schemeClr>
+            </a:fontRef>
+          </p:style>
+          <p:txBody>
+            <a:bodyPr spcFirstLastPara="0" vert="horz" wrap="square" lIns="97611" tIns="97611" rIns="97611" bIns="97611" numCol="1" spcCol="1270" anchor="ctr" anchorCtr="0">
+              <a:noAutofit/>
+            </a:bodyPr>
+            <a:lstStyle/>
+            <a:p>
+              <a:pPr marL="0" lvl="0" indent="0" algn="ctr" defTabSz="488950">
+                <a:lnSpc>
+                  <a:spcPct val="90000"/>
+                </a:lnSpc>
+                <a:spcBef>
+                  <a:spcPct val="0"/>
+                </a:spcBef>
+                <a:spcAft>
+                  <a:spcPct val="35000"/>
+                </a:spcAft>
+                <a:buNone/>
+              </a:pPr>
+              <a:r>
+                <a:rPr lang="en-US" sz="1900" b="1" kern="1200" dirty="0">
+                  <a:latin typeface="Times New Roman" panose="02020603050405020304" pitchFamily="18" charset="0"/>
+                  <a:cs typeface="Times New Roman" panose="02020603050405020304" pitchFamily="18" charset="0"/>
+                </a:rPr>
+                <a:t>Conclusions &amp; Recommendations</a:t>
+              </a:r>
+            </a:p>
+          </p:txBody>
+        </p:sp>
+      </p:grpSp>
+      <p:grpSp>
+        <p:nvGrpSpPr>
+          <p:cNvPr id="26" name="Group 25">
+            <a:extLst>
+              <a:ext uri="{FF2B5EF4-FFF2-40B4-BE49-F238E27FC236}">
+                <a16:creationId xmlns:a16="http://schemas.microsoft.com/office/drawing/2014/main" id="{41671409-7A56-407B-AF55-938DDAA43C9E}"/>
+              </a:ext>
+            </a:extLst>
+          </p:cNvPr>
+          <p:cNvGrpSpPr/>
+          <p:nvPr/>
+        </p:nvGrpSpPr>
+        <p:grpSpPr>
+          <a:xfrm>
+            <a:off x="-1" y="2085347"/>
+            <a:ext cx="5564620" cy="4718196"/>
+            <a:chOff x="-1" y="2085347"/>
+            <a:chExt cx="5564620" cy="4718196"/>
+          </a:xfrm>
+        </p:grpSpPr>
+        <p:pic>
+          <p:nvPicPr>
+            <p:cNvPr id="21" name="Picture 20">
+              <a:extLst>
+                <a:ext uri="{FF2B5EF4-FFF2-40B4-BE49-F238E27FC236}">
+                  <a16:creationId xmlns:a16="http://schemas.microsoft.com/office/drawing/2014/main" id="{EC5C7441-5880-421B-8BFD-F0B1126ADF4A}"/>
+                </a:ext>
+              </a:extLst>
+            </p:cNvPr>
+            <p:cNvPicPr>
+              <a:picLocks noChangeAspect="1"/>
+            </p:cNvPicPr>
+            <p:nvPr/>
+          </p:nvPicPr>
+          <p:blipFill rotWithShape="1">
+            <a:blip r:embed="rId2">
+              <a:extLst>
+                <a:ext uri="{28A0092B-C50C-407E-A947-70E740481C1C}">
+                  <a14:useLocalDpi xmlns:a14="http://schemas.microsoft.com/office/drawing/2010/main" val="0"/>
+                </a:ext>
+              </a:extLst>
+            </a:blip>
+            <a:srcRect t="8333" r="12167"/>
+            <a:stretch/>
+          </p:blipFill>
+          <p:spPr>
+            <a:xfrm rot="5400000">
+              <a:off x="222076" y="1863270"/>
+              <a:ext cx="4657934" cy="5102087"/>
+            </a:xfrm>
+            <a:prstGeom prst="rect">
+              <a:avLst/>
+            </a:prstGeom>
+          </p:spPr>
+        </p:pic>
+        <p:pic>
+          <p:nvPicPr>
+            <p:cNvPr id="23" name="Picture 22">
+              <a:extLst>
+                <a:ext uri="{FF2B5EF4-FFF2-40B4-BE49-F238E27FC236}">
+                  <a16:creationId xmlns:a16="http://schemas.microsoft.com/office/drawing/2014/main" id="{4A99C755-B00E-4548-9B58-75D40107674F}"/>
+                </a:ext>
+              </a:extLst>
+            </p:cNvPr>
+            <p:cNvPicPr>
+              <a:picLocks noChangeAspect="1"/>
+            </p:cNvPicPr>
+            <p:nvPr/>
+          </p:nvPicPr>
+          <p:blipFill rotWithShape="1">
+            <a:blip r:embed="rId2">
+              <a:extLst>
+                <a:ext uri="{28A0092B-C50C-407E-A947-70E740481C1C}">
+                  <a14:useLocalDpi xmlns:a14="http://schemas.microsoft.com/office/drawing/2010/main" val="0"/>
+                </a:ext>
+              </a:extLst>
+            </a:blip>
+            <a:srcRect l="89351" b="9633"/>
+            <a:stretch/>
+          </p:blipFill>
+          <p:spPr>
+            <a:xfrm>
+              <a:off x="5088837" y="2655611"/>
+              <a:ext cx="475782" cy="4147932"/>
+            </a:xfrm>
+            <a:prstGeom prst="rect">
+              <a:avLst/>
+            </a:prstGeom>
+          </p:spPr>
+        </p:pic>
+      </p:grpSp>
+      <p:sp>
+        <p:nvSpPr>
+          <p:cNvPr id="25" name="TextBox 24">
+            <a:extLst>
+              <a:ext uri="{FF2B5EF4-FFF2-40B4-BE49-F238E27FC236}">
+                <a16:creationId xmlns:a16="http://schemas.microsoft.com/office/drawing/2014/main" id="{B7250E47-61CD-49E3-A960-EC47A67E4D8B}"/>
+              </a:ext>
+            </a:extLst>
+          </p:cNvPr>
+          <p:cNvSpPr txBox="1"/>
+          <p:nvPr/>
         </p:nvSpPr>
-        <p:spPr/>
+        <p:spPr>
+          <a:xfrm>
+            <a:off x="5619454" y="2655611"/>
+            <a:ext cx="6486882" cy="2554545"/>
+          </a:xfrm>
+          <a:prstGeom prst="rect">
+            <a:avLst/>
+          </a:prstGeom>
+          <a:noFill/>
+        </p:spPr>
         <p:txBody>
-          <a:bodyPr/>
+          <a:bodyPr wrap="square" rtlCol="0">
+            <a:spAutoFit/>
+          </a:bodyPr>
           <a:lstStyle/>
           <a:p>
-            <a:endParaRPr lang="en-US"/>
+            <a:pPr marL="342900" indent="-342900">
+              <a:buFont typeface="Arial" panose="020B0604020202020204" pitchFamily="34" charset="0"/>
+              <a:buChar char="•"/>
+            </a:pPr>
+            <a:r>
+              <a:rPr lang="en-US" sz="2000" dirty="0">
+                <a:solidFill>
+                  <a:srgbClr val="000000"/>
+                </a:solidFill>
+                <a:latin typeface="Times New Roman" panose="02020603050405020304" pitchFamily="18" charset="0"/>
+                <a:cs typeface="Times New Roman" panose="02020603050405020304" pitchFamily="18" charset="0"/>
+              </a:rPr>
+              <a:t>The categorical variables are encoded with numbers for each category to check correlation</a:t>
+            </a:r>
+          </a:p>
+          <a:p>
+            <a:pPr marL="342900" indent="-342900">
+              <a:buFont typeface="Arial" panose="020B0604020202020204" pitchFamily="34" charset="0"/>
+              <a:buChar char="•"/>
+            </a:pPr>
+            <a:r>
+              <a:rPr lang="en-US" sz="2000" b="0" dirty="0">
+                <a:solidFill>
+                  <a:srgbClr val="000000"/>
+                </a:solidFill>
+                <a:effectLst/>
+                <a:latin typeface="Times New Roman" panose="02020603050405020304" pitchFamily="18" charset="0"/>
+                <a:cs typeface="Times New Roman" panose="02020603050405020304" pitchFamily="18" charset="0"/>
+              </a:rPr>
+              <a:t>As the input features are not highly correlated  among themselves (i.e. </a:t>
+            </a:r>
+            <a:r>
+              <a:rPr lang="en-US" sz="2000" dirty="0">
+                <a:solidFill>
+                  <a:srgbClr val="000000"/>
+                </a:solidFill>
+                <a:latin typeface="Times New Roman" panose="02020603050405020304" pitchFamily="18" charset="0"/>
+                <a:cs typeface="Times New Roman" panose="02020603050405020304" pitchFamily="18" charset="0"/>
+              </a:rPr>
+              <a:t>R </a:t>
+            </a:r>
+            <a:r>
+              <a:rPr lang="en-US" sz="2000" b="0" dirty="0">
+                <a:solidFill>
+                  <a:srgbClr val="000000"/>
+                </a:solidFill>
+                <a:effectLst/>
+                <a:latin typeface="Times New Roman" panose="02020603050405020304" pitchFamily="18" charset="0"/>
+                <a:cs typeface="Times New Roman" panose="02020603050405020304" pitchFamily="18" charset="0"/>
+              </a:rPr>
+              <a:t>&lt; 0.9) the selected input features can be taken for the EDA analysis</a:t>
+            </a:r>
+          </a:p>
+          <a:p>
+            <a:pPr marL="342900" indent="-342900">
+              <a:buFont typeface="Arial" panose="020B0604020202020204" pitchFamily="34" charset="0"/>
+              <a:buChar char="•"/>
+            </a:pPr>
+            <a:r>
+              <a:rPr lang="en-US" sz="2000" dirty="0">
+                <a:solidFill>
+                  <a:srgbClr val="000000"/>
+                </a:solidFill>
+                <a:latin typeface="Times New Roman" panose="02020603050405020304" pitchFamily="18" charset="0"/>
+                <a:cs typeface="Times New Roman" panose="02020603050405020304" pitchFamily="18" charset="0"/>
+              </a:rPr>
+              <a:t>Amongst the variables, loan_amnt, term, int_rate &amp; grade are show some positive correlation amongst them, with grade and int_rate being the most correlated (R=0.75)</a:t>
+            </a:r>
           </a:p>
         </p:txBody>
       </p:sp>
       <p:sp>
         <p:nvSpPr>
-          <p:cNvPr id="3" name="Content Placeholder 2">
+          <p:cNvPr id="28" name="TextBox 27">
             <a:extLst>
               <a:ext uri="{FF2B5EF4-FFF2-40B4-BE49-F238E27FC236}">
-                <a16:creationId xmlns:a16="http://schemas.microsoft.com/office/drawing/2014/main" id="{910EE423-8AC1-4066-A53B-49077EFEBC36}"/>
+                <a16:creationId xmlns:a16="http://schemas.microsoft.com/office/drawing/2014/main" id="{A46AE7A1-CCC8-4AA0-920C-1191D9741FC3}"/>
               </a:ext>
             </a:extLst>
           </p:cNvPr>
-          <p:cNvSpPr>
-            <a:spLocks noGrp="1"/>
-          </p:cNvSpPr>
-          <p:nvPr>
-            <p:ph idx="1"/>
-          </p:nvPr>
+          <p:cNvSpPr txBox="1"/>
+          <p:nvPr/>
         </p:nvSpPr>
-        <p:spPr/>
+        <p:spPr>
+          <a:xfrm>
+            <a:off x="6636565" y="2251335"/>
+            <a:ext cx="4455505" cy="369332"/>
+          </a:xfrm>
+          <a:prstGeom prst="rect">
+            <a:avLst/>
+          </a:prstGeom>
+          <a:noFill/>
+        </p:spPr>
         <p:txBody>
-          <a:bodyPr/>
+          <a:bodyPr wrap="square">
+            <a:spAutoFit/>
+          </a:bodyPr>
           <a:lstStyle/>
           <a:p>
+            <a:r>
+              <a:rPr lang="en-US" b="1" dirty="0">
+                <a:solidFill>
+                  <a:srgbClr val="000000"/>
+                </a:solidFill>
+                <a:latin typeface="Times New Roman" panose="02020603050405020304" pitchFamily="18" charset="0"/>
+                <a:cs typeface="Times New Roman" panose="02020603050405020304" pitchFamily="18" charset="0"/>
+              </a:rPr>
+              <a:t>C</a:t>
+            </a:r>
+            <a:r>
+              <a:rPr lang="en-US" sz="1800" b="1" dirty="0">
+                <a:solidFill>
+                  <a:srgbClr val="000000"/>
+                </a:solidFill>
+                <a:effectLst/>
+                <a:latin typeface="Times New Roman" panose="02020603050405020304" pitchFamily="18" charset="0"/>
+                <a:cs typeface="Times New Roman" panose="02020603050405020304" pitchFamily="18" charset="0"/>
+              </a:rPr>
+              <a:t>orrelation coefficient </a:t>
+            </a:r>
+            <a:r>
+              <a:rPr lang="en-US" b="1" dirty="0">
+                <a:solidFill>
+                  <a:srgbClr val="000000"/>
+                </a:solidFill>
+                <a:latin typeface="Times New Roman" panose="02020603050405020304" pitchFamily="18" charset="0"/>
+                <a:cs typeface="Times New Roman" panose="02020603050405020304" pitchFamily="18" charset="0"/>
+              </a:rPr>
+              <a:t>depicted by </a:t>
+            </a:r>
+            <a:r>
+              <a:rPr lang="en-US" sz="1800" b="1" dirty="0">
+                <a:solidFill>
+                  <a:srgbClr val="000000"/>
+                </a:solidFill>
+                <a:effectLst/>
+                <a:latin typeface="Times New Roman" panose="02020603050405020304" pitchFamily="18" charset="0"/>
+                <a:cs typeface="Times New Roman" panose="02020603050405020304" pitchFamily="18" charset="0"/>
+              </a:rPr>
+              <a:t>R</a:t>
+            </a:r>
+            <a:endParaRPr lang="en-US" b="1" dirty="0"/>
+          </a:p>
+        </p:txBody>
+      </p:sp>
+      <p:pic>
+        <p:nvPicPr>
+          <p:cNvPr id="30" name="Picture 29">
+            <a:extLst>
+              <a:ext uri="{FF2B5EF4-FFF2-40B4-BE49-F238E27FC236}">
+                <a16:creationId xmlns:a16="http://schemas.microsoft.com/office/drawing/2014/main" id="{07C238E9-C369-4083-9CF3-E5A1B0A52550}"/>
+              </a:ext>
+            </a:extLst>
+          </p:cNvPr>
+          <p:cNvPicPr>
+            <a:picLocks noChangeAspect="1"/>
+          </p:cNvPicPr>
+          <p:nvPr/>
+        </p:nvPicPr>
+        <p:blipFill>
+          <a:blip r:embed="rId3"/>
+          <a:stretch>
+            <a:fillRect/>
+          </a:stretch>
+        </p:blipFill>
+        <p:spPr>
+          <a:xfrm>
+            <a:off x="8199348" y="5316626"/>
+            <a:ext cx="3743539" cy="1449362"/>
+          </a:xfrm>
+          <a:prstGeom prst="rect">
+            <a:avLst/>
+          </a:prstGeom>
+        </p:spPr>
+      </p:pic>
+      <p:sp>
+        <p:nvSpPr>
+          <p:cNvPr id="31" name="TextBox 30">
+            <a:extLst>
+              <a:ext uri="{FF2B5EF4-FFF2-40B4-BE49-F238E27FC236}">
+                <a16:creationId xmlns:a16="http://schemas.microsoft.com/office/drawing/2014/main" id="{F6AF0F91-BF3E-4371-A0D3-C4513452E429}"/>
+              </a:ext>
+            </a:extLst>
+          </p:cNvPr>
+          <p:cNvSpPr txBox="1"/>
+          <p:nvPr/>
+        </p:nvSpPr>
+        <p:spPr>
+          <a:xfrm>
+            <a:off x="5874422" y="5755696"/>
+            <a:ext cx="1896288" cy="646331"/>
+          </a:xfrm>
+          <a:prstGeom prst="rect">
+            <a:avLst/>
+          </a:prstGeom>
+          <a:noFill/>
+        </p:spPr>
+        <p:txBody>
+          <a:bodyPr wrap="square" rtlCol="0">
+            <a:spAutoFit/>
+          </a:bodyPr>
+          <a:lstStyle/>
+          <a:p>
+            <a:pPr algn="ctr"/>
+            <a:r>
+              <a:rPr lang="en-US" b="1" dirty="0">
+                <a:latin typeface="Times New Roman" panose="02020603050405020304" pitchFamily="18" charset="0"/>
+                <a:cs typeface="Times New Roman" panose="02020603050405020304" pitchFamily="18" charset="0"/>
+              </a:rPr>
+              <a:t>Key Features Selected for EDA </a:t>
+            </a:r>
+          </a:p>
+        </p:txBody>
+      </p:sp>
+      <p:sp>
+        <p:nvSpPr>
+          <p:cNvPr id="32" name="Arrow: Right 31">
+            <a:extLst>
+              <a:ext uri="{FF2B5EF4-FFF2-40B4-BE49-F238E27FC236}">
+                <a16:creationId xmlns:a16="http://schemas.microsoft.com/office/drawing/2014/main" id="{5325B078-2ED1-481A-9C82-767A54F714D0}"/>
+              </a:ext>
+            </a:extLst>
+          </p:cNvPr>
+          <p:cNvSpPr/>
+          <p:nvPr/>
+        </p:nvSpPr>
+        <p:spPr>
+          <a:xfrm>
+            <a:off x="7648775" y="5936974"/>
+            <a:ext cx="475782" cy="208666"/>
+          </a:xfrm>
+          <a:prstGeom prst="rightArrow">
+            <a:avLst/>
+          </a:prstGeom>
+        </p:spPr>
+        <p:style>
+          <a:lnRef idx="2">
+            <a:schemeClr val="accent1">
+              <a:shade val="50000"/>
+            </a:schemeClr>
+          </a:lnRef>
+          <a:fillRef idx="1">
+            <a:schemeClr val="accent1"/>
+          </a:fillRef>
+          <a:effectRef idx="0">
+            <a:schemeClr val="accent1"/>
+          </a:effectRef>
+          <a:fontRef idx="minor">
+            <a:schemeClr val="lt1"/>
+          </a:fontRef>
+        </p:style>
+        <p:txBody>
+          <a:bodyPr rtlCol="0" anchor="ctr"/>
+          <a:lstStyle/>
+          <a:p>
+            <a:pPr algn="ctr"/>
             <a:endParaRPr lang="en-US"/>
           </a:p>
         </p:txBody>
@@ -8059,6 +10533,3426 @@
     <p:extLst>
       <p:ext uri="{BB962C8B-B14F-4D97-AF65-F5344CB8AC3E}">
         <p14:creationId xmlns:p14="http://schemas.microsoft.com/office/powerpoint/2010/main" val="3930499636"/>
+      </p:ext>
+    </p:extLst>
+  </p:cSld>
+  <p:clrMapOvr>
+    <a:masterClrMapping/>
+  </p:clrMapOvr>
+</p:sld>
+</file>
+
+<file path=ppt/slides/slide6.xml><?xml version="1.0" encoding="utf-8"?>
+<p:sld xmlns:a="http://schemas.openxmlformats.org/drawingml/2006/main" xmlns:r="http://schemas.openxmlformats.org/officeDocument/2006/relationships" xmlns:p="http://schemas.openxmlformats.org/presentationml/2006/main">
+  <p:cSld>
+    <p:spTree>
+      <p:nvGrpSpPr>
+        <p:cNvPr id="1" name=""/>
+        <p:cNvGrpSpPr/>
+        <p:nvPr/>
+      </p:nvGrpSpPr>
+      <p:grpSpPr>
+        <a:xfrm>
+          <a:off x="0" y="0"/>
+          <a:ext cx="0" cy="0"/>
+          <a:chOff x="0" y="0"/>
+          <a:chExt cx="0" cy="0"/>
+        </a:xfrm>
+      </p:grpSpPr>
+      <p:grpSp>
+        <p:nvGrpSpPr>
+          <p:cNvPr id="4" name="Group 3">
+            <a:extLst>
+              <a:ext uri="{FF2B5EF4-FFF2-40B4-BE49-F238E27FC236}">
+                <a16:creationId xmlns:a16="http://schemas.microsoft.com/office/drawing/2014/main" id="{8B81AF16-FA50-4460-9949-6B9EA274EA22}"/>
+              </a:ext>
+            </a:extLst>
+          </p:cNvPr>
+          <p:cNvGrpSpPr/>
+          <p:nvPr/>
+        </p:nvGrpSpPr>
+        <p:grpSpPr>
+          <a:xfrm>
+            <a:off x="249113" y="279255"/>
+            <a:ext cx="11693774" cy="1801091"/>
+            <a:chOff x="305685" y="4856968"/>
+            <a:chExt cx="11693774" cy="827039"/>
+          </a:xfrm>
+        </p:grpSpPr>
+        <p:sp>
+          <p:nvSpPr>
+            <p:cNvPr id="5" name="Arrow: Chevron 4">
+              <a:extLst>
+                <a:ext uri="{FF2B5EF4-FFF2-40B4-BE49-F238E27FC236}">
+                  <a16:creationId xmlns:a16="http://schemas.microsoft.com/office/drawing/2014/main" id="{194D3CEB-D8F2-4F55-B82E-79770E6E23DC}"/>
+                </a:ext>
+              </a:extLst>
+            </p:cNvPr>
+            <p:cNvSpPr/>
+            <p:nvPr/>
+          </p:nvSpPr>
+          <p:spPr>
+            <a:xfrm>
+              <a:off x="305685" y="4856968"/>
+              <a:ext cx="1714071" cy="661631"/>
+            </a:xfrm>
+            <a:prstGeom prst="chevron">
+              <a:avLst>
+                <a:gd name="adj" fmla="val 40000"/>
+              </a:avLst>
+            </a:prstGeom>
+            <a:solidFill>
+              <a:schemeClr val="accent1"/>
+            </a:solidFill>
+          </p:spPr>
+          <p:style>
+            <a:lnRef idx="2">
+              <a:schemeClr val="lt1">
+                <a:hueOff val="0"/>
+                <a:satOff val="0"/>
+                <a:lumOff val="0"/>
+                <a:alphaOff val="0"/>
+              </a:schemeClr>
+            </a:lnRef>
+            <a:fillRef idx="1">
+              <a:schemeClr val="accent1">
+                <a:hueOff val="0"/>
+                <a:satOff val="0"/>
+                <a:lumOff val="0"/>
+                <a:alphaOff val="0"/>
+              </a:schemeClr>
+            </a:fillRef>
+            <a:effectRef idx="0">
+              <a:schemeClr val="accent1">
+                <a:hueOff val="0"/>
+                <a:satOff val="0"/>
+                <a:lumOff val="0"/>
+                <a:alphaOff val="0"/>
+              </a:schemeClr>
+            </a:effectRef>
+            <a:fontRef idx="minor">
+              <a:schemeClr val="lt1"/>
+            </a:fontRef>
+          </p:style>
+        </p:sp>
+        <p:sp>
+          <p:nvSpPr>
+            <p:cNvPr id="6" name="Freeform: Shape 5">
+              <a:extLst>
+                <a:ext uri="{FF2B5EF4-FFF2-40B4-BE49-F238E27FC236}">
+                  <a16:creationId xmlns:a16="http://schemas.microsoft.com/office/drawing/2014/main" id="{276A3724-B571-453B-8092-002AFC7FCE41}"/>
+                </a:ext>
+              </a:extLst>
+            </p:cNvPr>
+            <p:cNvSpPr/>
+            <p:nvPr/>
+          </p:nvSpPr>
+          <p:spPr>
+            <a:xfrm>
+              <a:off x="305685" y="5270487"/>
+              <a:ext cx="1844708" cy="413519"/>
+            </a:xfrm>
+            <a:custGeom>
+              <a:avLst/>
+              <a:gdLst>
+                <a:gd name="connsiteX0" fmla="*/ 0 w 1447437"/>
+                <a:gd name="connsiteY0" fmla="*/ 66163 h 661631"/>
+                <a:gd name="connsiteX1" fmla="*/ 66163 w 1447437"/>
+                <a:gd name="connsiteY1" fmla="*/ 0 h 661631"/>
+                <a:gd name="connsiteX2" fmla="*/ 1381274 w 1447437"/>
+                <a:gd name="connsiteY2" fmla="*/ 0 h 661631"/>
+                <a:gd name="connsiteX3" fmla="*/ 1447437 w 1447437"/>
+                <a:gd name="connsiteY3" fmla="*/ 66163 h 661631"/>
+                <a:gd name="connsiteX4" fmla="*/ 1447437 w 1447437"/>
+                <a:gd name="connsiteY4" fmla="*/ 595468 h 661631"/>
+                <a:gd name="connsiteX5" fmla="*/ 1381274 w 1447437"/>
+                <a:gd name="connsiteY5" fmla="*/ 661631 h 661631"/>
+                <a:gd name="connsiteX6" fmla="*/ 66163 w 1447437"/>
+                <a:gd name="connsiteY6" fmla="*/ 661631 h 661631"/>
+                <a:gd name="connsiteX7" fmla="*/ 0 w 1447437"/>
+                <a:gd name="connsiteY7" fmla="*/ 595468 h 661631"/>
+                <a:gd name="connsiteX8" fmla="*/ 0 w 1447437"/>
+                <a:gd name="connsiteY8" fmla="*/ 66163 h 661631"/>
+              </a:gdLst>
+              <a:ahLst/>
+              <a:cxnLst>
+                <a:cxn ang="0">
+                  <a:pos x="connsiteX0" y="connsiteY0"/>
+                </a:cxn>
+                <a:cxn ang="0">
+                  <a:pos x="connsiteX1" y="connsiteY1"/>
+                </a:cxn>
+                <a:cxn ang="0">
+                  <a:pos x="connsiteX2" y="connsiteY2"/>
+                </a:cxn>
+                <a:cxn ang="0">
+                  <a:pos x="connsiteX3" y="connsiteY3"/>
+                </a:cxn>
+                <a:cxn ang="0">
+                  <a:pos x="connsiteX4" y="connsiteY4"/>
+                </a:cxn>
+                <a:cxn ang="0">
+                  <a:pos x="connsiteX5" y="connsiteY5"/>
+                </a:cxn>
+                <a:cxn ang="0">
+                  <a:pos x="connsiteX6" y="connsiteY6"/>
+                </a:cxn>
+                <a:cxn ang="0">
+                  <a:pos x="connsiteX7" y="connsiteY7"/>
+                </a:cxn>
+                <a:cxn ang="0">
+                  <a:pos x="connsiteX8" y="connsiteY8"/>
+                </a:cxn>
+              </a:cxnLst>
+              <a:rect l="l" t="t" r="r" b="b"/>
+              <a:pathLst>
+                <a:path w="1447437" h="661631">
+                  <a:moveTo>
+                    <a:pt x="0" y="66163"/>
+                  </a:moveTo>
+                  <a:cubicBezTo>
+                    <a:pt x="0" y="29622"/>
+                    <a:pt x="29622" y="0"/>
+                    <a:pt x="66163" y="0"/>
+                  </a:cubicBezTo>
+                  <a:lnTo>
+                    <a:pt x="1381274" y="0"/>
+                  </a:lnTo>
+                  <a:cubicBezTo>
+                    <a:pt x="1417815" y="0"/>
+                    <a:pt x="1447437" y="29622"/>
+                    <a:pt x="1447437" y="66163"/>
+                  </a:cubicBezTo>
+                  <a:lnTo>
+                    <a:pt x="1447437" y="595468"/>
+                  </a:lnTo>
+                  <a:cubicBezTo>
+                    <a:pt x="1447437" y="632009"/>
+                    <a:pt x="1417815" y="661631"/>
+                    <a:pt x="1381274" y="661631"/>
+                  </a:cubicBezTo>
+                  <a:lnTo>
+                    <a:pt x="66163" y="661631"/>
+                  </a:lnTo>
+                  <a:cubicBezTo>
+                    <a:pt x="29622" y="661631"/>
+                    <a:pt x="0" y="632009"/>
+                    <a:pt x="0" y="595468"/>
+                  </a:cubicBezTo>
+                  <a:lnTo>
+                    <a:pt x="0" y="66163"/>
+                  </a:lnTo>
+                  <a:close/>
+                </a:path>
+              </a:pathLst>
+            </a:custGeom>
+            <a:ln w="9525">
+              <a:solidFill>
+                <a:srgbClr val="0070C0"/>
+              </a:solidFill>
+            </a:ln>
+          </p:spPr>
+          <p:style>
+            <a:lnRef idx="2">
+              <a:schemeClr val="accent1">
+                <a:hueOff val="0"/>
+                <a:satOff val="0"/>
+                <a:lumOff val="0"/>
+                <a:alphaOff val="0"/>
+              </a:schemeClr>
+            </a:lnRef>
+            <a:fillRef idx="1">
+              <a:schemeClr val="lt1">
+                <a:alpha val="90000"/>
+                <a:hueOff val="0"/>
+                <a:satOff val="0"/>
+                <a:lumOff val="0"/>
+                <a:alphaOff val="0"/>
+              </a:schemeClr>
+            </a:fillRef>
+            <a:effectRef idx="0">
+              <a:schemeClr val="lt1">
+                <a:alpha val="90000"/>
+                <a:hueOff val="0"/>
+                <a:satOff val="0"/>
+                <a:lumOff val="0"/>
+                <a:alphaOff val="0"/>
+              </a:schemeClr>
+            </a:effectRef>
+            <a:fontRef idx="minor">
+              <a:schemeClr val="dk1">
+                <a:hueOff val="0"/>
+                <a:satOff val="0"/>
+                <a:lumOff val="0"/>
+                <a:alphaOff val="0"/>
+              </a:schemeClr>
+            </a:fontRef>
+          </p:style>
+          <p:txBody>
+            <a:bodyPr spcFirstLastPara="0" vert="horz" wrap="square" lIns="97611" tIns="97611" rIns="97611" bIns="97611" numCol="1" spcCol="1270" anchor="ctr" anchorCtr="0">
+              <a:noAutofit/>
+            </a:bodyPr>
+            <a:lstStyle/>
+            <a:p>
+              <a:pPr marL="0" lvl="0" indent="0" algn="ctr" defTabSz="488950">
+                <a:lnSpc>
+                  <a:spcPct val="90000"/>
+                </a:lnSpc>
+                <a:spcBef>
+                  <a:spcPct val="0"/>
+                </a:spcBef>
+                <a:spcAft>
+                  <a:spcPct val="35000"/>
+                </a:spcAft>
+                <a:buNone/>
+              </a:pPr>
+              <a:r>
+                <a:rPr lang="en-US" sz="2000" b="1" kern="1200" dirty="0">
+                  <a:solidFill>
+                    <a:sysClr val="windowText" lastClr="000000"/>
+                  </a:solidFill>
+                  <a:latin typeface="Times New Roman" panose="02020603050405020304" pitchFamily="18" charset="0"/>
+                  <a:cs typeface="Times New Roman" panose="02020603050405020304" pitchFamily="18" charset="0"/>
+                </a:rPr>
+                <a:t>Data Understanding</a:t>
+              </a:r>
+            </a:p>
+          </p:txBody>
+        </p:sp>
+        <p:sp>
+          <p:nvSpPr>
+            <p:cNvPr id="7" name="Arrow: Chevron 6">
+              <a:extLst>
+                <a:ext uri="{FF2B5EF4-FFF2-40B4-BE49-F238E27FC236}">
+                  <a16:creationId xmlns:a16="http://schemas.microsoft.com/office/drawing/2014/main" id="{32FC443F-50C1-4C20-9317-B9B0823AD493}"/>
+                </a:ext>
+              </a:extLst>
+            </p:cNvPr>
+            <p:cNvSpPr/>
+            <p:nvPr/>
+          </p:nvSpPr>
+          <p:spPr>
+            <a:xfrm>
+              <a:off x="2263535" y="4856968"/>
+              <a:ext cx="1714071" cy="661631"/>
+            </a:xfrm>
+            <a:prstGeom prst="chevron">
+              <a:avLst>
+                <a:gd name="adj" fmla="val 40000"/>
+              </a:avLst>
+            </a:prstGeom>
+            <a:solidFill>
+              <a:schemeClr val="accent1"/>
+            </a:solidFill>
+          </p:spPr>
+          <p:style>
+            <a:lnRef idx="2">
+              <a:schemeClr val="lt1">
+                <a:hueOff val="0"/>
+                <a:satOff val="0"/>
+                <a:lumOff val="0"/>
+                <a:alphaOff val="0"/>
+              </a:schemeClr>
+            </a:lnRef>
+            <a:fillRef idx="1">
+              <a:schemeClr val="accent1">
+                <a:hueOff val="0"/>
+                <a:satOff val="0"/>
+                <a:lumOff val="0"/>
+                <a:alphaOff val="0"/>
+              </a:schemeClr>
+            </a:fillRef>
+            <a:effectRef idx="0">
+              <a:schemeClr val="accent1">
+                <a:hueOff val="0"/>
+                <a:satOff val="0"/>
+                <a:lumOff val="0"/>
+                <a:alphaOff val="0"/>
+              </a:schemeClr>
+            </a:effectRef>
+            <a:fontRef idx="minor">
+              <a:schemeClr val="lt1"/>
+            </a:fontRef>
+          </p:style>
+        </p:sp>
+        <p:sp>
+          <p:nvSpPr>
+            <p:cNvPr id="8" name="Freeform: Shape 7">
+              <a:extLst>
+                <a:ext uri="{FF2B5EF4-FFF2-40B4-BE49-F238E27FC236}">
+                  <a16:creationId xmlns:a16="http://schemas.microsoft.com/office/drawing/2014/main" id="{3854D629-CFC5-4924-A004-61E571AB3ED4}"/>
+                </a:ext>
+              </a:extLst>
+            </p:cNvPr>
+            <p:cNvSpPr/>
+            <p:nvPr/>
+          </p:nvSpPr>
+          <p:spPr>
+            <a:xfrm>
+              <a:off x="2340843" y="5270486"/>
+              <a:ext cx="1636762" cy="413520"/>
+            </a:xfrm>
+            <a:custGeom>
+              <a:avLst/>
+              <a:gdLst>
+                <a:gd name="connsiteX0" fmla="*/ 0 w 1447437"/>
+                <a:gd name="connsiteY0" fmla="*/ 66163 h 661631"/>
+                <a:gd name="connsiteX1" fmla="*/ 66163 w 1447437"/>
+                <a:gd name="connsiteY1" fmla="*/ 0 h 661631"/>
+                <a:gd name="connsiteX2" fmla="*/ 1381274 w 1447437"/>
+                <a:gd name="connsiteY2" fmla="*/ 0 h 661631"/>
+                <a:gd name="connsiteX3" fmla="*/ 1447437 w 1447437"/>
+                <a:gd name="connsiteY3" fmla="*/ 66163 h 661631"/>
+                <a:gd name="connsiteX4" fmla="*/ 1447437 w 1447437"/>
+                <a:gd name="connsiteY4" fmla="*/ 595468 h 661631"/>
+                <a:gd name="connsiteX5" fmla="*/ 1381274 w 1447437"/>
+                <a:gd name="connsiteY5" fmla="*/ 661631 h 661631"/>
+                <a:gd name="connsiteX6" fmla="*/ 66163 w 1447437"/>
+                <a:gd name="connsiteY6" fmla="*/ 661631 h 661631"/>
+                <a:gd name="connsiteX7" fmla="*/ 0 w 1447437"/>
+                <a:gd name="connsiteY7" fmla="*/ 595468 h 661631"/>
+                <a:gd name="connsiteX8" fmla="*/ 0 w 1447437"/>
+                <a:gd name="connsiteY8" fmla="*/ 66163 h 661631"/>
+              </a:gdLst>
+              <a:ahLst/>
+              <a:cxnLst>
+                <a:cxn ang="0">
+                  <a:pos x="connsiteX0" y="connsiteY0"/>
+                </a:cxn>
+                <a:cxn ang="0">
+                  <a:pos x="connsiteX1" y="connsiteY1"/>
+                </a:cxn>
+                <a:cxn ang="0">
+                  <a:pos x="connsiteX2" y="connsiteY2"/>
+                </a:cxn>
+                <a:cxn ang="0">
+                  <a:pos x="connsiteX3" y="connsiteY3"/>
+                </a:cxn>
+                <a:cxn ang="0">
+                  <a:pos x="connsiteX4" y="connsiteY4"/>
+                </a:cxn>
+                <a:cxn ang="0">
+                  <a:pos x="connsiteX5" y="connsiteY5"/>
+                </a:cxn>
+                <a:cxn ang="0">
+                  <a:pos x="connsiteX6" y="connsiteY6"/>
+                </a:cxn>
+                <a:cxn ang="0">
+                  <a:pos x="connsiteX7" y="connsiteY7"/>
+                </a:cxn>
+                <a:cxn ang="0">
+                  <a:pos x="connsiteX8" y="connsiteY8"/>
+                </a:cxn>
+              </a:cxnLst>
+              <a:rect l="l" t="t" r="r" b="b"/>
+              <a:pathLst>
+                <a:path w="1447437" h="661631">
+                  <a:moveTo>
+                    <a:pt x="0" y="66163"/>
+                  </a:moveTo>
+                  <a:cubicBezTo>
+                    <a:pt x="0" y="29622"/>
+                    <a:pt x="29622" y="0"/>
+                    <a:pt x="66163" y="0"/>
+                  </a:cubicBezTo>
+                  <a:lnTo>
+                    <a:pt x="1381274" y="0"/>
+                  </a:lnTo>
+                  <a:cubicBezTo>
+                    <a:pt x="1417815" y="0"/>
+                    <a:pt x="1447437" y="29622"/>
+                    <a:pt x="1447437" y="66163"/>
+                  </a:cubicBezTo>
+                  <a:lnTo>
+                    <a:pt x="1447437" y="595468"/>
+                  </a:lnTo>
+                  <a:cubicBezTo>
+                    <a:pt x="1447437" y="632009"/>
+                    <a:pt x="1417815" y="661631"/>
+                    <a:pt x="1381274" y="661631"/>
+                  </a:cubicBezTo>
+                  <a:lnTo>
+                    <a:pt x="66163" y="661631"/>
+                  </a:lnTo>
+                  <a:cubicBezTo>
+                    <a:pt x="29622" y="661631"/>
+                    <a:pt x="0" y="632009"/>
+                    <a:pt x="0" y="595468"/>
+                  </a:cubicBezTo>
+                  <a:lnTo>
+                    <a:pt x="0" y="66163"/>
+                  </a:lnTo>
+                  <a:close/>
+                </a:path>
+              </a:pathLst>
+            </a:custGeom>
+            <a:ln w="9525">
+              <a:solidFill>
+                <a:schemeClr val="accent1"/>
+              </a:solidFill>
+            </a:ln>
+          </p:spPr>
+          <p:style>
+            <a:lnRef idx="2">
+              <a:schemeClr val="accent1">
+                <a:hueOff val="0"/>
+                <a:satOff val="0"/>
+                <a:lumOff val="0"/>
+                <a:alphaOff val="0"/>
+              </a:schemeClr>
+            </a:lnRef>
+            <a:fillRef idx="1">
+              <a:schemeClr val="lt1">
+                <a:alpha val="90000"/>
+                <a:hueOff val="0"/>
+                <a:satOff val="0"/>
+                <a:lumOff val="0"/>
+                <a:alphaOff val="0"/>
+              </a:schemeClr>
+            </a:fillRef>
+            <a:effectRef idx="0">
+              <a:schemeClr val="lt1">
+                <a:alpha val="90000"/>
+                <a:hueOff val="0"/>
+                <a:satOff val="0"/>
+                <a:lumOff val="0"/>
+                <a:alphaOff val="0"/>
+              </a:schemeClr>
+            </a:effectRef>
+            <a:fontRef idx="minor">
+              <a:schemeClr val="dk1">
+                <a:hueOff val="0"/>
+                <a:satOff val="0"/>
+                <a:lumOff val="0"/>
+                <a:alphaOff val="0"/>
+              </a:schemeClr>
+            </a:fontRef>
+          </p:style>
+          <p:txBody>
+            <a:bodyPr spcFirstLastPara="0" vert="horz" wrap="square" lIns="97611" tIns="97611" rIns="97611" bIns="97611" numCol="1" spcCol="1270" anchor="ctr" anchorCtr="0">
+              <a:noAutofit/>
+            </a:bodyPr>
+            <a:lstStyle/>
+            <a:p>
+              <a:pPr marL="0" lvl="0" indent="0" algn="ctr" defTabSz="488950">
+                <a:lnSpc>
+                  <a:spcPct val="90000"/>
+                </a:lnSpc>
+                <a:spcBef>
+                  <a:spcPct val="0"/>
+                </a:spcBef>
+                <a:spcAft>
+                  <a:spcPct val="35000"/>
+                </a:spcAft>
+                <a:buNone/>
+              </a:pPr>
+              <a:r>
+                <a:rPr lang="en-US" sz="2000" b="1" kern="1200" dirty="0">
+                  <a:solidFill>
+                    <a:schemeClr val="tx1"/>
+                  </a:solidFill>
+                  <a:latin typeface="Times New Roman" panose="02020603050405020304" pitchFamily="18" charset="0"/>
+                  <a:cs typeface="Times New Roman" panose="02020603050405020304" pitchFamily="18" charset="0"/>
+                </a:rPr>
+                <a:t>Data Cleaning</a:t>
+              </a:r>
+            </a:p>
+          </p:txBody>
+        </p:sp>
+        <p:sp>
+          <p:nvSpPr>
+            <p:cNvPr id="9" name="Arrow: Chevron 8">
+              <a:extLst>
+                <a:ext uri="{FF2B5EF4-FFF2-40B4-BE49-F238E27FC236}">
+                  <a16:creationId xmlns:a16="http://schemas.microsoft.com/office/drawing/2014/main" id="{F181347B-411E-4741-905B-649CB02B7E38}"/>
+                </a:ext>
+              </a:extLst>
+            </p:cNvPr>
+            <p:cNvSpPr/>
+            <p:nvPr/>
+          </p:nvSpPr>
+          <p:spPr>
+            <a:xfrm>
+              <a:off x="4221385" y="4856968"/>
+              <a:ext cx="1714071" cy="661631"/>
+            </a:xfrm>
+            <a:prstGeom prst="chevron">
+              <a:avLst>
+                <a:gd name="adj" fmla="val 40000"/>
+              </a:avLst>
+            </a:prstGeom>
+            <a:solidFill>
+              <a:schemeClr val="accent6"/>
+            </a:solidFill>
+          </p:spPr>
+          <p:style>
+            <a:lnRef idx="2">
+              <a:schemeClr val="lt1">
+                <a:hueOff val="0"/>
+                <a:satOff val="0"/>
+                <a:lumOff val="0"/>
+                <a:alphaOff val="0"/>
+              </a:schemeClr>
+            </a:lnRef>
+            <a:fillRef idx="1">
+              <a:schemeClr val="accent1">
+                <a:hueOff val="0"/>
+                <a:satOff val="0"/>
+                <a:lumOff val="0"/>
+                <a:alphaOff val="0"/>
+              </a:schemeClr>
+            </a:fillRef>
+            <a:effectRef idx="0">
+              <a:schemeClr val="accent1">
+                <a:hueOff val="0"/>
+                <a:satOff val="0"/>
+                <a:lumOff val="0"/>
+                <a:alphaOff val="0"/>
+              </a:schemeClr>
+            </a:effectRef>
+            <a:fontRef idx="minor">
+              <a:schemeClr val="lt1"/>
+            </a:fontRef>
+          </p:style>
+        </p:sp>
+        <p:sp>
+          <p:nvSpPr>
+            <p:cNvPr id="10" name="Freeform: Shape 9">
+              <a:extLst>
+                <a:ext uri="{FF2B5EF4-FFF2-40B4-BE49-F238E27FC236}">
+                  <a16:creationId xmlns:a16="http://schemas.microsoft.com/office/drawing/2014/main" id="{91129810-E0C5-4127-89C6-5705CD7E7170}"/>
+                </a:ext>
+              </a:extLst>
+            </p:cNvPr>
+            <p:cNvSpPr/>
+            <p:nvPr/>
+          </p:nvSpPr>
+          <p:spPr>
+            <a:xfrm>
+              <a:off x="4221385" y="5270485"/>
+              <a:ext cx="1904524" cy="413521"/>
+            </a:xfrm>
+            <a:custGeom>
+              <a:avLst/>
+              <a:gdLst>
+                <a:gd name="connsiteX0" fmla="*/ 0 w 1447437"/>
+                <a:gd name="connsiteY0" fmla="*/ 66163 h 661631"/>
+                <a:gd name="connsiteX1" fmla="*/ 66163 w 1447437"/>
+                <a:gd name="connsiteY1" fmla="*/ 0 h 661631"/>
+                <a:gd name="connsiteX2" fmla="*/ 1381274 w 1447437"/>
+                <a:gd name="connsiteY2" fmla="*/ 0 h 661631"/>
+                <a:gd name="connsiteX3" fmla="*/ 1447437 w 1447437"/>
+                <a:gd name="connsiteY3" fmla="*/ 66163 h 661631"/>
+                <a:gd name="connsiteX4" fmla="*/ 1447437 w 1447437"/>
+                <a:gd name="connsiteY4" fmla="*/ 595468 h 661631"/>
+                <a:gd name="connsiteX5" fmla="*/ 1381274 w 1447437"/>
+                <a:gd name="connsiteY5" fmla="*/ 661631 h 661631"/>
+                <a:gd name="connsiteX6" fmla="*/ 66163 w 1447437"/>
+                <a:gd name="connsiteY6" fmla="*/ 661631 h 661631"/>
+                <a:gd name="connsiteX7" fmla="*/ 0 w 1447437"/>
+                <a:gd name="connsiteY7" fmla="*/ 595468 h 661631"/>
+                <a:gd name="connsiteX8" fmla="*/ 0 w 1447437"/>
+                <a:gd name="connsiteY8" fmla="*/ 66163 h 661631"/>
+              </a:gdLst>
+              <a:ahLst/>
+              <a:cxnLst>
+                <a:cxn ang="0">
+                  <a:pos x="connsiteX0" y="connsiteY0"/>
+                </a:cxn>
+                <a:cxn ang="0">
+                  <a:pos x="connsiteX1" y="connsiteY1"/>
+                </a:cxn>
+                <a:cxn ang="0">
+                  <a:pos x="connsiteX2" y="connsiteY2"/>
+                </a:cxn>
+                <a:cxn ang="0">
+                  <a:pos x="connsiteX3" y="connsiteY3"/>
+                </a:cxn>
+                <a:cxn ang="0">
+                  <a:pos x="connsiteX4" y="connsiteY4"/>
+                </a:cxn>
+                <a:cxn ang="0">
+                  <a:pos x="connsiteX5" y="connsiteY5"/>
+                </a:cxn>
+                <a:cxn ang="0">
+                  <a:pos x="connsiteX6" y="connsiteY6"/>
+                </a:cxn>
+                <a:cxn ang="0">
+                  <a:pos x="connsiteX7" y="connsiteY7"/>
+                </a:cxn>
+                <a:cxn ang="0">
+                  <a:pos x="connsiteX8" y="connsiteY8"/>
+                </a:cxn>
+              </a:cxnLst>
+              <a:rect l="l" t="t" r="r" b="b"/>
+              <a:pathLst>
+                <a:path w="1447437" h="661631">
+                  <a:moveTo>
+                    <a:pt x="0" y="66163"/>
+                  </a:moveTo>
+                  <a:cubicBezTo>
+                    <a:pt x="0" y="29622"/>
+                    <a:pt x="29622" y="0"/>
+                    <a:pt x="66163" y="0"/>
+                  </a:cubicBezTo>
+                  <a:lnTo>
+                    <a:pt x="1381274" y="0"/>
+                  </a:lnTo>
+                  <a:cubicBezTo>
+                    <a:pt x="1417815" y="0"/>
+                    <a:pt x="1447437" y="29622"/>
+                    <a:pt x="1447437" y="66163"/>
+                  </a:cubicBezTo>
+                  <a:lnTo>
+                    <a:pt x="1447437" y="595468"/>
+                  </a:lnTo>
+                  <a:cubicBezTo>
+                    <a:pt x="1447437" y="632009"/>
+                    <a:pt x="1417815" y="661631"/>
+                    <a:pt x="1381274" y="661631"/>
+                  </a:cubicBezTo>
+                  <a:lnTo>
+                    <a:pt x="66163" y="661631"/>
+                  </a:lnTo>
+                  <a:cubicBezTo>
+                    <a:pt x="29622" y="661631"/>
+                    <a:pt x="0" y="632009"/>
+                    <a:pt x="0" y="595468"/>
+                  </a:cubicBezTo>
+                  <a:lnTo>
+                    <a:pt x="0" y="66163"/>
+                  </a:lnTo>
+                  <a:close/>
+                </a:path>
+              </a:pathLst>
+            </a:custGeom>
+            <a:ln w="38100">
+              <a:solidFill>
+                <a:schemeClr val="accent6"/>
+              </a:solidFill>
+            </a:ln>
+          </p:spPr>
+          <p:style>
+            <a:lnRef idx="2">
+              <a:schemeClr val="accent1">
+                <a:hueOff val="0"/>
+                <a:satOff val="0"/>
+                <a:lumOff val="0"/>
+                <a:alphaOff val="0"/>
+              </a:schemeClr>
+            </a:lnRef>
+            <a:fillRef idx="1">
+              <a:schemeClr val="lt1">
+                <a:alpha val="90000"/>
+                <a:hueOff val="0"/>
+                <a:satOff val="0"/>
+                <a:lumOff val="0"/>
+                <a:alphaOff val="0"/>
+              </a:schemeClr>
+            </a:fillRef>
+            <a:effectRef idx="0">
+              <a:schemeClr val="lt1">
+                <a:alpha val="90000"/>
+                <a:hueOff val="0"/>
+                <a:satOff val="0"/>
+                <a:lumOff val="0"/>
+                <a:alphaOff val="0"/>
+              </a:schemeClr>
+            </a:effectRef>
+            <a:fontRef idx="minor">
+              <a:schemeClr val="dk1">
+                <a:hueOff val="0"/>
+                <a:satOff val="0"/>
+                <a:lumOff val="0"/>
+                <a:alphaOff val="0"/>
+              </a:schemeClr>
+            </a:fontRef>
+          </p:style>
+          <p:txBody>
+            <a:bodyPr spcFirstLastPara="0" vert="horz" wrap="square" lIns="97611" tIns="97611" rIns="97611" bIns="97611" numCol="1" spcCol="1270" anchor="ctr" anchorCtr="0">
+              <a:noAutofit/>
+            </a:bodyPr>
+            <a:lstStyle/>
+            <a:p>
+              <a:pPr marL="0" lvl="0" indent="0" algn="ctr" defTabSz="488950">
+                <a:lnSpc>
+                  <a:spcPct val="90000"/>
+                </a:lnSpc>
+                <a:spcBef>
+                  <a:spcPct val="0"/>
+                </a:spcBef>
+                <a:spcAft>
+                  <a:spcPct val="35000"/>
+                </a:spcAft>
+                <a:buNone/>
+              </a:pPr>
+              <a:r>
+                <a:rPr lang="en-US" sz="2000" b="1" kern="1200" dirty="0">
+                  <a:solidFill>
+                    <a:schemeClr val="accent6"/>
+                  </a:solidFill>
+                  <a:latin typeface="Times New Roman" panose="02020603050405020304" pitchFamily="18" charset="0"/>
+                  <a:cs typeface="Times New Roman" panose="02020603050405020304" pitchFamily="18" charset="0"/>
+                </a:rPr>
+                <a:t>Selecting Key Features for EDA</a:t>
+              </a:r>
+            </a:p>
+          </p:txBody>
+        </p:sp>
+        <p:sp>
+          <p:nvSpPr>
+            <p:cNvPr id="11" name="Arrow: Chevron 10">
+              <a:extLst>
+                <a:ext uri="{FF2B5EF4-FFF2-40B4-BE49-F238E27FC236}">
+                  <a16:creationId xmlns:a16="http://schemas.microsoft.com/office/drawing/2014/main" id="{B582A077-BC2B-431D-85AE-EBE2C5060C52}"/>
+                </a:ext>
+              </a:extLst>
+            </p:cNvPr>
+            <p:cNvSpPr/>
+            <p:nvPr/>
+          </p:nvSpPr>
+          <p:spPr>
+            <a:xfrm>
+              <a:off x="6179235" y="4856968"/>
+              <a:ext cx="1714071" cy="661631"/>
+            </a:xfrm>
+            <a:prstGeom prst="chevron">
+              <a:avLst>
+                <a:gd name="adj" fmla="val 40000"/>
+              </a:avLst>
+            </a:prstGeom>
+          </p:spPr>
+          <p:style>
+            <a:lnRef idx="2">
+              <a:schemeClr val="lt1">
+                <a:hueOff val="0"/>
+                <a:satOff val="0"/>
+                <a:lumOff val="0"/>
+                <a:alphaOff val="0"/>
+              </a:schemeClr>
+            </a:lnRef>
+            <a:fillRef idx="1">
+              <a:schemeClr val="accent1">
+                <a:hueOff val="0"/>
+                <a:satOff val="0"/>
+                <a:lumOff val="0"/>
+                <a:alphaOff val="0"/>
+              </a:schemeClr>
+            </a:fillRef>
+            <a:effectRef idx="0">
+              <a:schemeClr val="accent1">
+                <a:hueOff val="0"/>
+                <a:satOff val="0"/>
+                <a:lumOff val="0"/>
+                <a:alphaOff val="0"/>
+              </a:schemeClr>
+            </a:effectRef>
+            <a:fontRef idx="minor">
+              <a:schemeClr val="lt1"/>
+            </a:fontRef>
+          </p:style>
+        </p:sp>
+        <p:sp>
+          <p:nvSpPr>
+            <p:cNvPr id="12" name="Freeform: Shape 11">
+              <a:extLst>
+                <a:ext uri="{FF2B5EF4-FFF2-40B4-BE49-F238E27FC236}">
+                  <a16:creationId xmlns:a16="http://schemas.microsoft.com/office/drawing/2014/main" id="{D62C86FB-D99D-47D6-9FED-C49927214F2E}"/>
+                </a:ext>
+              </a:extLst>
+            </p:cNvPr>
+            <p:cNvSpPr/>
+            <p:nvPr/>
+          </p:nvSpPr>
+          <p:spPr>
+            <a:xfrm>
+              <a:off x="6239051" y="5219593"/>
+              <a:ext cx="1898034" cy="464414"/>
+            </a:xfrm>
+            <a:custGeom>
+              <a:avLst/>
+              <a:gdLst>
+                <a:gd name="connsiteX0" fmla="*/ 0 w 1447437"/>
+                <a:gd name="connsiteY0" fmla="*/ 66163 h 661631"/>
+                <a:gd name="connsiteX1" fmla="*/ 66163 w 1447437"/>
+                <a:gd name="connsiteY1" fmla="*/ 0 h 661631"/>
+                <a:gd name="connsiteX2" fmla="*/ 1381274 w 1447437"/>
+                <a:gd name="connsiteY2" fmla="*/ 0 h 661631"/>
+                <a:gd name="connsiteX3" fmla="*/ 1447437 w 1447437"/>
+                <a:gd name="connsiteY3" fmla="*/ 66163 h 661631"/>
+                <a:gd name="connsiteX4" fmla="*/ 1447437 w 1447437"/>
+                <a:gd name="connsiteY4" fmla="*/ 595468 h 661631"/>
+                <a:gd name="connsiteX5" fmla="*/ 1381274 w 1447437"/>
+                <a:gd name="connsiteY5" fmla="*/ 661631 h 661631"/>
+                <a:gd name="connsiteX6" fmla="*/ 66163 w 1447437"/>
+                <a:gd name="connsiteY6" fmla="*/ 661631 h 661631"/>
+                <a:gd name="connsiteX7" fmla="*/ 0 w 1447437"/>
+                <a:gd name="connsiteY7" fmla="*/ 595468 h 661631"/>
+                <a:gd name="connsiteX8" fmla="*/ 0 w 1447437"/>
+                <a:gd name="connsiteY8" fmla="*/ 66163 h 661631"/>
+              </a:gdLst>
+              <a:ahLst/>
+              <a:cxnLst>
+                <a:cxn ang="0">
+                  <a:pos x="connsiteX0" y="connsiteY0"/>
+                </a:cxn>
+                <a:cxn ang="0">
+                  <a:pos x="connsiteX1" y="connsiteY1"/>
+                </a:cxn>
+                <a:cxn ang="0">
+                  <a:pos x="connsiteX2" y="connsiteY2"/>
+                </a:cxn>
+                <a:cxn ang="0">
+                  <a:pos x="connsiteX3" y="connsiteY3"/>
+                </a:cxn>
+                <a:cxn ang="0">
+                  <a:pos x="connsiteX4" y="connsiteY4"/>
+                </a:cxn>
+                <a:cxn ang="0">
+                  <a:pos x="connsiteX5" y="connsiteY5"/>
+                </a:cxn>
+                <a:cxn ang="0">
+                  <a:pos x="connsiteX6" y="connsiteY6"/>
+                </a:cxn>
+                <a:cxn ang="0">
+                  <a:pos x="connsiteX7" y="connsiteY7"/>
+                </a:cxn>
+                <a:cxn ang="0">
+                  <a:pos x="connsiteX8" y="connsiteY8"/>
+                </a:cxn>
+              </a:cxnLst>
+              <a:rect l="l" t="t" r="r" b="b"/>
+              <a:pathLst>
+                <a:path w="1447437" h="661631">
+                  <a:moveTo>
+                    <a:pt x="0" y="66163"/>
+                  </a:moveTo>
+                  <a:cubicBezTo>
+                    <a:pt x="0" y="29622"/>
+                    <a:pt x="29622" y="0"/>
+                    <a:pt x="66163" y="0"/>
+                  </a:cubicBezTo>
+                  <a:lnTo>
+                    <a:pt x="1381274" y="0"/>
+                  </a:lnTo>
+                  <a:cubicBezTo>
+                    <a:pt x="1417815" y="0"/>
+                    <a:pt x="1447437" y="29622"/>
+                    <a:pt x="1447437" y="66163"/>
+                  </a:cubicBezTo>
+                  <a:lnTo>
+                    <a:pt x="1447437" y="595468"/>
+                  </a:lnTo>
+                  <a:cubicBezTo>
+                    <a:pt x="1447437" y="632009"/>
+                    <a:pt x="1417815" y="661631"/>
+                    <a:pt x="1381274" y="661631"/>
+                  </a:cubicBezTo>
+                  <a:lnTo>
+                    <a:pt x="66163" y="661631"/>
+                  </a:lnTo>
+                  <a:cubicBezTo>
+                    <a:pt x="29622" y="661631"/>
+                    <a:pt x="0" y="632009"/>
+                    <a:pt x="0" y="595468"/>
+                  </a:cubicBezTo>
+                  <a:lnTo>
+                    <a:pt x="0" y="66163"/>
+                  </a:lnTo>
+                  <a:close/>
+                </a:path>
+              </a:pathLst>
+            </a:custGeom>
+          </p:spPr>
+          <p:style>
+            <a:lnRef idx="2">
+              <a:schemeClr val="accent1">
+                <a:hueOff val="0"/>
+                <a:satOff val="0"/>
+                <a:lumOff val="0"/>
+                <a:alphaOff val="0"/>
+              </a:schemeClr>
+            </a:lnRef>
+            <a:fillRef idx="1">
+              <a:schemeClr val="lt1">
+                <a:alpha val="90000"/>
+                <a:hueOff val="0"/>
+                <a:satOff val="0"/>
+                <a:lumOff val="0"/>
+                <a:alphaOff val="0"/>
+              </a:schemeClr>
+            </a:fillRef>
+            <a:effectRef idx="0">
+              <a:schemeClr val="lt1">
+                <a:alpha val="90000"/>
+                <a:hueOff val="0"/>
+                <a:satOff val="0"/>
+                <a:lumOff val="0"/>
+                <a:alphaOff val="0"/>
+              </a:schemeClr>
+            </a:effectRef>
+            <a:fontRef idx="minor">
+              <a:schemeClr val="dk1">
+                <a:hueOff val="0"/>
+                <a:satOff val="0"/>
+                <a:lumOff val="0"/>
+                <a:alphaOff val="0"/>
+              </a:schemeClr>
+            </a:fontRef>
+          </p:style>
+          <p:txBody>
+            <a:bodyPr spcFirstLastPara="0" vert="horz" wrap="square" lIns="97611" tIns="97611" rIns="97611" bIns="97611" numCol="1" spcCol="1270" anchor="ctr" anchorCtr="0">
+              <a:noAutofit/>
+            </a:bodyPr>
+            <a:lstStyle/>
+            <a:p>
+              <a:pPr marL="0" lvl="0" indent="0" algn="ctr" defTabSz="488950">
+                <a:lnSpc>
+                  <a:spcPct val="90000"/>
+                </a:lnSpc>
+                <a:spcBef>
+                  <a:spcPct val="0"/>
+                </a:spcBef>
+                <a:spcAft>
+                  <a:spcPct val="35000"/>
+                </a:spcAft>
+                <a:buNone/>
+              </a:pPr>
+              <a:r>
+                <a:rPr lang="en-US" b="1" kern="1200" dirty="0">
+                  <a:latin typeface="Times New Roman" panose="02020603050405020304" pitchFamily="18" charset="0"/>
+                  <a:cs typeface="Times New Roman" panose="02020603050405020304" pitchFamily="18" charset="0"/>
+                </a:rPr>
+                <a:t>Univariate &amp; Segmented Univariate Analysis</a:t>
+              </a:r>
+            </a:p>
+          </p:txBody>
+        </p:sp>
+        <p:sp>
+          <p:nvSpPr>
+            <p:cNvPr id="13" name="Arrow: Chevron 12">
+              <a:extLst>
+                <a:ext uri="{FF2B5EF4-FFF2-40B4-BE49-F238E27FC236}">
+                  <a16:creationId xmlns:a16="http://schemas.microsoft.com/office/drawing/2014/main" id="{C935C804-DF5E-4FB9-94BD-FAF766FA38F7}"/>
+                </a:ext>
+              </a:extLst>
+            </p:cNvPr>
+            <p:cNvSpPr/>
+            <p:nvPr/>
+          </p:nvSpPr>
+          <p:spPr>
+            <a:xfrm>
+              <a:off x="8137086" y="4856968"/>
+              <a:ext cx="1714071" cy="661631"/>
+            </a:xfrm>
+            <a:prstGeom prst="chevron">
+              <a:avLst>
+                <a:gd name="adj" fmla="val 40000"/>
+              </a:avLst>
+            </a:prstGeom>
+          </p:spPr>
+          <p:style>
+            <a:lnRef idx="2">
+              <a:schemeClr val="lt1">
+                <a:hueOff val="0"/>
+                <a:satOff val="0"/>
+                <a:lumOff val="0"/>
+                <a:alphaOff val="0"/>
+              </a:schemeClr>
+            </a:lnRef>
+            <a:fillRef idx="1">
+              <a:schemeClr val="accent1">
+                <a:hueOff val="0"/>
+                <a:satOff val="0"/>
+                <a:lumOff val="0"/>
+                <a:alphaOff val="0"/>
+              </a:schemeClr>
+            </a:fillRef>
+            <a:effectRef idx="0">
+              <a:schemeClr val="accent1">
+                <a:hueOff val="0"/>
+                <a:satOff val="0"/>
+                <a:lumOff val="0"/>
+                <a:alphaOff val="0"/>
+              </a:schemeClr>
+            </a:effectRef>
+            <a:fontRef idx="minor">
+              <a:schemeClr val="lt1"/>
+            </a:fontRef>
+          </p:style>
+        </p:sp>
+        <p:sp>
+          <p:nvSpPr>
+            <p:cNvPr id="14" name="Freeform: Shape 13">
+              <a:extLst>
+                <a:ext uri="{FF2B5EF4-FFF2-40B4-BE49-F238E27FC236}">
+                  <a16:creationId xmlns:a16="http://schemas.microsoft.com/office/drawing/2014/main" id="{F95CB3E6-9E3E-4B13-ACE3-E83EA50DFAF5}"/>
+                </a:ext>
+              </a:extLst>
+            </p:cNvPr>
+            <p:cNvSpPr/>
+            <p:nvPr/>
+          </p:nvSpPr>
+          <p:spPr>
+            <a:xfrm>
+              <a:off x="8387355" y="5270485"/>
+              <a:ext cx="1636759" cy="413522"/>
+            </a:xfrm>
+            <a:custGeom>
+              <a:avLst/>
+              <a:gdLst>
+                <a:gd name="connsiteX0" fmla="*/ 0 w 1447437"/>
+                <a:gd name="connsiteY0" fmla="*/ 66163 h 661631"/>
+                <a:gd name="connsiteX1" fmla="*/ 66163 w 1447437"/>
+                <a:gd name="connsiteY1" fmla="*/ 0 h 661631"/>
+                <a:gd name="connsiteX2" fmla="*/ 1381274 w 1447437"/>
+                <a:gd name="connsiteY2" fmla="*/ 0 h 661631"/>
+                <a:gd name="connsiteX3" fmla="*/ 1447437 w 1447437"/>
+                <a:gd name="connsiteY3" fmla="*/ 66163 h 661631"/>
+                <a:gd name="connsiteX4" fmla="*/ 1447437 w 1447437"/>
+                <a:gd name="connsiteY4" fmla="*/ 595468 h 661631"/>
+                <a:gd name="connsiteX5" fmla="*/ 1381274 w 1447437"/>
+                <a:gd name="connsiteY5" fmla="*/ 661631 h 661631"/>
+                <a:gd name="connsiteX6" fmla="*/ 66163 w 1447437"/>
+                <a:gd name="connsiteY6" fmla="*/ 661631 h 661631"/>
+                <a:gd name="connsiteX7" fmla="*/ 0 w 1447437"/>
+                <a:gd name="connsiteY7" fmla="*/ 595468 h 661631"/>
+                <a:gd name="connsiteX8" fmla="*/ 0 w 1447437"/>
+                <a:gd name="connsiteY8" fmla="*/ 66163 h 661631"/>
+              </a:gdLst>
+              <a:ahLst/>
+              <a:cxnLst>
+                <a:cxn ang="0">
+                  <a:pos x="connsiteX0" y="connsiteY0"/>
+                </a:cxn>
+                <a:cxn ang="0">
+                  <a:pos x="connsiteX1" y="connsiteY1"/>
+                </a:cxn>
+                <a:cxn ang="0">
+                  <a:pos x="connsiteX2" y="connsiteY2"/>
+                </a:cxn>
+                <a:cxn ang="0">
+                  <a:pos x="connsiteX3" y="connsiteY3"/>
+                </a:cxn>
+                <a:cxn ang="0">
+                  <a:pos x="connsiteX4" y="connsiteY4"/>
+                </a:cxn>
+                <a:cxn ang="0">
+                  <a:pos x="connsiteX5" y="connsiteY5"/>
+                </a:cxn>
+                <a:cxn ang="0">
+                  <a:pos x="connsiteX6" y="connsiteY6"/>
+                </a:cxn>
+                <a:cxn ang="0">
+                  <a:pos x="connsiteX7" y="connsiteY7"/>
+                </a:cxn>
+                <a:cxn ang="0">
+                  <a:pos x="connsiteX8" y="connsiteY8"/>
+                </a:cxn>
+              </a:cxnLst>
+              <a:rect l="l" t="t" r="r" b="b"/>
+              <a:pathLst>
+                <a:path w="1447437" h="661631">
+                  <a:moveTo>
+                    <a:pt x="0" y="66163"/>
+                  </a:moveTo>
+                  <a:cubicBezTo>
+                    <a:pt x="0" y="29622"/>
+                    <a:pt x="29622" y="0"/>
+                    <a:pt x="66163" y="0"/>
+                  </a:cubicBezTo>
+                  <a:lnTo>
+                    <a:pt x="1381274" y="0"/>
+                  </a:lnTo>
+                  <a:cubicBezTo>
+                    <a:pt x="1417815" y="0"/>
+                    <a:pt x="1447437" y="29622"/>
+                    <a:pt x="1447437" y="66163"/>
+                  </a:cubicBezTo>
+                  <a:lnTo>
+                    <a:pt x="1447437" y="595468"/>
+                  </a:lnTo>
+                  <a:cubicBezTo>
+                    <a:pt x="1447437" y="632009"/>
+                    <a:pt x="1417815" y="661631"/>
+                    <a:pt x="1381274" y="661631"/>
+                  </a:cubicBezTo>
+                  <a:lnTo>
+                    <a:pt x="66163" y="661631"/>
+                  </a:lnTo>
+                  <a:cubicBezTo>
+                    <a:pt x="29622" y="661631"/>
+                    <a:pt x="0" y="632009"/>
+                    <a:pt x="0" y="595468"/>
+                  </a:cubicBezTo>
+                  <a:lnTo>
+                    <a:pt x="0" y="66163"/>
+                  </a:lnTo>
+                  <a:close/>
+                </a:path>
+              </a:pathLst>
+            </a:custGeom>
+          </p:spPr>
+          <p:style>
+            <a:lnRef idx="2">
+              <a:schemeClr val="accent1">
+                <a:hueOff val="0"/>
+                <a:satOff val="0"/>
+                <a:lumOff val="0"/>
+                <a:alphaOff val="0"/>
+              </a:schemeClr>
+            </a:lnRef>
+            <a:fillRef idx="1">
+              <a:schemeClr val="lt1">
+                <a:alpha val="90000"/>
+                <a:hueOff val="0"/>
+                <a:satOff val="0"/>
+                <a:lumOff val="0"/>
+                <a:alphaOff val="0"/>
+              </a:schemeClr>
+            </a:fillRef>
+            <a:effectRef idx="0">
+              <a:schemeClr val="lt1">
+                <a:alpha val="90000"/>
+                <a:hueOff val="0"/>
+                <a:satOff val="0"/>
+                <a:lumOff val="0"/>
+                <a:alphaOff val="0"/>
+              </a:schemeClr>
+            </a:effectRef>
+            <a:fontRef idx="minor">
+              <a:schemeClr val="dk1">
+                <a:hueOff val="0"/>
+                <a:satOff val="0"/>
+                <a:lumOff val="0"/>
+                <a:alphaOff val="0"/>
+              </a:schemeClr>
+            </a:fontRef>
+          </p:style>
+          <p:txBody>
+            <a:bodyPr spcFirstLastPara="0" vert="horz" wrap="square" lIns="97611" tIns="97611" rIns="97611" bIns="97611" numCol="1" spcCol="1270" anchor="ctr" anchorCtr="0">
+              <a:noAutofit/>
+            </a:bodyPr>
+            <a:lstStyle/>
+            <a:p>
+              <a:pPr marL="0" lvl="0" indent="0" algn="ctr" defTabSz="488950">
+                <a:lnSpc>
+                  <a:spcPct val="90000"/>
+                </a:lnSpc>
+                <a:spcBef>
+                  <a:spcPct val="0"/>
+                </a:spcBef>
+                <a:spcAft>
+                  <a:spcPct val="35000"/>
+                </a:spcAft>
+                <a:buNone/>
+              </a:pPr>
+              <a:r>
+                <a:rPr lang="en-US" sz="2000" b="1" kern="1200" dirty="0">
+                  <a:latin typeface="Times New Roman" panose="02020603050405020304" pitchFamily="18" charset="0"/>
+                  <a:cs typeface="Times New Roman" panose="02020603050405020304" pitchFamily="18" charset="0"/>
+                </a:rPr>
+                <a:t>Bivariate Analysis</a:t>
+              </a:r>
+            </a:p>
+          </p:txBody>
+        </p:sp>
+        <p:sp>
+          <p:nvSpPr>
+            <p:cNvPr id="15" name="Arrow: Chevron 14">
+              <a:extLst>
+                <a:ext uri="{FF2B5EF4-FFF2-40B4-BE49-F238E27FC236}">
+                  <a16:creationId xmlns:a16="http://schemas.microsoft.com/office/drawing/2014/main" id="{365ACBD7-D5B9-4240-A9F6-80054E820824}"/>
+                </a:ext>
+              </a:extLst>
+            </p:cNvPr>
+            <p:cNvSpPr/>
+            <p:nvPr/>
+          </p:nvSpPr>
+          <p:spPr>
+            <a:xfrm>
+              <a:off x="10094936" y="4856968"/>
+              <a:ext cx="1714071" cy="661631"/>
+            </a:xfrm>
+            <a:prstGeom prst="chevron">
+              <a:avLst>
+                <a:gd name="adj" fmla="val 40000"/>
+              </a:avLst>
+            </a:prstGeom>
+          </p:spPr>
+          <p:style>
+            <a:lnRef idx="2">
+              <a:schemeClr val="lt1">
+                <a:hueOff val="0"/>
+                <a:satOff val="0"/>
+                <a:lumOff val="0"/>
+                <a:alphaOff val="0"/>
+              </a:schemeClr>
+            </a:lnRef>
+            <a:fillRef idx="1">
+              <a:schemeClr val="accent1">
+                <a:hueOff val="0"/>
+                <a:satOff val="0"/>
+                <a:lumOff val="0"/>
+                <a:alphaOff val="0"/>
+              </a:schemeClr>
+            </a:fillRef>
+            <a:effectRef idx="0">
+              <a:schemeClr val="accent1">
+                <a:hueOff val="0"/>
+                <a:satOff val="0"/>
+                <a:lumOff val="0"/>
+                <a:alphaOff val="0"/>
+              </a:schemeClr>
+            </a:effectRef>
+            <a:fontRef idx="minor">
+              <a:schemeClr val="lt1"/>
+            </a:fontRef>
+          </p:style>
+        </p:sp>
+        <p:sp>
+          <p:nvSpPr>
+            <p:cNvPr id="16" name="Freeform: Shape 15">
+              <a:extLst>
+                <a:ext uri="{FF2B5EF4-FFF2-40B4-BE49-F238E27FC236}">
+                  <a16:creationId xmlns:a16="http://schemas.microsoft.com/office/drawing/2014/main" id="{C8C00DCC-5E9B-4546-92CE-180705E6C73B}"/>
+                </a:ext>
+              </a:extLst>
+            </p:cNvPr>
+            <p:cNvSpPr/>
+            <p:nvPr/>
+          </p:nvSpPr>
+          <p:spPr>
+            <a:xfrm>
+              <a:off x="10154753" y="5219593"/>
+              <a:ext cx="1844706" cy="464414"/>
+            </a:xfrm>
+            <a:custGeom>
+              <a:avLst/>
+              <a:gdLst>
+                <a:gd name="connsiteX0" fmla="*/ 0 w 1447437"/>
+                <a:gd name="connsiteY0" fmla="*/ 66163 h 661631"/>
+                <a:gd name="connsiteX1" fmla="*/ 66163 w 1447437"/>
+                <a:gd name="connsiteY1" fmla="*/ 0 h 661631"/>
+                <a:gd name="connsiteX2" fmla="*/ 1381274 w 1447437"/>
+                <a:gd name="connsiteY2" fmla="*/ 0 h 661631"/>
+                <a:gd name="connsiteX3" fmla="*/ 1447437 w 1447437"/>
+                <a:gd name="connsiteY3" fmla="*/ 66163 h 661631"/>
+                <a:gd name="connsiteX4" fmla="*/ 1447437 w 1447437"/>
+                <a:gd name="connsiteY4" fmla="*/ 595468 h 661631"/>
+                <a:gd name="connsiteX5" fmla="*/ 1381274 w 1447437"/>
+                <a:gd name="connsiteY5" fmla="*/ 661631 h 661631"/>
+                <a:gd name="connsiteX6" fmla="*/ 66163 w 1447437"/>
+                <a:gd name="connsiteY6" fmla="*/ 661631 h 661631"/>
+                <a:gd name="connsiteX7" fmla="*/ 0 w 1447437"/>
+                <a:gd name="connsiteY7" fmla="*/ 595468 h 661631"/>
+                <a:gd name="connsiteX8" fmla="*/ 0 w 1447437"/>
+                <a:gd name="connsiteY8" fmla="*/ 66163 h 661631"/>
+              </a:gdLst>
+              <a:ahLst/>
+              <a:cxnLst>
+                <a:cxn ang="0">
+                  <a:pos x="connsiteX0" y="connsiteY0"/>
+                </a:cxn>
+                <a:cxn ang="0">
+                  <a:pos x="connsiteX1" y="connsiteY1"/>
+                </a:cxn>
+                <a:cxn ang="0">
+                  <a:pos x="connsiteX2" y="connsiteY2"/>
+                </a:cxn>
+                <a:cxn ang="0">
+                  <a:pos x="connsiteX3" y="connsiteY3"/>
+                </a:cxn>
+                <a:cxn ang="0">
+                  <a:pos x="connsiteX4" y="connsiteY4"/>
+                </a:cxn>
+                <a:cxn ang="0">
+                  <a:pos x="connsiteX5" y="connsiteY5"/>
+                </a:cxn>
+                <a:cxn ang="0">
+                  <a:pos x="connsiteX6" y="connsiteY6"/>
+                </a:cxn>
+                <a:cxn ang="0">
+                  <a:pos x="connsiteX7" y="connsiteY7"/>
+                </a:cxn>
+                <a:cxn ang="0">
+                  <a:pos x="connsiteX8" y="connsiteY8"/>
+                </a:cxn>
+              </a:cxnLst>
+              <a:rect l="l" t="t" r="r" b="b"/>
+              <a:pathLst>
+                <a:path w="1447437" h="661631">
+                  <a:moveTo>
+                    <a:pt x="0" y="66163"/>
+                  </a:moveTo>
+                  <a:cubicBezTo>
+                    <a:pt x="0" y="29622"/>
+                    <a:pt x="29622" y="0"/>
+                    <a:pt x="66163" y="0"/>
+                  </a:cubicBezTo>
+                  <a:lnTo>
+                    <a:pt x="1381274" y="0"/>
+                  </a:lnTo>
+                  <a:cubicBezTo>
+                    <a:pt x="1417815" y="0"/>
+                    <a:pt x="1447437" y="29622"/>
+                    <a:pt x="1447437" y="66163"/>
+                  </a:cubicBezTo>
+                  <a:lnTo>
+                    <a:pt x="1447437" y="595468"/>
+                  </a:lnTo>
+                  <a:cubicBezTo>
+                    <a:pt x="1447437" y="632009"/>
+                    <a:pt x="1417815" y="661631"/>
+                    <a:pt x="1381274" y="661631"/>
+                  </a:cubicBezTo>
+                  <a:lnTo>
+                    <a:pt x="66163" y="661631"/>
+                  </a:lnTo>
+                  <a:cubicBezTo>
+                    <a:pt x="29622" y="661631"/>
+                    <a:pt x="0" y="632009"/>
+                    <a:pt x="0" y="595468"/>
+                  </a:cubicBezTo>
+                  <a:lnTo>
+                    <a:pt x="0" y="66163"/>
+                  </a:lnTo>
+                  <a:close/>
+                </a:path>
+              </a:pathLst>
+            </a:custGeom>
+          </p:spPr>
+          <p:style>
+            <a:lnRef idx="2">
+              <a:schemeClr val="accent1">
+                <a:hueOff val="0"/>
+                <a:satOff val="0"/>
+                <a:lumOff val="0"/>
+                <a:alphaOff val="0"/>
+              </a:schemeClr>
+            </a:lnRef>
+            <a:fillRef idx="1">
+              <a:schemeClr val="lt1">
+                <a:alpha val="90000"/>
+                <a:hueOff val="0"/>
+                <a:satOff val="0"/>
+                <a:lumOff val="0"/>
+                <a:alphaOff val="0"/>
+              </a:schemeClr>
+            </a:fillRef>
+            <a:effectRef idx="0">
+              <a:schemeClr val="lt1">
+                <a:alpha val="90000"/>
+                <a:hueOff val="0"/>
+                <a:satOff val="0"/>
+                <a:lumOff val="0"/>
+                <a:alphaOff val="0"/>
+              </a:schemeClr>
+            </a:effectRef>
+            <a:fontRef idx="minor">
+              <a:schemeClr val="dk1">
+                <a:hueOff val="0"/>
+                <a:satOff val="0"/>
+                <a:lumOff val="0"/>
+                <a:alphaOff val="0"/>
+              </a:schemeClr>
+            </a:fontRef>
+          </p:style>
+          <p:txBody>
+            <a:bodyPr spcFirstLastPara="0" vert="horz" wrap="square" lIns="97611" tIns="97611" rIns="97611" bIns="97611" numCol="1" spcCol="1270" anchor="ctr" anchorCtr="0">
+              <a:noAutofit/>
+            </a:bodyPr>
+            <a:lstStyle/>
+            <a:p>
+              <a:pPr marL="0" lvl="0" indent="0" algn="ctr" defTabSz="488950">
+                <a:lnSpc>
+                  <a:spcPct val="90000"/>
+                </a:lnSpc>
+                <a:spcBef>
+                  <a:spcPct val="0"/>
+                </a:spcBef>
+                <a:spcAft>
+                  <a:spcPct val="35000"/>
+                </a:spcAft>
+                <a:buNone/>
+              </a:pPr>
+              <a:r>
+                <a:rPr lang="en-US" sz="1900" b="1" kern="1200" dirty="0">
+                  <a:latin typeface="Times New Roman" panose="02020603050405020304" pitchFamily="18" charset="0"/>
+                  <a:cs typeface="Times New Roman" panose="02020603050405020304" pitchFamily="18" charset="0"/>
+                </a:rPr>
+                <a:t>Conclusions &amp; Recommendations</a:t>
+              </a:r>
+            </a:p>
+          </p:txBody>
+        </p:sp>
+      </p:grpSp>
+      <p:sp>
+        <p:nvSpPr>
+          <p:cNvPr id="17" name="TextBox 16">
+            <a:extLst>
+              <a:ext uri="{FF2B5EF4-FFF2-40B4-BE49-F238E27FC236}">
+                <a16:creationId xmlns:a16="http://schemas.microsoft.com/office/drawing/2014/main" id="{E7EA555F-A47F-4A10-92D7-A1B6BDDE16F6}"/>
+              </a:ext>
+            </a:extLst>
+          </p:cNvPr>
+          <p:cNvSpPr txBox="1"/>
+          <p:nvPr/>
+        </p:nvSpPr>
+        <p:spPr>
+          <a:xfrm>
+            <a:off x="424069" y="2332383"/>
+            <a:ext cx="11092070" cy="2585323"/>
+          </a:xfrm>
+          <a:prstGeom prst="rect">
+            <a:avLst/>
+          </a:prstGeom>
+          <a:noFill/>
+        </p:spPr>
+        <p:txBody>
+          <a:bodyPr wrap="square" rtlCol="0">
+            <a:spAutoFit/>
+          </a:bodyPr>
+          <a:lstStyle/>
+          <a:p>
+            <a:r>
+              <a:rPr lang="en-US" b="1" dirty="0">
+                <a:latin typeface="Times New Roman" panose="02020603050405020304" pitchFamily="18" charset="0"/>
+                <a:cs typeface="Times New Roman" panose="02020603050405020304" pitchFamily="18" charset="0"/>
+              </a:rPr>
+              <a:t>Data Driven Metrics</a:t>
+            </a:r>
+          </a:p>
+          <a:p>
+            <a:pPr lvl="1"/>
+            <a:r>
+              <a:rPr lang="en-US" b="1" u="sng" dirty="0">
+                <a:latin typeface="Times New Roman" panose="02020603050405020304" pitchFamily="18" charset="0"/>
+                <a:cs typeface="Times New Roman" panose="02020603050405020304" pitchFamily="18" charset="0"/>
+              </a:rPr>
+              <a:t>Business Driven Metric :</a:t>
+            </a:r>
+          </a:p>
+          <a:p>
+            <a:pPr marL="742950" lvl="1" indent="-285750">
+              <a:buFont typeface="Arial" panose="020B0604020202020204" pitchFamily="34" charset="0"/>
+              <a:buChar char="•"/>
+            </a:pPr>
+            <a:r>
+              <a:rPr lang="en-US" dirty="0">
+                <a:latin typeface="Times New Roman" panose="02020603050405020304" pitchFamily="18" charset="0"/>
+                <a:cs typeface="Times New Roman" panose="02020603050405020304" pitchFamily="18" charset="0"/>
+              </a:rPr>
+              <a:t>Lending club would not be interested in exact number of years of experience of the employee, so employee length is categorized as &lt;1 year(New employees), 1-3, 3-6, 6-9 years( Different experience groups), &gt;10 years(Most experienced employees)</a:t>
+            </a:r>
+          </a:p>
+          <a:p>
+            <a:pPr lvl="1"/>
+            <a:r>
+              <a:rPr lang="en-US" b="1" u="sng" dirty="0">
+                <a:latin typeface="Times New Roman" panose="02020603050405020304" pitchFamily="18" charset="0"/>
+                <a:cs typeface="Times New Roman" panose="02020603050405020304" pitchFamily="18" charset="0"/>
+              </a:rPr>
+              <a:t>Data Driven Metric:</a:t>
+            </a:r>
+          </a:p>
+          <a:p>
+            <a:pPr marL="742950" lvl="1" indent="-285750">
+              <a:buFont typeface="Arial" panose="020B0604020202020204" pitchFamily="34" charset="0"/>
+              <a:buChar char="•"/>
+            </a:pPr>
+            <a:r>
+              <a:rPr lang="en-US" dirty="0">
+                <a:latin typeface="Times New Roman" panose="02020603050405020304" pitchFamily="18" charset="0"/>
+                <a:cs typeface="Times New Roman" panose="02020603050405020304" pitchFamily="18" charset="0"/>
+              </a:rPr>
+              <a:t>The numeric variables are binned into certain categories to aid better analysis of numeric variables such as loan_amnt, int_rate, annual income and dti. (Ex. int_rate is binned into categories like 5-10%(low), 10-15%(medium),15-20%(high) etc. to derive insights on the derived groups of interest rates</a:t>
+            </a:r>
+          </a:p>
+        </p:txBody>
+      </p:sp>
+    </p:spTree>
+    <p:extLst>
+      <p:ext uri="{BB962C8B-B14F-4D97-AF65-F5344CB8AC3E}">
+        <p14:creationId xmlns:p14="http://schemas.microsoft.com/office/powerpoint/2010/main" val="1520286956"/>
+      </p:ext>
+    </p:extLst>
+  </p:cSld>
+  <p:clrMapOvr>
+    <a:masterClrMapping/>
+  </p:clrMapOvr>
+</p:sld>
+</file>
+
+<file path=ppt/slides/slide7.xml><?xml version="1.0" encoding="utf-8"?>
+<p:sld xmlns:a="http://schemas.openxmlformats.org/drawingml/2006/main" xmlns:r="http://schemas.openxmlformats.org/officeDocument/2006/relationships" xmlns:p="http://schemas.openxmlformats.org/presentationml/2006/main">
+  <p:cSld>
+    <p:spTree>
+      <p:nvGrpSpPr>
+        <p:cNvPr id="1" name=""/>
+        <p:cNvGrpSpPr/>
+        <p:nvPr/>
+      </p:nvGrpSpPr>
+      <p:grpSpPr>
+        <a:xfrm>
+          <a:off x="0" y="0"/>
+          <a:ext cx="0" cy="0"/>
+          <a:chOff x="0" y="0"/>
+          <a:chExt cx="0" cy="0"/>
+        </a:xfrm>
+      </p:grpSpPr>
+      <p:grpSp>
+        <p:nvGrpSpPr>
+          <p:cNvPr id="4" name="Group 3">
+            <a:extLst>
+              <a:ext uri="{FF2B5EF4-FFF2-40B4-BE49-F238E27FC236}">
+                <a16:creationId xmlns:a16="http://schemas.microsoft.com/office/drawing/2014/main" id="{C0EABEF7-9F1B-4127-B8D9-7AEE92FEE485}"/>
+              </a:ext>
+            </a:extLst>
+          </p:cNvPr>
+          <p:cNvGrpSpPr/>
+          <p:nvPr/>
+        </p:nvGrpSpPr>
+        <p:grpSpPr>
+          <a:xfrm>
+            <a:off x="249113" y="279255"/>
+            <a:ext cx="11693774" cy="1801091"/>
+            <a:chOff x="305685" y="4856968"/>
+            <a:chExt cx="11693774" cy="827039"/>
+          </a:xfrm>
+        </p:grpSpPr>
+        <p:sp>
+          <p:nvSpPr>
+            <p:cNvPr id="5" name="Arrow: Chevron 4">
+              <a:extLst>
+                <a:ext uri="{FF2B5EF4-FFF2-40B4-BE49-F238E27FC236}">
+                  <a16:creationId xmlns:a16="http://schemas.microsoft.com/office/drawing/2014/main" id="{33619344-AE35-4155-AB13-00BDFC600F98}"/>
+                </a:ext>
+              </a:extLst>
+            </p:cNvPr>
+            <p:cNvSpPr/>
+            <p:nvPr/>
+          </p:nvSpPr>
+          <p:spPr>
+            <a:xfrm>
+              <a:off x="305685" y="4856968"/>
+              <a:ext cx="1714071" cy="661631"/>
+            </a:xfrm>
+            <a:prstGeom prst="chevron">
+              <a:avLst>
+                <a:gd name="adj" fmla="val 40000"/>
+              </a:avLst>
+            </a:prstGeom>
+            <a:solidFill>
+              <a:schemeClr val="accent1"/>
+            </a:solidFill>
+          </p:spPr>
+          <p:style>
+            <a:lnRef idx="2">
+              <a:schemeClr val="lt1">
+                <a:hueOff val="0"/>
+                <a:satOff val="0"/>
+                <a:lumOff val="0"/>
+                <a:alphaOff val="0"/>
+              </a:schemeClr>
+            </a:lnRef>
+            <a:fillRef idx="1">
+              <a:schemeClr val="accent1">
+                <a:hueOff val="0"/>
+                <a:satOff val="0"/>
+                <a:lumOff val="0"/>
+                <a:alphaOff val="0"/>
+              </a:schemeClr>
+            </a:fillRef>
+            <a:effectRef idx="0">
+              <a:schemeClr val="accent1">
+                <a:hueOff val="0"/>
+                <a:satOff val="0"/>
+                <a:lumOff val="0"/>
+                <a:alphaOff val="0"/>
+              </a:schemeClr>
+            </a:effectRef>
+            <a:fontRef idx="minor">
+              <a:schemeClr val="lt1"/>
+            </a:fontRef>
+          </p:style>
+        </p:sp>
+        <p:sp>
+          <p:nvSpPr>
+            <p:cNvPr id="6" name="Freeform: Shape 5">
+              <a:extLst>
+                <a:ext uri="{FF2B5EF4-FFF2-40B4-BE49-F238E27FC236}">
+                  <a16:creationId xmlns:a16="http://schemas.microsoft.com/office/drawing/2014/main" id="{CBB4C4D3-A3DE-4C16-B836-DB0E51EB3ABD}"/>
+                </a:ext>
+              </a:extLst>
+            </p:cNvPr>
+            <p:cNvSpPr/>
+            <p:nvPr/>
+          </p:nvSpPr>
+          <p:spPr>
+            <a:xfrm>
+              <a:off x="305685" y="5270487"/>
+              <a:ext cx="1844708" cy="413519"/>
+            </a:xfrm>
+            <a:custGeom>
+              <a:avLst/>
+              <a:gdLst>
+                <a:gd name="connsiteX0" fmla="*/ 0 w 1447437"/>
+                <a:gd name="connsiteY0" fmla="*/ 66163 h 661631"/>
+                <a:gd name="connsiteX1" fmla="*/ 66163 w 1447437"/>
+                <a:gd name="connsiteY1" fmla="*/ 0 h 661631"/>
+                <a:gd name="connsiteX2" fmla="*/ 1381274 w 1447437"/>
+                <a:gd name="connsiteY2" fmla="*/ 0 h 661631"/>
+                <a:gd name="connsiteX3" fmla="*/ 1447437 w 1447437"/>
+                <a:gd name="connsiteY3" fmla="*/ 66163 h 661631"/>
+                <a:gd name="connsiteX4" fmla="*/ 1447437 w 1447437"/>
+                <a:gd name="connsiteY4" fmla="*/ 595468 h 661631"/>
+                <a:gd name="connsiteX5" fmla="*/ 1381274 w 1447437"/>
+                <a:gd name="connsiteY5" fmla="*/ 661631 h 661631"/>
+                <a:gd name="connsiteX6" fmla="*/ 66163 w 1447437"/>
+                <a:gd name="connsiteY6" fmla="*/ 661631 h 661631"/>
+                <a:gd name="connsiteX7" fmla="*/ 0 w 1447437"/>
+                <a:gd name="connsiteY7" fmla="*/ 595468 h 661631"/>
+                <a:gd name="connsiteX8" fmla="*/ 0 w 1447437"/>
+                <a:gd name="connsiteY8" fmla="*/ 66163 h 661631"/>
+              </a:gdLst>
+              <a:ahLst/>
+              <a:cxnLst>
+                <a:cxn ang="0">
+                  <a:pos x="connsiteX0" y="connsiteY0"/>
+                </a:cxn>
+                <a:cxn ang="0">
+                  <a:pos x="connsiteX1" y="connsiteY1"/>
+                </a:cxn>
+                <a:cxn ang="0">
+                  <a:pos x="connsiteX2" y="connsiteY2"/>
+                </a:cxn>
+                <a:cxn ang="0">
+                  <a:pos x="connsiteX3" y="connsiteY3"/>
+                </a:cxn>
+                <a:cxn ang="0">
+                  <a:pos x="connsiteX4" y="connsiteY4"/>
+                </a:cxn>
+                <a:cxn ang="0">
+                  <a:pos x="connsiteX5" y="connsiteY5"/>
+                </a:cxn>
+                <a:cxn ang="0">
+                  <a:pos x="connsiteX6" y="connsiteY6"/>
+                </a:cxn>
+                <a:cxn ang="0">
+                  <a:pos x="connsiteX7" y="connsiteY7"/>
+                </a:cxn>
+                <a:cxn ang="0">
+                  <a:pos x="connsiteX8" y="connsiteY8"/>
+                </a:cxn>
+              </a:cxnLst>
+              <a:rect l="l" t="t" r="r" b="b"/>
+              <a:pathLst>
+                <a:path w="1447437" h="661631">
+                  <a:moveTo>
+                    <a:pt x="0" y="66163"/>
+                  </a:moveTo>
+                  <a:cubicBezTo>
+                    <a:pt x="0" y="29622"/>
+                    <a:pt x="29622" y="0"/>
+                    <a:pt x="66163" y="0"/>
+                  </a:cubicBezTo>
+                  <a:lnTo>
+                    <a:pt x="1381274" y="0"/>
+                  </a:lnTo>
+                  <a:cubicBezTo>
+                    <a:pt x="1417815" y="0"/>
+                    <a:pt x="1447437" y="29622"/>
+                    <a:pt x="1447437" y="66163"/>
+                  </a:cubicBezTo>
+                  <a:lnTo>
+                    <a:pt x="1447437" y="595468"/>
+                  </a:lnTo>
+                  <a:cubicBezTo>
+                    <a:pt x="1447437" y="632009"/>
+                    <a:pt x="1417815" y="661631"/>
+                    <a:pt x="1381274" y="661631"/>
+                  </a:cubicBezTo>
+                  <a:lnTo>
+                    <a:pt x="66163" y="661631"/>
+                  </a:lnTo>
+                  <a:cubicBezTo>
+                    <a:pt x="29622" y="661631"/>
+                    <a:pt x="0" y="632009"/>
+                    <a:pt x="0" y="595468"/>
+                  </a:cubicBezTo>
+                  <a:lnTo>
+                    <a:pt x="0" y="66163"/>
+                  </a:lnTo>
+                  <a:close/>
+                </a:path>
+              </a:pathLst>
+            </a:custGeom>
+            <a:ln w="9525">
+              <a:solidFill>
+                <a:srgbClr val="0070C0"/>
+              </a:solidFill>
+            </a:ln>
+          </p:spPr>
+          <p:style>
+            <a:lnRef idx="2">
+              <a:schemeClr val="accent1">
+                <a:hueOff val="0"/>
+                <a:satOff val="0"/>
+                <a:lumOff val="0"/>
+                <a:alphaOff val="0"/>
+              </a:schemeClr>
+            </a:lnRef>
+            <a:fillRef idx="1">
+              <a:schemeClr val="lt1">
+                <a:alpha val="90000"/>
+                <a:hueOff val="0"/>
+                <a:satOff val="0"/>
+                <a:lumOff val="0"/>
+                <a:alphaOff val="0"/>
+              </a:schemeClr>
+            </a:fillRef>
+            <a:effectRef idx="0">
+              <a:schemeClr val="lt1">
+                <a:alpha val="90000"/>
+                <a:hueOff val="0"/>
+                <a:satOff val="0"/>
+                <a:lumOff val="0"/>
+                <a:alphaOff val="0"/>
+              </a:schemeClr>
+            </a:effectRef>
+            <a:fontRef idx="minor">
+              <a:schemeClr val="dk1">
+                <a:hueOff val="0"/>
+                <a:satOff val="0"/>
+                <a:lumOff val="0"/>
+                <a:alphaOff val="0"/>
+              </a:schemeClr>
+            </a:fontRef>
+          </p:style>
+          <p:txBody>
+            <a:bodyPr spcFirstLastPara="0" vert="horz" wrap="square" lIns="97611" tIns="97611" rIns="97611" bIns="97611" numCol="1" spcCol="1270" anchor="ctr" anchorCtr="0">
+              <a:noAutofit/>
+            </a:bodyPr>
+            <a:lstStyle/>
+            <a:p>
+              <a:pPr marL="0" lvl="0" indent="0" algn="ctr" defTabSz="488950">
+                <a:lnSpc>
+                  <a:spcPct val="90000"/>
+                </a:lnSpc>
+                <a:spcBef>
+                  <a:spcPct val="0"/>
+                </a:spcBef>
+                <a:spcAft>
+                  <a:spcPct val="35000"/>
+                </a:spcAft>
+                <a:buNone/>
+              </a:pPr>
+              <a:r>
+                <a:rPr lang="en-US" sz="2000" b="1" kern="1200" dirty="0">
+                  <a:solidFill>
+                    <a:sysClr val="windowText" lastClr="000000"/>
+                  </a:solidFill>
+                  <a:latin typeface="Times New Roman" panose="02020603050405020304" pitchFamily="18" charset="0"/>
+                  <a:cs typeface="Times New Roman" panose="02020603050405020304" pitchFamily="18" charset="0"/>
+                </a:rPr>
+                <a:t>Data Understanding</a:t>
+              </a:r>
+            </a:p>
+          </p:txBody>
+        </p:sp>
+        <p:sp>
+          <p:nvSpPr>
+            <p:cNvPr id="7" name="Arrow: Chevron 6">
+              <a:extLst>
+                <a:ext uri="{FF2B5EF4-FFF2-40B4-BE49-F238E27FC236}">
+                  <a16:creationId xmlns:a16="http://schemas.microsoft.com/office/drawing/2014/main" id="{CBF183AD-EA4A-4F1C-8972-A64C2FD79819}"/>
+                </a:ext>
+              </a:extLst>
+            </p:cNvPr>
+            <p:cNvSpPr/>
+            <p:nvPr/>
+          </p:nvSpPr>
+          <p:spPr>
+            <a:xfrm>
+              <a:off x="2263535" y="4856968"/>
+              <a:ext cx="1714071" cy="661631"/>
+            </a:xfrm>
+            <a:prstGeom prst="chevron">
+              <a:avLst>
+                <a:gd name="adj" fmla="val 40000"/>
+              </a:avLst>
+            </a:prstGeom>
+            <a:solidFill>
+              <a:schemeClr val="accent1"/>
+            </a:solidFill>
+          </p:spPr>
+          <p:style>
+            <a:lnRef idx="2">
+              <a:schemeClr val="lt1">
+                <a:hueOff val="0"/>
+                <a:satOff val="0"/>
+                <a:lumOff val="0"/>
+                <a:alphaOff val="0"/>
+              </a:schemeClr>
+            </a:lnRef>
+            <a:fillRef idx="1">
+              <a:schemeClr val="accent1">
+                <a:hueOff val="0"/>
+                <a:satOff val="0"/>
+                <a:lumOff val="0"/>
+                <a:alphaOff val="0"/>
+              </a:schemeClr>
+            </a:fillRef>
+            <a:effectRef idx="0">
+              <a:schemeClr val="accent1">
+                <a:hueOff val="0"/>
+                <a:satOff val="0"/>
+                <a:lumOff val="0"/>
+                <a:alphaOff val="0"/>
+              </a:schemeClr>
+            </a:effectRef>
+            <a:fontRef idx="minor">
+              <a:schemeClr val="lt1"/>
+            </a:fontRef>
+          </p:style>
+        </p:sp>
+        <p:sp>
+          <p:nvSpPr>
+            <p:cNvPr id="8" name="Freeform: Shape 7">
+              <a:extLst>
+                <a:ext uri="{FF2B5EF4-FFF2-40B4-BE49-F238E27FC236}">
+                  <a16:creationId xmlns:a16="http://schemas.microsoft.com/office/drawing/2014/main" id="{30D30F06-2F6F-40BA-8D86-0F2044D21792}"/>
+                </a:ext>
+              </a:extLst>
+            </p:cNvPr>
+            <p:cNvSpPr/>
+            <p:nvPr/>
+          </p:nvSpPr>
+          <p:spPr>
+            <a:xfrm>
+              <a:off x="2340843" y="5270486"/>
+              <a:ext cx="1636762" cy="413520"/>
+            </a:xfrm>
+            <a:custGeom>
+              <a:avLst/>
+              <a:gdLst>
+                <a:gd name="connsiteX0" fmla="*/ 0 w 1447437"/>
+                <a:gd name="connsiteY0" fmla="*/ 66163 h 661631"/>
+                <a:gd name="connsiteX1" fmla="*/ 66163 w 1447437"/>
+                <a:gd name="connsiteY1" fmla="*/ 0 h 661631"/>
+                <a:gd name="connsiteX2" fmla="*/ 1381274 w 1447437"/>
+                <a:gd name="connsiteY2" fmla="*/ 0 h 661631"/>
+                <a:gd name="connsiteX3" fmla="*/ 1447437 w 1447437"/>
+                <a:gd name="connsiteY3" fmla="*/ 66163 h 661631"/>
+                <a:gd name="connsiteX4" fmla="*/ 1447437 w 1447437"/>
+                <a:gd name="connsiteY4" fmla="*/ 595468 h 661631"/>
+                <a:gd name="connsiteX5" fmla="*/ 1381274 w 1447437"/>
+                <a:gd name="connsiteY5" fmla="*/ 661631 h 661631"/>
+                <a:gd name="connsiteX6" fmla="*/ 66163 w 1447437"/>
+                <a:gd name="connsiteY6" fmla="*/ 661631 h 661631"/>
+                <a:gd name="connsiteX7" fmla="*/ 0 w 1447437"/>
+                <a:gd name="connsiteY7" fmla="*/ 595468 h 661631"/>
+                <a:gd name="connsiteX8" fmla="*/ 0 w 1447437"/>
+                <a:gd name="connsiteY8" fmla="*/ 66163 h 661631"/>
+              </a:gdLst>
+              <a:ahLst/>
+              <a:cxnLst>
+                <a:cxn ang="0">
+                  <a:pos x="connsiteX0" y="connsiteY0"/>
+                </a:cxn>
+                <a:cxn ang="0">
+                  <a:pos x="connsiteX1" y="connsiteY1"/>
+                </a:cxn>
+                <a:cxn ang="0">
+                  <a:pos x="connsiteX2" y="connsiteY2"/>
+                </a:cxn>
+                <a:cxn ang="0">
+                  <a:pos x="connsiteX3" y="connsiteY3"/>
+                </a:cxn>
+                <a:cxn ang="0">
+                  <a:pos x="connsiteX4" y="connsiteY4"/>
+                </a:cxn>
+                <a:cxn ang="0">
+                  <a:pos x="connsiteX5" y="connsiteY5"/>
+                </a:cxn>
+                <a:cxn ang="0">
+                  <a:pos x="connsiteX6" y="connsiteY6"/>
+                </a:cxn>
+                <a:cxn ang="0">
+                  <a:pos x="connsiteX7" y="connsiteY7"/>
+                </a:cxn>
+                <a:cxn ang="0">
+                  <a:pos x="connsiteX8" y="connsiteY8"/>
+                </a:cxn>
+              </a:cxnLst>
+              <a:rect l="l" t="t" r="r" b="b"/>
+              <a:pathLst>
+                <a:path w="1447437" h="661631">
+                  <a:moveTo>
+                    <a:pt x="0" y="66163"/>
+                  </a:moveTo>
+                  <a:cubicBezTo>
+                    <a:pt x="0" y="29622"/>
+                    <a:pt x="29622" y="0"/>
+                    <a:pt x="66163" y="0"/>
+                  </a:cubicBezTo>
+                  <a:lnTo>
+                    <a:pt x="1381274" y="0"/>
+                  </a:lnTo>
+                  <a:cubicBezTo>
+                    <a:pt x="1417815" y="0"/>
+                    <a:pt x="1447437" y="29622"/>
+                    <a:pt x="1447437" y="66163"/>
+                  </a:cubicBezTo>
+                  <a:lnTo>
+                    <a:pt x="1447437" y="595468"/>
+                  </a:lnTo>
+                  <a:cubicBezTo>
+                    <a:pt x="1447437" y="632009"/>
+                    <a:pt x="1417815" y="661631"/>
+                    <a:pt x="1381274" y="661631"/>
+                  </a:cubicBezTo>
+                  <a:lnTo>
+                    <a:pt x="66163" y="661631"/>
+                  </a:lnTo>
+                  <a:cubicBezTo>
+                    <a:pt x="29622" y="661631"/>
+                    <a:pt x="0" y="632009"/>
+                    <a:pt x="0" y="595468"/>
+                  </a:cubicBezTo>
+                  <a:lnTo>
+                    <a:pt x="0" y="66163"/>
+                  </a:lnTo>
+                  <a:close/>
+                </a:path>
+              </a:pathLst>
+            </a:custGeom>
+            <a:ln w="9525">
+              <a:solidFill>
+                <a:schemeClr val="accent1"/>
+              </a:solidFill>
+            </a:ln>
+          </p:spPr>
+          <p:style>
+            <a:lnRef idx="2">
+              <a:schemeClr val="accent1">
+                <a:hueOff val="0"/>
+                <a:satOff val="0"/>
+                <a:lumOff val="0"/>
+                <a:alphaOff val="0"/>
+              </a:schemeClr>
+            </a:lnRef>
+            <a:fillRef idx="1">
+              <a:schemeClr val="lt1">
+                <a:alpha val="90000"/>
+                <a:hueOff val="0"/>
+                <a:satOff val="0"/>
+                <a:lumOff val="0"/>
+                <a:alphaOff val="0"/>
+              </a:schemeClr>
+            </a:fillRef>
+            <a:effectRef idx="0">
+              <a:schemeClr val="lt1">
+                <a:alpha val="90000"/>
+                <a:hueOff val="0"/>
+                <a:satOff val="0"/>
+                <a:lumOff val="0"/>
+                <a:alphaOff val="0"/>
+              </a:schemeClr>
+            </a:effectRef>
+            <a:fontRef idx="minor">
+              <a:schemeClr val="dk1">
+                <a:hueOff val="0"/>
+                <a:satOff val="0"/>
+                <a:lumOff val="0"/>
+                <a:alphaOff val="0"/>
+              </a:schemeClr>
+            </a:fontRef>
+          </p:style>
+          <p:txBody>
+            <a:bodyPr spcFirstLastPara="0" vert="horz" wrap="square" lIns="97611" tIns="97611" rIns="97611" bIns="97611" numCol="1" spcCol="1270" anchor="ctr" anchorCtr="0">
+              <a:noAutofit/>
+            </a:bodyPr>
+            <a:lstStyle/>
+            <a:p>
+              <a:pPr marL="0" lvl="0" indent="0" algn="ctr" defTabSz="488950">
+                <a:lnSpc>
+                  <a:spcPct val="90000"/>
+                </a:lnSpc>
+                <a:spcBef>
+                  <a:spcPct val="0"/>
+                </a:spcBef>
+                <a:spcAft>
+                  <a:spcPct val="35000"/>
+                </a:spcAft>
+                <a:buNone/>
+              </a:pPr>
+              <a:r>
+                <a:rPr lang="en-US" sz="2000" b="1" kern="1200" dirty="0">
+                  <a:solidFill>
+                    <a:schemeClr val="tx1"/>
+                  </a:solidFill>
+                  <a:latin typeface="Times New Roman" panose="02020603050405020304" pitchFamily="18" charset="0"/>
+                  <a:cs typeface="Times New Roman" panose="02020603050405020304" pitchFamily="18" charset="0"/>
+                </a:rPr>
+                <a:t>Data Cleaning</a:t>
+              </a:r>
+            </a:p>
+          </p:txBody>
+        </p:sp>
+        <p:sp>
+          <p:nvSpPr>
+            <p:cNvPr id="9" name="Arrow: Chevron 8">
+              <a:extLst>
+                <a:ext uri="{FF2B5EF4-FFF2-40B4-BE49-F238E27FC236}">
+                  <a16:creationId xmlns:a16="http://schemas.microsoft.com/office/drawing/2014/main" id="{993BDDAD-755D-4560-B578-D885B87BDF88}"/>
+                </a:ext>
+              </a:extLst>
+            </p:cNvPr>
+            <p:cNvSpPr/>
+            <p:nvPr/>
+          </p:nvSpPr>
+          <p:spPr>
+            <a:xfrm>
+              <a:off x="4221385" y="4856968"/>
+              <a:ext cx="1714071" cy="661631"/>
+            </a:xfrm>
+            <a:prstGeom prst="chevron">
+              <a:avLst>
+                <a:gd name="adj" fmla="val 40000"/>
+              </a:avLst>
+            </a:prstGeom>
+            <a:solidFill>
+              <a:schemeClr val="accent1"/>
+            </a:solidFill>
+          </p:spPr>
+          <p:style>
+            <a:lnRef idx="2">
+              <a:schemeClr val="lt1">
+                <a:hueOff val="0"/>
+                <a:satOff val="0"/>
+                <a:lumOff val="0"/>
+                <a:alphaOff val="0"/>
+              </a:schemeClr>
+            </a:lnRef>
+            <a:fillRef idx="1">
+              <a:schemeClr val="accent1">
+                <a:hueOff val="0"/>
+                <a:satOff val="0"/>
+                <a:lumOff val="0"/>
+                <a:alphaOff val="0"/>
+              </a:schemeClr>
+            </a:fillRef>
+            <a:effectRef idx="0">
+              <a:schemeClr val="accent1">
+                <a:hueOff val="0"/>
+                <a:satOff val="0"/>
+                <a:lumOff val="0"/>
+                <a:alphaOff val="0"/>
+              </a:schemeClr>
+            </a:effectRef>
+            <a:fontRef idx="minor">
+              <a:schemeClr val="lt1"/>
+            </a:fontRef>
+          </p:style>
+        </p:sp>
+        <p:sp>
+          <p:nvSpPr>
+            <p:cNvPr id="10" name="Freeform: Shape 9">
+              <a:extLst>
+                <a:ext uri="{FF2B5EF4-FFF2-40B4-BE49-F238E27FC236}">
+                  <a16:creationId xmlns:a16="http://schemas.microsoft.com/office/drawing/2014/main" id="{F706CD94-344C-451B-A33A-CCA2E8C3CFD7}"/>
+                </a:ext>
+              </a:extLst>
+            </p:cNvPr>
+            <p:cNvSpPr/>
+            <p:nvPr/>
+          </p:nvSpPr>
+          <p:spPr>
+            <a:xfrm>
+              <a:off x="4221385" y="5270485"/>
+              <a:ext cx="1904524" cy="413521"/>
+            </a:xfrm>
+            <a:custGeom>
+              <a:avLst/>
+              <a:gdLst>
+                <a:gd name="connsiteX0" fmla="*/ 0 w 1447437"/>
+                <a:gd name="connsiteY0" fmla="*/ 66163 h 661631"/>
+                <a:gd name="connsiteX1" fmla="*/ 66163 w 1447437"/>
+                <a:gd name="connsiteY1" fmla="*/ 0 h 661631"/>
+                <a:gd name="connsiteX2" fmla="*/ 1381274 w 1447437"/>
+                <a:gd name="connsiteY2" fmla="*/ 0 h 661631"/>
+                <a:gd name="connsiteX3" fmla="*/ 1447437 w 1447437"/>
+                <a:gd name="connsiteY3" fmla="*/ 66163 h 661631"/>
+                <a:gd name="connsiteX4" fmla="*/ 1447437 w 1447437"/>
+                <a:gd name="connsiteY4" fmla="*/ 595468 h 661631"/>
+                <a:gd name="connsiteX5" fmla="*/ 1381274 w 1447437"/>
+                <a:gd name="connsiteY5" fmla="*/ 661631 h 661631"/>
+                <a:gd name="connsiteX6" fmla="*/ 66163 w 1447437"/>
+                <a:gd name="connsiteY6" fmla="*/ 661631 h 661631"/>
+                <a:gd name="connsiteX7" fmla="*/ 0 w 1447437"/>
+                <a:gd name="connsiteY7" fmla="*/ 595468 h 661631"/>
+                <a:gd name="connsiteX8" fmla="*/ 0 w 1447437"/>
+                <a:gd name="connsiteY8" fmla="*/ 66163 h 661631"/>
+              </a:gdLst>
+              <a:ahLst/>
+              <a:cxnLst>
+                <a:cxn ang="0">
+                  <a:pos x="connsiteX0" y="connsiteY0"/>
+                </a:cxn>
+                <a:cxn ang="0">
+                  <a:pos x="connsiteX1" y="connsiteY1"/>
+                </a:cxn>
+                <a:cxn ang="0">
+                  <a:pos x="connsiteX2" y="connsiteY2"/>
+                </a:cxn>
+                <a:cxn ang="0">
+                  <a:pos x="connsiteX3" y="connsiteY3"/>
+                </a:cxn>
+                <a:cxn ang="0">
+                  <a:pos x="connsiteX4" y="connsiteY4"/>
+                </a:cxn>
+                <a:cxn ang="0">
+                  <a:pos x="connsiteX5" y="connsiteY5"/>
+                </a:cxn>
+                <a:cxn ang="0">
+                  <a:pos x="connsiteX6" y="connsiteY6"/>
+                </a:cxn>
+                <a:cxn ang="0">
+                  <a:pos x="connsiteX7" y="connsiteY7"/>
+                </a:cxn>
+                <a:cxn ang="0">
+                  <a:pos x="connsiteX8" y="connsiteY8"/>
+                </a:cxn>
+              </a:cxnLst>
+              <a:rect l="l" t="t" r="r" b="b"/>
+              <a:pathLst>
+                <a:path w="1447437" h="661631">
+                  <a:moveTo>
+                    <a:pt x="0" y="66163"/>
+                  </a:moveTo>
+                  <a:cubicBezTo>
+                    <a:pt x="0" y="29622"/>
+                    <a:pt x="29622" y="0"/>
+                    <a:pt x="66163" y="0"/>
+                  </a:cubicBezTo>
+                  <a:lnTo>
+                    <a:pt x="1381274" y="0"/>
+                  </a:lnTo>
+                  <a:cubicBezTo>
+                    <a:pt x="1417815" y="0"/>
+                    <a:pt x="1447437" y="29622"/>
+                    <a:pt x="1447437" y="66163"/>
+                  </a:cubicBezTo>
+                  <a:lnTo>
+                    <a:pt x="1447437" y="595468"/>
+                  </a:lnTo>
+                  <a:cubicBezTo>
+                    <a:pt x="1447437" y="632009"/>
+                    <a:pt x="1417815" y="661631"/>
+                    <a:pt x="1381274" y="661631"/>
+                  </a:cubicBezTo>
+                  <a:lnTo>
+                    <a:pt x="66163" y="661631"/>
+                  </a:lnTo>
+                  <a:cubicBezTo>
+                    <a:pt x="29622" y="661631"/>
+                    <a:pt x="0" y="632009"/>
+                    <a:pt x="0" y="595468"/>
+                  </a:cubicBezTo>
+                  <a:lnTo>
+                    <a:pt x="0" y="66163"/>
+                  </a:lnTo>
+                  <a:close/>
+                </a:path>
+              </a:pathLst>
+            </a:custGeom>
+            <a:ln w="9525">
+              <a:solidFill>
+                <a:schemeClr val="accent1"/>
+              </a:solidFill>
+            </a:ln>
+          </p:spPr>
+          <p:style>
+            <a:lnRef idx="2">
+              <a:schemeClr val="accent1">
+                <a:hueOff val="0"/>
+                <a:satOff val="0"/>
+                <a:lumOff val="0"/>
+                <a:alphaOff val="0"/>
+              </a:schemeClr>
+            </a:lnRef>
+            <a:fillRef idx="1">
+              <a:schemeClr val="lt1">
+                <a:alpha val="90000"/>
+                <a:hueOff val="0"/>
+                <a:satOff val="0"/>
+                <a:lumOff val="0"/>
+                <a:alphaOff val="0"/>
+              </a:schemeClr>
+            </a:fillRef>
+            <a:effectRef idx="0">
+              <a:schemeClr val="lt1">
+                <a:alpha val="90000"/>
+                <a:hueOff val="0"/>
+                <a:satOff val="0"/>
+                <a:lumOff val="0"/>
+                <a:alphaOff val="0"/>
+              </a:schemeClr>
+            </a:effectRef>
+            <a:fontRef idx="minor">
+              <a:schemeClr val="dk1">
+                <a:hueOff val="0"/>
+                <a:satOff val="0"/>
+                <a:lumOff val="0"/>
+                <a:alphaOff val="0"/>
+              </a:schemeClr>
+            </a:fontRef>
+          </p:style>
+          <p:txBody>
+            <a:bodyPr spcFirstLastPara="0" vert="horz" wrap="square" lIns="97611" tIns="97611" rIns="97611" bIns="97611" numCol="1" spcCol="1270" anchor="ctr" anchorCtr="0">
+              <a:noAutofit/>
+            </a:bodyPr>
+            <a:lstStyle/>
+            <a:p>
+              <a:pPr marL="0" lvl="0" indent="0" algn="ctr" defTabSz="488950">
+                <a:lnSpc>
+                  <a:spcPct val="90000"/>
+                </a:lnSpc>
+                <a:spcBef>
+                  <a:spcPct val="0"/>
+                </a:spcBef>
+                <a:spcAft>
+                  <a:spcPct val="35000"/>
+                </a:spcAft>
+                <a:buNone/>
+              </a:pPr>
+              <a:r>
+                <a:rPr lang="en-US" sz="2000" b="1" kern="1200" dirty="0">
+                  <a:solidFill>
+                    <a:schemeClr val="tx1"/>
+                  </a:solidFill>
+                  <a:latin typeface="Times New Roman" panose="02020603050405020304" pitchFamily="18" charset="0"/>
+                  <a:cs typeface="Times New Roman" panose="02020603050405020304" pitchFamily="18" charset="0"/>
+                </a:rPr>
+                <a:t>Selecting Key Features for EDA</a:t>
+              </a:r>
+            </a:p>
+          </p:txBody>
+        </p:sp>
+        <p:sp>
+          <p:nvSpPr>
+            <p:cNvPr id="11" name="Arrow: Chevron 10">
+              <a:extLst>
+                <a:ext uri="{FF2B5EF4-FFF2-40B4-BE49-F238E27FC236}">
+                  <a16:creationId xmlns:a16="http://schemas.microsoft.com/office/drawing/2014/main" id="{FEF3E510-0886-48BF-9AA2-74080AAC7C14}"/>
+                </a:ext>
+              </a:extLst>
+            </p:cNvPr>
+            <p:cNvSpPr/>
+            <p:nvPr/>
+          </p:nvSpPr>
+          <p:spPr>
+            <a:xfrm>
+              <a:off x="6179235" y="4856968"/>
+              <a:ext cx="1714071" cy="661631"/>
+            </a:xfrm>
+            <a:prstGeom prst="chevron">
+              <a:avLst>
+                <a:gd name="adj" fmla="val 40000"/>
+              </a:avLst>
+            </a:prstGeom>
+            <a:solidFill>
+              <a:schemeClr val="accent6"/>
+            </a:solidFill>
+          </p:spPr>
+          <p:style>
+            <a:lnRef idx="2">
+              <a:schemeClr val="lt1">
+                <a:hueOff val="0"/>
+                <a:satOff val="0"/>
+                <a:lumOff val="0"/>
+                <a:alphaOff val="0"/>
+              </a:schemeClr>
+            </a:lnRef>
+            <a:fillRef idx="1">
+              <a:schemeClr val="accent1">
+                <a:hueOff val="0"/>
+                <a:satOff val="0"/>
+                <a:lumOff val="0"/>
+                <a:alphaOff val="0"/>
+              </a:schemeClr>
+            </a:fillRef>
+            <a:effectRef idx="0">
+              <a:schemeClr val="accent1">
+                <a:hueOff val="0"/>
+                <a:satOff val="0"/>
+                <a:lumOff val="0"/>
+                <a:alphaOff val="0"/>
+              </a:schemeClr>
+            </a:effectRef>
+            <a:fontRef idx="minor">
+              <a:schemeClr val="lt1"/>
+            </a:fontRef>
+          </p:style>
+        </p:sp>
+        <p:sp>
+          <p:nvSpPr>
+            <p:cNvPr id="12" name="Freeform: Shape 11">
+              <a:extLst>
+                <a:ext uri="{FF2B5EF4-FFF2-40B4-BE49-F238E27FC236}">
+                  <a16:creationId xmlns:a16="http://schemas.microsoft.com/office/drawing/2014/main" id="{001488F5-F5EA-4B45-A2D8-FD000411549E}"/>
+                </a:ext>
+              </a:extLst>
+            </p:cNvPr>
+            <p:cNvSpPr/>
+            <p:nvPr/>
+          </p:nvSpPr>
+          <p:spPr>
+            <a:xfrm>
+              <a:off x="6239051" y="5219593"/>
+              <a:ext cx="1898034" cy="464414"/>
+            </a:xfrm>
+            <a:custGeom>
+              <a:avLst/>
+              <a:gdLst>
+                <a:gd name="connsiteX0" fmla="*/ 0 w 1447437"/>
+                <a:gd name="connsiteY0" fmla="*/ 66163 h 661631"/>
+                <a:gd name="connsiteX1" fmla="*/ 66163 w 1447437"/>
+                <a:gd name="connsiteY1" fmla="*/ 0 h 661631"/>
+                <a:gd name="connsiteX2" fmla="*/ 1381274 w 1447437"/>
+                <a:gd name="connsiteY2" fmla="*/ 0 h 661631"/>
+                <a:gd name="connsiteX3" fmla="*/ 1447437 w 1447437"/>
+                <a:gd name="connsiteY3" fmla="*/ 66163 h 661631"/>
+                <a:gd name="connsiteX4" fmla="*/ 1447437 w 1447437"/>
+                <a:gd name="connsiteY4" fmla="*/ 595468 h 661631"/>
+                <a:gd name="connsiteX5" fmla="*/ 1381274 w 1447437"/>
+                <a:gd name="connsiteY5" fmla="*/ 661631 h 661631"/>
+                <a:gd name="connsiteX6" fmla="*/ 66163 w 1447437"/>
+                <a:gd name="connsiteY6" fmla="*/ 661631 h 661631"/>
+                <a:gd name="connsiteX7" fmla="*/ 0 w 1447437"/>
+                <a:gd name="connsiteY7" fmla="*/ 595468 h 661631"/>
+                <a:gd name="connsiteX8" fmla="*/ 0 w 1447437"/>
+                <a:gd name="connsiteY8" fmla="*/ 66163 h 661631"/>
+              </a:gdLst>
+              <a:ahLst/>
+              <a:cxnLst>
+                <a:cxn ang="0">
+                  <a:pos x="connsiteX0" y="connsiteY0"/>
+                </a:cxn>
+                <a:cxn ang="0">
+                  <a:pos x="connsiteX1" y="connsiteY1"/>
+                </a:cxn>
+                <a:cxn ang="0">
+                  <a:pos x="connsiteX2" y="connsiteY2"/>
+                </a:cxn>
+                <a:cxn ang="0">
+                  <a:pos x="connsiteX3" y="connsiteY3"/>
+                </a:cxn>
+                <a:cxn ang="0">
+                  <a:pos x="connsiteX4" y="connsiteY4"/>
+                </a:cxn>
+                <a:cxn ang="0">
+                  <a:pos x="connsiteX5" y="connsiteY5"/>
+                </a:cxn>
+                <a:cxn ang="0">
+                  <a:pos x="connsiteX6" y="connsiteY6"/>
+                </a:cxn>
+                <a:cxn ang="0">
+                  <a:pos x="connsiteX7" y="connsiteY7"/>
+                </a:cxn>
+                <a:cxn ang="0">
+                  <a:pos x="connsiteX8" y="connsiteY8"/>
+                </a:cxn>
+              </a:cxnLst>
+              <a:rect l="l" t="t" r="r" b="b"/>
+              <a:pathLst>
+                <a:path w="1447437" h="661631">
+                  <a:moveTo>
+                    <a:pt x="0" y="66163"/>
+                  </a:moveTo>
+                  <a:cubicBezTo>
+                    <a:pt x="0" y="29622"/>
+                    <a:pt x="29622" y="0"/>
+                    <a:pt x="66163" y="0"/>
+                  </a:cubicBezTo>
+                  <a:lnTo>
+                    <a:pt x="1381274" y="0"/>
+                  </a:lnTo>
+                  <a:cubicBezTo>
+                    <a:pt x="1417815" y="0"/>
+                    <a:pt x="1447437" y="29622"/>
+                    <a:pt x="1447437" y="66163"/>
+                  </a:cubicBezTo>
+                  <a:lnTo>
+                    <a:pt x="1447437" y="595468"/>
+                  </a:lnTo>
+                  <a:cubicBezTo>
+                    <a:pt x="1447437" y="632009"/>
+                    <a:pt x="1417815" y="661631"/>
+                    <a:pt x="1381274" y="661631"/>
+                  </a:cubicBezTo>
+                  <a:lnTo>
+                    <a:pt x="66163" y="661631"/>
+                  </a:lnTo>
+                  <a:cubicBezTo>
+                    <a:pt x="29622" y="661631"/>
+                    <a:pt x="0" y="632009"/>
+                    <a:pt x="0" y="595468"/>
+                  </a:cubicBezTo>
+                  <a:lnTo>
+                    <a:pt x="0" y="66163"/>
+                  </a:lnTo>
+                  <a:close/>
+                </a:path>
+              </a:pathLst>
+            </a:custGeom>
+            <a:ln w="38100">
+              <a:solidFill>
+                <a:schemeClr val="accent6"/>
+              </a:solidFill>
+            </a:ln>
+          </p:spPr>
+          <p:style>
+            <a:lnRef idx="2">
+              <a:schemeClr val="accent1">
+                <a:hueOff val="0"/>
+                <a:satOff val="0"/>
+                <a:lumOff val="0"/>
+                <a:alphaOff val="0"/>
+              </a:schemeClr>
+            </a:lnRef>
+            <a:fillRef idx="1">
+              <a:schemeClr val="lt1">
+                <a:alpha val="90000"/>
+                <a:hueOff val="0"/>
+                <a:satOff val="0"/>
+                <a:lumOff val="0"/>
+                <a:alphaOff val="0"/>
+              </a:schemeClr>
+            </a:fillRef>
+            <a:effectRef idx="0">
+              <a:schemeClr val="lt1">
+                <a:alpha val="90000"/>
+                <a:hueOff val="0"/>
+                <a:satOff val="0"/>
+                <a:lumOff val="0"/>
+                <a:alphaOff val="0"/>
+              </a:schemeClr>
+            </a:effectRef>
+            <a:fontRef idx="minor">
+              <a:schemeClr val="dk1">
+                <a:hueOff val="0"/>
+                <a:satOff val="0"/>
+                <a:lumOff val="0"/>
+                <a:alphaOff val="0"/>
+              </a:schemeClr>
+            </a:fontRef>
+          </p:style>
+          <p:txBody>
+            <a:bodyPr spcFirstLastPara="0" vert="horz" wrap="square" lIns="97611" tIns="97611" rIns="97611" bIns="97611" numCol="1" spcCol="1270" anchor="ctr" anchorCtr="0">
+              <a:noAutofit/>
+            </a:bodyPr>
+            <a:lstStyle/>
+            <a:p>
+              <a:pPr marL="0" lvl="0" indent="0" algn="ctr" defTabSz="488950">
+                <a:lnSpc>
+                  <a:spcPct val="90000"/>
+                </a:lnSpc>
+                <a:spcBef>
+                  <a:spcPct val="0"/>
+                </a:spcBef>
+                <a:spcAft>
+                  <a:spcPct val="35000"/>
+                </a:spcAft>
+                <a:buNone/>
+              </a:pPr>
+              <a:r>
+                <a:rPr lang="en-US" b="1" kern="1200" dirty="0">
+                  <a:solidFill>
+                    <a:schemeClr val="accent6"/>
+                  </a:solidFill>
+                  <a:latin typeface="Times New Roman" panose="02020603050405020304" pitchFamily="18" charset="0"/>
+                  <a:cs typeface="Times New Roman" panose="02020603050405020304" pitchFamily="18" charset="0"/>
+                </a:rPr>
+                <a:t>Univariate &amp; Segmented Univariate Analysis</a:t>
+              </a:r>
+            </a:p>
+          </p:txBody>
+        </p:sp>
+        <p:sp>
+          <p:nvSpPr>
+            <p:cNvPr id="13" name="Arrow: Chevron 12">
+              <a:extLst>
+                <a:ext uri="{FF2B5EF4-FFF2-40B4-BE49-F238E27FC236}">
+                  <a16:creationId xmlns:a16="http://schemas.microsoft.com/office/drawing/2014/main" id="{4572CF6E-EE96-45F0-B6F7-69A39C8ABB04}"/>
+                </a:ext>
+              </a:extLst>
+            </p:cNvPr>
+            <p:cNvSpPr/>
+            <p:nvPr/>
+          </p:nvSpPr>
+          <p:spPr>
+            <a:xfrm>
+              <a:off x="8137086" y="4856968"/>
+              <a:ext cx="1714071" cy="661631"/>
+            </a:xfrm>
+            <a:prstGeom prst="chevron">
+              <a:avLst>
+                <a:gd name="adj" fmla="val 40000"/>
+              </a:avLst>
+            </a:prstGeom>
+          </p:spPr>
+          <p:style>
+            <a:lnRef idx="2">
+              <a:schemeClr val="lt1">
+                <a:hueOff val="0"/>
+                <a:satOff val="0"/>
+                <a:lumOff val="0"/>
+                <a:alphaOff val="0"/>
+              </a:schemeClr>
+            </a:lnRef>
+            <a:fillRef idx="1">
+              <a:schemeClr val="accent1">
+                <a:hueOff val="0"/>
+                <a:satOff val="0"/>
+                <a:lumOff val="0"/>
+                <a:alphaOff val="0"/>
+              </a:schemeClr>
+            </a:fillRef>
+            <a:effectRef idx="0">
+              <a:schemeClr val="accent1">
+                <a:hueOff val="0"/>
+                <a:satOff val="0"/>
+                <a:lumOff val="0"/>
+                <a:alphaOff val="0"/>
+              </a:schemeClr>
+            </a:effectRef>
+            <a:fontRef idx="minor">
+              <a:schemeClr val="lt1"/>
+            </a:fontRef>
+          </p:style>
+        </p:sp>
+        <p:sp>
+          <p:nvSpPr>
+            <p:cNvPr id="14" name="Freeform: Shape 13">
+              <a:extLst>
+                <a:ext uri="{FF2B5EF4-FFF2-40B4-BE49-F238E27FC236}">
+                  <a16:creationId xmlns:a16="http://schemas.microsoft.com/office/drawing/2014/main" id="{A9ED36FE-E340-40C8-9434-222690142308}"/>
+                </a:ext>
+              </a:extLst>
+            </p:cNvPr>
+            <p:cNvSpPr/>
+            <p:nvPr/>
+          </p:nvSpPr>
+          <p:spPr>
+            <a:xfrm>
+              <a:off x="8387355" y="5270485"/>
+              <a:ext cx="1636759" cy="413522"/>
+            </a:xfrm>
+            <a:custGeom>
+              <a:avLst/>
+              <a:gdLst>
+                <a:gd name="connsiteX0" fmla="*/ 0 w 1447437"/>
+                <a:gd name="connsiteY0" fmla="*/ 66163 h 661631"/>
+                <a:gd name="connsiteX1" fmla="*/ 66163 w 1447437"/>
+                <a:gd name="connsiteY1" fmla="*/ 0 h 661631"/>
+                <a:gd name="connsiteX2" fmla="*/ 1381274 w 1447437"/>
+                <a:gd name="connsiteY2" fmla="*/ 0 h 661631"/>
+                <a:gd name="connsiteX3" fmla="*/ 1447437 w 1447437"/>
+                <a:gd name="connsiteY3" fmla="*/ 66163 h 661631"/>
+                <a:gd name="connsiteX4" fmla="*/ 1447437 w 1447437"/>
+                <a:gd name="connsiteY4" fmla="*/ 595468 h 661631"/>
+                <a:gd name="connsiteX5" fmla="*/ 1381274 w 1447437"/>
+                <a:gd name="connsiteY5" fmla="*/ 661631 h 661631"/>
+                <a:gd name="connsiteX6" fmla="*/ 66163 w 1447437"/>
+                <a:gd name="connsiteY6" fmla="*/ 661631 h 661631"/>
+                <a:gd name="connsiteX7" fmla="*/ 0 w 1447437"/>
+                <a:gd name="connsiteY7" fmla="*/ 595468 h 661631"/>
+                <a:gd name="connsiteX8" fmla="*/ 0 w 1447437"/>
+                <a:gd name="connsiteY8" fmla="*/ 66163 h 661631"/>
+              </a:gdLst>
+              <a:ahLst/>
+              <a:cxnLst>
+                <a:cxn ang="0">
+                  <a:pos x="connsiteX0" y="connsiteY0"/>
+                </a:cxn>
+                <a:cxn ang="0">
+                  <a:pos x="connsiteX1" y="connsiteY1"/>
+                </a:cxn>
+                <a:cxn ang="0">
+                  <a:pos x="connsiteX2" y="connsiteY2"/>
+                </a:cxn>
+                <a:cxn ang="0">
+                  <a:pos x="connsiteX3" y="connsiteY3"/>
+                </a:cxn>
+                <a:cxn ang="0">
+                  <a:pos x="connsiteX4" y="connsiteY4"/>
+                </a:cxn>
+                <a:cxn ang="0">
+                  <a:pos x="connsiteX5" y="connsiteY5"/>
+                </a:cxn>
+                <a:cxn ang="0">
+                  <a:pos x="connsiteX6" y="connsiteY6"/>
+                </a:cxn>
+                <a:cxn ang="0">
+                  <a:pos x="connsiteX7" y="connsiteY7"/>
+                </a:cxn>
+                <a:cxn ang="0">
+                  <a:pos x="connsiteX8" y="connsiteY8"/>
+                </a:cxn>
+              </a:cxnLst>
+              <a:rect l="l" t="t" r="r" b="b"/>
+              <a:pathLst>
+                <a:path w="1447437" h="661631">
+                  <a:moveTo>
+                    <a:pt x="0" y="66163"/>
+                  </a:moveTo>
+                  <a:cubicBezTo>
+                    <a:pt x="0" y="29622"/>
+                    <a:pt x="29622" y="0"/>
+                    <a:pt x="66163" y="0"/>
+                  </a:cubicBezTo>
+                  <a:lnTo>
+                    <a:pt x="1381274" y="0"/>
+                  </a:lnTo>
+                  <a:cubicBezTo>
+                    <a:pt x="1417815" y="0"/>
+                    <a:pt x="1447437" y="29622"/>
+                    <a:pt x="1447437" y="66163"/>
+                  </a:cubicBezTo>
+                  <a:lnTo>
+                    <a:pt x="1447437" y="595468"/>
+                  </a:lnTo>
+                  <a:cubicBezTo>
+                    <a:pt x="1447437" y="632009"/>
+                    <a:pt x="1417815" y="661631"/>
+                    <a:pt x="1381274" y="661631"/>
+                  </a:cubicBezTo>
+                  <a:lnTo>
+                    <a:pt x="66163" y="661631"/>
+                  </a:lnTo>
+                  <a:cubicBezTo>
+                    <a:pt x="29622" y="661631"/>
+                    <a:pt x="0" y="632009"/>
+                    <a:pt x="0" y="595468"/>
+                  </a:cubicBezTo>
+                  <a:lnTo>
+                    <a:pt x="0" y="66163"/>
+                  </a:lnTo>
+                  <a:close/>
+                </a:path>
+              </a:pathLst>
+            </a:custGeom>
+          </p:spPr>
+          <p:style>
+            <a:lnRef idx="2">
+              <a:schemeClr val="accent1">
+                <a:hueOff val="0"/>
+                <a:satOff val="0"/>
+                <a:lumOff val="0"/>
+                <a:alphaOff val="0"/>
+              </a:schemeClr>
+            </a:lnRef>
+            <a:fillRef idx="1">
+              <a:schemeClr val="lt1">
+                <a:alpha val="90000"/>
+                <a:hueOff val="0"/>
+                <a:satOff val="0"/>
+                <a:lumOff val="0"/>
+                <a:alphaOff val="0"/>
+              </a:schemeClr>
+            </a:fillRef>
+            <a:effectRef idx="0">
+              <a:schemeClr val="lt1">
+                <a:alpha val="90000"/>
+                <a:hueOff val="0"/>
+                <a:satOff val="0"/>
+                <a:lumOff val="0"/>
+                <a:alphaOff val="0"/>
+              </a:schemeClr>
+            </a:effectRef>
+            <a:fontRef idx="minor">
+              <a:schemeClr val="dk1">
+                <a:hueOff val="0"/>
+                <a:satOff val="0"/>
+                <a:lumOff val="0"/>
+                <a:alphaOff val="0"/>
+              </a:schemeClr>
+            </a:fontRef>
+          </p:style>
+          <p:txBody>
+            <a:bodyPr spcFirstLastPara="0" vert="horz" wrap="square" lIns="97611" tIns="97611" rIns="97611" bIns="97611" numCol="1" spcCol="1270" anchor="ctr" anchorCtr="0">
+              <a:noAutofit/>
+            </a:bodyPr>
+            <a:lstStyle/>
+            <a:p>
+              <a:pPr marL="0" lvl="0" indent="0" algn="ctr" defTabSz="488950">
+                <a:lnSpc>
+                  <a:spcPct val="90000"/>
+                </a:lnSpc>
+                <a:spcBef>
+                  <a:spcPct val="0"/>
+                </a:spcBef>
+                <a:spcAft>
+                  <a:spcPct val="35000"/>
+                </a:spcAft>
+                <a:buNone/>
+              </a:pPr>
+              <a:r>
+                <a:rPr lang="en-US" sz="2000" b="1" kern="1200" dirty="0">
+                  <a:latin typeface="Times New Roman" panose="02020603050405020304" pitchFamily="18" charset="0"/>
+                  <a:cs typeface="Times New Roman" panose="02020603050405020304" pitchFamily="18" charset="0"/>
+                </a:rPr>
+                <a:t>Bivariate Analysis</a:t>
+              </a:r>
+            </a:p>
+          </p:txBody>
+        </p:sp>
+        <p:sp>
+          <p:nvSpPr>
+            <p:cNvPr id="15" name="Arrow: Chevron 14">
+              <a:extLst>
+                <a:ext uri="{FF2B5EF4-FFF2-40B4-BE49-F238E27FC236}">
+                  <a16:creationId xmlns:a16="http://schemas.microsoft.com/office/drawing/2014/main" id="{8EDC12C4-B035-44DB-A519-E10B3B15E0A5}"/>
+                </a:ext>
+              </a:extLst>
+            </p:cNvPr>
+            <p:cNvSpPr/>
+            <p:nvPr/>
+          </p:nvSpPr>
+          <p:spPr>
+            <a:xfrm>
+              <a:off x="10094936" y="4856968"/>
+              <a:ext cx="1714071" cy="661631"/>
+            </a:xfrm>
+            <a:prstGeom prst="chevron">
+              <a:avLst>
+                <a:gd name="adj" fmla="val 40000"/>
+              </a:avLst>
+            </a:prstGeom>
+          </p:spPr>
+          <p:style>
+            <a:lnRef idx="2">
+              <a:schemeClr val="lt1">
+                <a:hueOff val="0"/>
+                <a:satOff val="0"/>
+                <a:lumOff val="0"/>
+                <a:alphaOff val="0"/>
+              </a:schemeClr>
+            </a:lnRef>
+            <a:fillRef idx="1">
+              <a:schemeClr val="accent1">
+                <a:hueOff val="0"/>
+                <a:satOff val="0"/>
+                <a:lumOff val="0"/>
+                <a:alphaOff val="0"/>
+              </a:schemeClr>
+            </a:fillRef>
+            <a:effectRef idx="0">
+              <a:schemeClr val="accent1">
+                <a:hueOff val="0"/>
+                <a:satOff val="0"/>
+                <a:lumOff val="0"/>
+                <a:alphaOff val="0"/>
+              </a:schemeClr>
+            </a:effectRef>
+            <a:fontRef idx="minor">
+              <a:schemeClr val="lt1"/>
+            </a:fontRef>
+          </p:style>
+        </p:sp>
+        <p:sp>
+          <p:nvSpPr>
+            <p:cNvPr id="16" name="Freeform: Shape 15">
+              <a:extLst>
+                <a:ext uri="{FF2B5EF4-FFF2-40B4-BE49-F238E27FC236}">
+                  <a16:creationId xmlns:a16="http://schemas.microsoft.com/office/drawing/2014/main" id="{6B664D1D-16F8-486C-84CB-2237B79A2803}"/>
+                </a:ext>
+              </a:extLst>
+            </p:cNvPr>
+            <p:cNvSpPr/>
+            <p:nvPr/>
+          </p:nvSpPr>
+          <p:spPr>
+            <a:xfrm>
+              <a:off x="10154753" y="5219593"/>
+              <a:ext cx="1844706" cy="464414"/>
+            </a:xfrm>
+            <a:custGeom>
+              <a:avLst/>
+              <a:gdLst>
+                <a:gd name="connsiteX0" fmla="*/ 0 w 1447437"/>
+                <a:gd name="connsiteY0" fmla="*/ 66163 h 661631"/>
+                <a:gd name="connsiteX1" fmla="*/ 66163 w 1447437"/>
+                <a:gd name="connsiteY1" fmla="*/ 0 h 661631"/>
+                <a:gd name="connsiteX2" fmla="*/ 1381274 w 1447437"/>
+                <a:gd name="connsiteY2" fmla="*/ 0 h 661631"/>
+                <a:gd name="connsiteX3" fmla="*/ 1447437 w 1447437"/>
+                <a:gd name="connsiteY3" fmla="*/ 66163 h 661631"/>
+                <a:gd name="connsiteX4" fmla="*/ 1447437 w 1447437"/>
+                <a:gd name="connsiteY4" fmla="*/ 595468 h 661631"/>
+                <a:gd name="connsiteX5" fmla="*/ 1381274 w 1447437"/>
+                <a:gd name="connsiteY5" fmla="*/ 661631 h 661631"/>
+                <a:gd name="connsiteX6" fmla="*/ 66163 w 1447437"/>
+                <a:gd name="connsiteY6" fmla="*/ 661631 h 661631"/>
+                <a:gd name="connsiteX7" fmla="*/ 0 w 1447437"/>
+                <a:gd name="connsiteY7" fmla="*/ 595468 h 661631"/>
+                <a:gd name="connsiteX8" fmla="*/ 0 w 1447437"/>
+                <a:gd name="connsiteY8" fmla="*/ 66163 h 661631"/>
+              </a:gdLst>
+              <a:ahLst/>
+              <a:cxnLst>
+                <a:cxn ang="0">
+                  <a:pos x="connsiteX0" y="connsiteY0"/>
+                </a:cxn>
+                <a:cxn ang="0">
+                  <a:pos x="connsiteX1" y="connsiteY1"/>
+                </a:cxn>
+                <a:cxn ang="0">
+                  <a:pos x="connsiteX2" y="connsiteY2"/>
+                </a:cxn>
+                <a:cxn ang="0">
+                  <a:pos x="connsiteX3" y="connsiteY3"/>
+                </a:cxn>
+                <a:cxn ang="0">
+                  <a:pos x="connsiteX4" y="connsiteY4"/>
+                </a:cxn>
+                <a:cxn ang="0">
+                  <a:pos x="connsiteX5" y="connsiteY5"/>
+                </a:cxn>
+                <a:cxn ang="0">
+                  <a:pos x="connsiteX6" y="connsiteY6"/>
+                </a:cxn>
+                <a:cxn ang="0">
+                  <a:pos x="connsiteX7" y="connsiteY7"/>
+                </a:cxn>
+                <a:cxn ang="0">
+                  <a:pos x="connsiteX8" y="connsiteY8"/>
+                </a:cxn>
+              </a:cxnLst>
+              <a:rect l="l" t="t" r="r" b="b"/>
+              <a:pathLst>
+                <a:path w="1447437" h="661631">
+                  <a:moveTo>
+                    <a:pt x="0" y="66163"/>
+                  </a:moveTo>
+                  <a:cubicBezTo>
+                    <a:pt x="0" y="29622"/>
+                    <a:pt x="29622" y="0"/>
+                    <a:pt x="66163" y="0"/>
+                  </a:cubicBezTo>
+                  <a:lnTo>
+                    <a:pt x="1381274" y="0"/>
+                  </a:lnTo>
+                  <a:cubicBezTo>
+                    <a:pt x="1417815" y="0"/>
+                    <a:pt x="1447437" y="29622"/>
+                    <a:pt x="1447437" y="66163"/>
+                  </a:cubicBezTo>
+                  <a:lnTo>
+                    <a:pt x="1447437" y="595468"/>
+                  </a:lnTo>
+                  <a:cubicBezTo>
+                    <a:pt x="1447437" y="632009"/>
+                    <a:pt x="1417815" y="661631"/>
+                    <a:pt x="1381274" y="661631"/>
+                  </a:cubicBezTo>
+                  <a:lnTo>
+                    <a:pt x="66163" y="661631"/>
+                  </a:lnTo>
+                  <a:cubicBezTo>
+                    <a:pt x="29622" y="661631"/>
+                    <a:pt x="0" y="632009"/>
+                    <a:pt x="0" y="595468"/>
+                  </a:cubicBezTo>
+                  <a:lnTo>
+                    <a:pt x="0" y="66163"/>
+                  </a:lnTo>
+                  <a:close/>
+                </a:path>
+              </a:pathLst>
+            </a:custGeom>
+          </p:spPr>
+          <p:style>
+            <a:lnRef idx="2">
+              <a:schemeClr val="accent1">
+                <a:hueOff val="0"/>
+                <a:satOff val="0"/>
+                <a:lumOff val="0"/>
+                <a:alphaOff val="0"/>
+              </a:schemeClr>
+            </a:lnRef>
+            <a:fillRef idx="1">
+              <a:schemeClr val="lt1">
+                <a:alpha val="90000"/>
+                <a:hueOff val="0"/>
+                <a:satOff val="0"/>
+                <a:lumOff val="0"/>
+                <a:alphaOff val="0"/>
+              </a:schemeClr>
+            </a:fillRef>
+            <a:effectRef idx="0">
+              <a:schemeClr val="lt1">
+                <a:alpha val="90000"/>
+                <a:hueOff val="0"/>
+                <a:satOff val="0"/>
+                <a:lumOff val="0"/>
+                <a:alphaOff val="0"/>
+              </a:schemeClr>
+            </a:effectRef>
+            <a:fontRef idx="minor">
+              <a:schemeClr val="dk1">
+                <a:hueOff val="0"/>
+                <a:satOff val="0"/>
+                <a:lumOff val="0"/>
+                <a:alphaOff val="0"/>
+              </a:schemeClr>
+            </a:fontRef>
+          </p:style>
+          <p:txBody>
+            <a:bodyPr spcFirstLastPara="0" vert="horz" wrap="square" lIns="97611" tIns="97611" rIns="97611" bIns="97611" numCol="1" spcCol="1270" anchor="ctr" anchorCtr="0">
+              <a:noAutofit/>
+            </a:bodyPr>
+            <a:lstStyle/>
+            <a:p>
+              <a:pPr marL="0" lvl="0" indent="0" algn="ctr" defTabSz="488950">
+                <a:lnSpc>
+                  <a:spcPct val="90000"/>
+                </a:lnSpc>
+                <a:spcBef>
+                  <a:spcPct val="0"/>
+                </a:spcBef>
+                <a:spcAft>
+                  <a:spcPct val="35000"/>
+                </a:spcAft>
+                <a:buNone/>
+              </a:pPr>
+              <a:r>
+                <a:rPr lang="en-US" sz="1900" b="1" kern="1200" dirty="0">
+                  <a:latin typeface="Times New Roman" panose="02020603050405020304" pitchFamily="18" charset="0"/>
+                  <a:cs typeface="Times New Roman" panose="02020603050405020304" pitchFamily="18" charset="0"/>
+                </a:rPr>
+                <a:t>Conclusions &amp; Recommendations</a:t>
+              </a:r>
+            </a:p>
+          </p:txBody>
+        </p:sp>
+      </p:grpSp>
+      <p:sp>
+        <p:nvSpPr>
+          <p:cNvPr id="18" name="TextBox 17">
+            <a:extLst>
+              <a:ext uri="{FF2B5EF4-FFF2-40B4-BE49-F238E27FC236}">
+                <a16:creationId xmlns:a16="http://schemas.microsoft.com/office/drawing/2014/main" id="{82F6CCAF-FDA5-4578-B42B-4B90D7DF888E}"/>
+              </a:ext>
+            </a:extLst>
+          </p:cNvPr>
+          <p:cNvSpPr txBox="1"/>
+          <p:nvPr/>
+        </p:nvSpPr>
+        <p:spPr>
+          <a:xfrm>
+            <a:off x="3601731" y="2112549"/>
+            <a:ext cx="4071096" cy="369332"/>
+          </a:xfrm>
+          <a:prstGeom prst="rect">
+            <a:avLst/>
+          </a:prstGeom>
+          <a:noFill/>
+        </p:spPr>
+        <p:txBody>
+          <a:bodyPr wrap="square" rtlCol="0">
+            <a:spAutoFit/>
+          </a:bodyPr>
+          <a:lstStyle/>
+          <a:p>
+            <a:r>
+              <a:rPr lang="en-US" b="1" u="sng" dirty="0"/>
+              <a:t>Univariate Analysis – Numeric Variables</a:t>
+            </a:r>
+          </a:p>
+        </p:txBody>
+      </p:sp>
+      <p:pic>
+        <p:nvPicPr>
+          <p:cNvPr id="19" name="Picture 18">
+            <a:extLst>
+              <a:ext uri="{FF2B5EF4-FFF2-40B4-BE49-F238E27FC236}">
+                <a16:creationId xmlns:a16="http://schemas.microsoft.com/office/drawing/2014/main" id="{6A99CD02-A9E2-42CB-B9EF-7A6DEE53E3E9}"/>
+              </a:ext>
+            </a:extLst>
+          </p:cNvPr>
+          <p:cNvPicPr>
+            <a:picLocks noChangeAspect="1"/>
+          </p:cNvPicPr>
+          <p:nvPr/>
+        </p:nvPicPr>
+        <p:blipFill>
+          <a:blip r:embed="rId2"/>
+          <a:stretch>
+            <a:fillRect/>
+          </a:stretch>
+        </p:blipFill>
+        <p:spPr>
+          <a:xfrm>
+            <a:off x="1859368" y="2465657"/>
+            <a:ext cx="3888907" cy="1594540"/>
+          </a:xfrm>
+          <a:prstGeom prst="rect">
+            <a:avLst/>
+          </a:prstGeom>
+        </p:spPr>
+      </p:pic>
+      <p:sp>
+        <p:nvSpPr>
+          <p:cNvPr id="21" name="TextBox 20">
+            <a:extLst>
+              <a:ext uri="{FF2B5EF4-FFF2-40B4-BE49-F238E27FC236}">
+                <a16:creationId xmlns:a16="http://schemas.microsoft.com/office/drawing/2014/main" id="{35C6AEA3-9DC6-41CC-97C9-135B76DCB1F0}"/>
+              </a:ext>
+            </a:extLst>
+          </p:cNvPr>
+          <p:cNvSpPr txBox="1"/>
+          <p:nvPr/>
+        </p:nvSpPr>
+        <p:spPr>
+          <a:xfrm>
+            <a:off x="1785273" y="4070136"/>
+            <a:ext cx="4057553" cy="523220"/>
+          </a:xfrm>
+          <a:prstGeom prst="rect">
+            <a:avLst/>
+          </a:prstGeom>
+          <a:noFill/>
+        </p:spPr>
+        <p:txBody>
+          <a:bodyPr wrap="square">
+            <a:spAutoFit/>
+          </a:bodyPr>
+          <a:lstStyle/>
+          <a:p>
+            <a:pPr algn="ctr"/>
+            <a:r>
+              <a:rPr lang="en-US" sz="1400" b="0" i="0" dirty="0">
+                <a:effectLst/>
+                <a:latin typeface="Times New Roman" panose="02020603050405020304" pitchFamily="18" charset="0"/>
+                <a:cs typeface="Times New Roman" panose="02020603050405020304" pitchFamily="18" charset="0"/>
+              </a:rPr>
+              <a:t>Most of the people prefer loan amount ranging from 4000 to 10000. The median of loan amount is 9200</a:t>
+            </a:r>
+            <a:endParaRPr lang="en-US" sz="1400" dirty="0">
+              <a:latin typeface="Times New Roman" panose="02020603050405020304" pitchFamily="18" charset="0"/>
+              <a:cs typeface="Times New Roman" panose="02020603050405020304" pitchFamily="18" charset="0"/>
+            </a:endParaRPr>
+          </a:p>
+        </p:txBody>
+      </p:sp>
+      <p:cxnSp>
+        <p:nvCxnSpPr>
+          <p:cNvPr id="23" name="Straight Connector 22">
+            <a:extLst>
+              <a:ext uri="{FF2B5EF4-FFF2-40B4-BE49-F238E27FC236}">
+                <a16:creationId xmlns:a16="http://schemas.microsoft.com/office/drawing/2014/main" id="{02B5CCA5-3E54-40AD-8BE0-E0794810C15C}"/>
+              </a:ext>
+            </a:extLst>
+          </p:cNvPr>
+          <p:cNvCxnSpPr>
+            <a:cxnSpLocks/>
+          </p:cNvCxnSpPr>
+          <p:nvPr/>
+        </p:nvCxnSpPr>
+        <p:spPr>
+          <a:xfrm>
+            <a:off x="5970220" y="2465657"/>
+            <a:ext cx="0" cy="4351019"/>
+          </a:xfrm>
+          <a:prstGeom prst="line">
+            <a:avLst/>
+          </a:prstGeom>
+        </p:spPr>
+        <p:style>
+          <a:lnRef idx="1">
+            <a:schemeClr val="accent1"/>
+          </a:lnRef>
+          <a:fillRef idx="0">
+            <a:schemeClr val="accent1"/>
+          </a:fillRef>
+          <a:effectRef idx="0">
+            <a:schemeClr val="accent1"/>
+          </a:effectRef>
+          <a:fontRef idx="minor">
+            <a:schemeClr val="tx1"/>
+          </a:fontRef>
+        </p:style>
+      </p:cxnSp>
+      <p:cxnSp>
+        <p:nvCxnSpPr>
+          <p:cNvPr id="25" name="Straight Connector 24">
+            <a:extLst>
+              <a:ext uri="{FF2B5EF4-FFF2-40B4-BE49-F238E27FC236}">
+                <a16:creationId xmlns:a16="http://schemas.microsoft.com/office/drawing/2014/main" id="{3469E786-E8BD-4C8A-B1AA-91BCDFF9A119}"/>
+              </a:ext>
+            </a:extLst>
+          </p:cNvPr>
+          <p:cNvCxnSpPr>
+            <a:cxnSpLocks/>
+          </p:cNvCxnSpPr>
+          <p:nvPr/>
+        </p:nvCxnSpPr>
+        <p:spPr>
+          <a:xfrm flipV="1">
+            <a:off x="1885872" y="4593356"/>
+            <a:ext cx="8358174" cy="47810"/>
+          </a:xfrm>
+          <a:prstGeom prst="line">
+            <a:avLst/>
+          </a:prstGeom>
+        </p:spPr>
+        <p:style>
+          <a:lnRef idx="1">
+            <a:schemeClr val="accent1"/>
+          </a:lnRef>
+          <a:fillRef idx="0">
+            <a:schemeClr val="accent1"/>
+          </a:fillRef>
+          <a:effectRef idx="0">
+            <a:schemeClr val="accent1"/>
+          </a:effectRef>
+          <a:fontRef idx="minor">
+            <a:schemeClr val="tx1"/>
+          </a:fontRef>
+        </p:style>
+      </p:cxnSp>
+      <p:pic>
+        <p:nvPicPr>
+          <p:cNvPr id="28" name="Picture 27">
+            <a:extLst>
+              <a:ext uri="{FF2B5EF4-FFF2-40B4-BE49-F238E27FC236}">
+                <a16:creationId xmlns:a16="http://schemas.microsoft.com/office/drawing/2014/main" id="{B9F79F5D-C486-4D5D-929D-A08A49A4EA96}"/>
+              </a:ext>
+            </a:extLst>
+          </p:cNvPr>
+          <p:cNvPicPr>
+            <a:picLocks noChangeAspect="1"/>
+          </p:cNvPicPr>
+          <p:nvPr/>
+        </p:nvPicPr>
+        <p:blipFill>
+          <a:blip r:embed="rId3"/>
+          <a:stretch>
+            <a:fillRect/>
+          </a:stretch>
+        </p:blipFill>
+        <p:spPr>
+          <a:xfrm>
+            <a:off x="1915372" y="4724084"/>
+            <a:ext cx="3886200" cy="1456238"/>
+          </a:xfrm>
+          <a:prstGeom prst="rect">
+            <a:avLst/>
+          </a:prstGeom>
+        </p:spPr>
+      </p:pic>
+      <p:sp>
+        <p:nvSpPr>
+          <p:cNvPr id="29" name="TextBox 28">
+            <a:extLst>
+              <a:ext uri="{FF2B5EF4-FFF2-40B4-BE49-F238E27FC236}">
+                <a16:creationId xmlns:a16="http://schemas.microsoft.com/office/drawing/2014/main" id="{DDD82C8F-C4C1-4C67-BA22-729FF594971E}"/>
+              </a:ext>
+            </a:extLst>
+          </p:cNvPr>
+          <p:cNvSpPr txBox="1"/>
+          <p:nvPr/>
+        </p:nvSpPr>
+        <p:spPr>
+          <a:xfrm>
+            <a:off x="1899269" y="6112492"/>
+            <a:ext cx="3888906" cy="738664"/>
+          </a:xfrm>
+          <a:prstGeom prst="rect">
+            <a:avLst/>
+          </a:prstGeom>
+          <a:noFill/>
+        </p:spPr>
+        <p:txBody>
+          <a:bodyPr wrap="square">
+            <a:spAutoFit/>
+          </a:bodyPr>
+          <a:lstStyle/>
+          <a:p>
+            <a:pPr algn="ctr"/>
+            <a:r>
+              <a:rPr lang="en-US" sz="1400" b="0" i="0" dirty="0">
+                <a:effectLst/>
+                <a:latin typeface="Times New Roman" panose="02020603050405020304" pitchFamily="18" charset="0"/>
+                <a:cs typeface="Times New Roman" panose="02020603050405020304" pitchFamily="18" charset="0"/>
+              </a:rPr>
+              <a:t>The average interest rate is 11.8 %. As the interest rate increases beyond 15%, number of customers taking loans reduces significantly</a:t>
+            </a:r>
+            <a:endParaRPr lang="en-US" sz="1400" dirty="0">
+              <a:latin typeface="Times New Roman" panose="02020603050405020304" pitchFamily="18" charset="0"/>
+              <a:cs typeface="Times New Roman" panose="02020603050405020304" pitchFamily="18" charset="0"/>
+            </a:endParaRPr>
+          </a:p>
+        </p:txBody>
+      </p:sp>
+      <p:pic>
+        <p:nvPicPr>
+          <p:cNvPr id="30" name="Picture 29">
+            <a:extLst>
+              <a:ext uri="{FF2B5EF4-FFF2-40B4-BE49-F238E27FC236}">
+                <a16:creationId xmlns:a16="http://schemas.microsoft.com/office/drawing/2014/main" id="{EBA92D75-F039-4E4A-80A4-400584BFE026}"/>
+              </a:ext>
+            </a:extLst>
+          </p:cNvPr>
+          <p:cNvPicPr>
+            <a:picLocks noChangeAspect="1"/>
+          </p:cNvPicPr>
+          <p:nvPr/>
+        </p:nvPicPr>
+        <p:blipFill>
+          <a:blip r:embed="rId4"/>
+          <a:stretch>
+            <a:fillRect/>
+          </a:stretch>
+        </p:blipFill>
+        <p:spPr>
+          <a:xfrm>
+            <a:off x="6081342" y="2472768"/>
+            <a:ext cx="3886200" cy="1597368"/>
+          </a:xfrm>
+          <a:prstGeom prst="rect">
+            <a:avLst/>
+          </a:prstGeom>
+        </p:spPr>
+      </p:pic>
+      <p:sp>
+        <p:nvSpPr>
+          <p:cNvPr id="33" name="TextBox 32">
+            <a:extLst>
+              <a:ext uri="{FF2B5EF4-FFF2-40B4-BE49-F238E27FC236}">
+                <a16:creationId xmlns:a16="http://schemas.microsoft.com/office/drawing/2014/main" id="{A086B6F6-CE10-4C92-9BAB-D411D8EDC540}"/>
+              </a:ext>
+            </a:extLst>
+          </p:cNvPr>
+          <p:cNvSpPr txBox="1"/>
+          <p:nvPr/>
+        </p:nvSpPr>
+        <p:spPr>
+          <a:xfrm>
+            <a:off x="6070489" y="4094041"/>
+            <a:ext cx="4035305" cy="523220"/>
+          </a:xfrm>
+          <a:prstGeom prst="rect">
+            <a:avLst/>
+          </a:prstGeom>
+          <a:noFill/>
+        </p:spPr>
+        <p:txBody>
+          <a:bodyPr wrap="square">
+            <a:spAutoFit/>
+          </a:bodyPr>
+          <a:lstStyle/>
+          <a:p>
+            <a:pPr algn="ctr"/>
+            <a:r>
+              <a:rPr lang="en-US" sz="1400" b="0" i="0" dirty="0">
+                <a:effectLst/>
+                <a:latin typeface="Times New Roman" panose="02020603050405020304" pitchFamily="18" charset="0"/>
+                <a:cs typeface="Times New Roman" panose="02020603050405020304" pitchFamily="18" charset="0"/>
+              </a:rPr>
+              <a:t>The median of annual income is 56100. It</a:t>
+            </a:r>
+            <a:r>
+              <a:rPr lang="en-US" sz="1400" dirty="0">
+                <a:latin typeface="Times New Roman" panose="02020603050405020304" pitchFamily="18" charset="0"/>
+                <a:cs typeface="Times New Roman" panose="02020603050405020304" pitchFamily="18" charset="0"/>
+              </a:rPr>
+              <a:t> follows a near normal distribution which is right-skewed</a:t>
+            </a:r>
+          </a:p>
+        </p:txBody>
+      </p:sp>
+      <p:pic>
+        <p:nvPicPr>
+          <p:cNvPr id="34" name="Picture 33">
+            <a:extLst>
+              <a:ext uri="{FF2B5EF4-FFF2-40B4-BE49-F238E27FC236}">
+                <a16:creationId xmlns:a16="http://schemas.microsoft.com/office/drawing/2014/main" id="{8FC7DDEF-4848-4386-9A90-08883339416E}"/>
+              </a:ext>
+            </a:extLst>
+          </p:cNvPr>
+          <p:cNvPicPr>
+            <a:picLocks noChangeAspect="1"/>
+          </p:cNvPicPr>
+          <p:nvPr/>
+        </p:nvPicPr>
+        <p:blipFill>
+          <a:blip r:embed="rId5"/>
+          <a:stretch>
+            <a:fillRect/>
+          </a:stretch>
+        </p:blipFill>
+        <p:spPr>
+          <a:xfrm>
+            <a:off x="6081342" y="4802448"/>
+            <a:ext cx="3886200" cy="1443197"/>
+          </a:xfrm>
+          <a:prstGeom prst="rect">
+            <a:avLst/>
+          </a:prstGeom>
+        </p:spPr>
+      </p:pic>
+      <p:sp>
+        <p:nvSpPr>
+          <p:cNvPr id="35" name="TextBox 34">
+            <a:extLst>
+              <a:ext uri="{FF2B5EF4-FFF2-40B4-BE49-F238E27FC236}">
+                <a16:creationId xmlns:a16="http://schemas.microsoft.com/office/drawing/2014/main" id="{B7DC8505-F691-4D9E-B1AF-02D14B948EA5}"/>
+              </a:ext>
+            </a:extLst>
+          </p:cNvPr>
+          <p:cNvSpPr txBox="1"/>
+          <p:nvPr/>
+        </p:nvSpPr>
+        <p:spPr>
+          <a:xfrm>
+            <a:off x="6064679" y="6180322"/>
+            <a:ext cx="4143683" cy="523220"/>
+          </a:xfrm>
+          <a:prstGeom prst="rect">
+            <a:avLst/>
+          </a:prstGeom>
+          <a:noFill/>
+        </p:spPr>
+        <p:txBody>
+          <a:bodyPr wrap="square">
+            <a:spAutoFit/>
+          </a:bodyPr>
+          <a:lstStyle/>
+          <a:p>
+            <a:pPr algn="ctr"/>
+            <a:r>
+              <a:rPr lang="en-US" sz="1400" b="0" dirty="0">
+                <a:solidFill>
+                  <a:srgbClr val="000000"/>
+                </a:solidFill>
+                <a:effectLst/>
+                <a:latin typeface="Times New Roman" panose="02020603050405020304" pitchFamily="18" charset="0"/>
+                <a:cs typeface="Times New Roman" panose="02020603050405020304" pitchFamily="18" charset="0"/>
+              </a:rPr>
+              <a:t>The average dti ratio is 13.38. The dti ratio is almost following normal distribution with peak near to 14 dti</a:t>
+            </a:r>
+          </a:p>
+        </p:txBody>
+      </p:sp>
+    </p:spTree>
+    <p:extLst>
+      <p:ext uri="{BB962C8B-B14F-4D97-AF65-F5344CB8AC3E}">
+        <p14:creationId xmlns:p14="http://schemas.microsoft.com/office/powerpoint/2010/main" val="2218201346"/>
       </p:ext>
     </p:extLst>
   </p:cSld>
